--- a/_teaching/csci112-fall-2023/lectures/ppts/Chapter5.pptx
+++ b/_teaching/csci112-fall-2023/lectures/ppts/Chapter5.pptx
@@ -7577,9 +7577,10 @@
               <a:buNone/>
             </a:pPr>
             <a:r>
-              <a:rPr lang="en-US" dirty="0"/>
-              <a:t>    ++counter</a:t>
-            </a:r>
+              <a:rPr lang="en-US"/>
+              <a:t>    --counter</a:t>
+            </a:r>
+            <a:endParaRPr lang="en-US" dirty="0"/>
           </a:p>
         </p:txBody>
       </p:sp>

--- a/_teaching/csci112-fall-2023/lectures/ppts/Chapter5.pptx
+++ b/_teaching/csci112-fall-2023/lectures/ppts/Chapter5.pptx
@@ -5,7 +5,7 @@
     <p:sldMasterId id="2147483696" r:id="rId1"/>
   </p:sldMasterIdLst>
   <p:notesMasterIdLst>
-    <p:notesMasterId r:id="rId54"/>
+    <p:notesMasterId r:id="rId21"/>
   </p:notesMasterIdLst>
   <p:sldIdLst>
     <p:sldId id="256" r:id="rId2"/>
@@ -19,47 +19,14 @@
     <p:sldId id="344" r:id="rId10"/>
     <p:sldId id="345" r:id="rId11"/>
     <p:sldId id="346" r:id="rId12"/>
-    <p:sldId id="347" r:id="rId13"/>
-    <p:sldId id="273" r:id="rId14"/>
-    <p:sldId id="274" r:id="rId15"/>
-    <p:sldId id="275" r:id="rId16"/>
-    <p:sldId id="276" r:id="rId17"/>
-    <p:sldId id="277" r:id="rId18"/>
-    <p:sldId id="279" r:id="rId19"/>
-    <p:sldId id="281" r:id="rId20"/>
-    <p:sldId id="282" r:id="rId21"/>
-    <p:sldId id="283" r:id="rId22"/>
-    <p:sldId id="284" r:id="rId23"/>
-    <p:sldId id="285" r:id="rId24"/>
-    <p:sldId id="286" r:id="rId25"/>
-    <p:sldId id="287" r:id="rId26"/>
-    <p:sldId id="290" r:id="rId27"/>
-    <p:sldId id="289" r:id="rId28"/>
-    <p:sldId id="293" r:id="rId29"/>
-    <p:sldId id="291" r:id="rId30"/>
-    <p:sldId id="292" r:id="rId31"/>
-    <p:sldId id="288" r:id="rId32"/>
-    <p:sldId id="294" r:id="rId33"/>
-    <p:sldId id="295" r:id="rId34"/>
-    <p:sldId id="299" r:id="rId35"/>
-    <p:sldId id="300" r:id="rId36"/>
-    <p:sldId id="301" r:id="rId37"/>
-    <p:sldId id="302" r:id="rId38"/>
-    <p:sldId id="303" r:id="rId39"/>
-    <p:sldId id="304" r:id="rId40"/>
-    <p:sldId id="305" r:id="rId41"/>
-    <p:sldId id="307" r:id="rId42"/>
-    <p:sldId id="308" r:id="rId43"/>
-    <p:sldId id="309" r:id="rId44"/>
-    <p:sldId id="310" r:id="rId45"/>
-    <p:sldId id="311" r:id="rId46"/>
-    <p:sldId id="312" r:id="rId47"/>
-    <p:sldId id="313" r:id="rId48"/>
-    <p:sldId id="314" r:id="rId49"/>
-    <p:sldId id="318" r:id="rId50"/>
-    <p:sldId id="316" r:id="rId51"/>
-    <p:sldId id="333" r:id="rId52"/>
-    <p:sldId id="269" r:id="rId53"/>
+    <p:sldId id="282" r:id="rId13"/>
+    <p:sldId id="294" r:id="rId14"/>
+    <p:sldId id="347" r:id="rId15"/>
+    <p:sldId id="287" r:id="rId16"/>
+    <p:sldId id="290" r:id="rId17"/>
+    <p:sldId id="295" r:id="rId18"/>
+    <p:sldId id="309" r:id="rId19"/>
+    <p:sldId id="310" r:id="rId20"/>
   </p:sldIdLst>
   <p:sldSz cx="9144000" cy="6858000" type="screen4x3"/>
   <p:notesSz cx="6858000" cy="9144000"/>
@@ -259,7 +226,7 @@
           <a:p>
             <a:fld id="{E98CB7A6-F9BD-49C3-9ECF-4DAF095CBB1C}" type="datetimeFigureOut">
               <a:rPr lang="en-US" smtClean="0"/>
-              <a:t>9/14/23</a:t>
+              <a:t>9/18/23</a:t>
             </a:fld>
             <a:endParaRPr lang="en-US"/>
           </a:p>
@@ -705,7 +672,7 @@
           <a:p>
             <a:fld id="{E3D5AC34-6369-47AD-9227-C94D863A9CC0}" type="datetime1">
               <a:rPr lang="en-US" smtClean="0"/>
-              <a:t>9/14/23</a:t>
+              <a:t>9/18/23</a:t>
             </a:fld>
             <a:endParaRPr lang="en-US"/>
           </a:p>
@@ -876,7 +843,7 @@
           <a:p>
             <a:fld id="{072AE9C9-84B0-4CCC-8BB5-D31EF955DABF}" type="datetime1">
               <a:rPr lang="en-US" smtClean="0"/>
-              <a:t>9/14/23</a:t>
+              <a:t>9/18/23</a:t>
             </a:fld>
             <a:endParaRPr lang="en-US"/>
           </a:p>
@@ -1057,7 +1024,7 @@
           <a:p>
             <a:fld id="{418459C9-6810-46A7-8E27-73A52524CA34}" type="datetime1">
               <a:rPr lang="en-US" smtClean="0"/>
-              <a:t>9/14/23</a:t>
+              <a:t>9/18/23</a:t>
             </a:fld>
             <a:endParaRPr lang="en-US"/>
           </a:p>
@@ -1228,7 +1195,7 @@
           <a:p>
             <a:fld id="{F7BCA306-D31B-4E3C-AD40-EA3294957AA6}" type="datetime1">
               <a:rPr lang="en-US" smtClean="0"/>
-              <a:t>9/14/23</a:t>
+              <a:t>9/18/23</a:t>
             </a:fld>
             <a:endParaRPr lang="en-US"/>
           </a:p>
@@ -1476,7 +1443,7 @@
           <a:p>
             <a:fld id="{5C41660C-86E2-43CF-B22A-29E62815AB7D}" type="datetime1">
               <a:rPr lang="en-US" smtClean="0"/>
-              <a:t>9/14/23</a:t>
+              <a:t>9/18/23</a:t>
             </a:fld>
             <a:endParaRPr lang="en-US"/>
           </a:p>
@@ -1764,7 +1731,7 @@
           <a:p>
             <a:fld id="{94543629-6BC7-4BF9-A2A1-981038F36C55}" type="datetime1">
               <a:rPr lang="en-US" smtClean="0"/>
-              <a:t>9/14/23</a:t>
+              <a:t>9/18/23</a:t>
             </a:fld>
             <a:endParaRPr lang="en-US"/>
           </a:p>
@@ -2186,7 +2153,7 @@
           <a:p>
             <a:fld id="{EB5B99CF-F104-4BC6-A098-3ABC219C8A7D}" type="datetime1">
               <a:rPr lang="en-US" smtClean="0"/>
-              <a:t>9/14/23</a:t>
+              <a:t>9/18/23</a:t>
             </a:fld>
             <a:endParaRPr lang="en-US"/>
           </a:p>
@@ -2306,7 +2273,7 @@
           <a:p>
             <a:fld id="{C07800F5-980D-47D4-9F20-E5F458E76937}" type="datetime1">
               <a:rPr lang="en-US" smtClean="0"/>
-              <a:t>9/14/23</a:t>
+              <a:t>9/18/23</a:t>
             </a:fld>
             <a:endParaRPr lang="en-US"/>
           </a:p>
@@ -2404,7 +2371,7 @@
           <a:p>
             <a:fld id="{913B0C59-39A1-4E7B-8276-56A7060F0A3E}" type="datetime1">
               <a:rPr lang="en-US" smtClean="0"/>
-              <a:t>9/14/23</a:t>
+              <a:t>9/18/23</a:t>
             </a:fld>
             <a:endParaRPr lang="en-US"/>
           </a:p>
@@ -2682,7 +2649,7 @@
           <a:p>
             <a:fld id="{C453B8A8-F829-4B10-8A5D-952BBAE5F11B}" type="datetime1">
               <a:rPr lang="en-US" smtClean="0"/>
-              <a:t>9/14/23</a:t>
+              <a:t>9/18/23</a:t>
             </a:fld>
             <a:endParaRPr lang="en-US"/>
           </a:p>
@@ -2937,7 +2904,7 @@
           <a:p>
             <a:fld id="{805C8FAD-01C2-4C81-8B26-770D72A95E71}" type="datetime1">
               <a:rPr lang="en-US" smtClean="0"/>
-              <a:t>9/14/23</a:t>
+              <a:t>9/18/23</a:t>
             </a:fld>
             <a:endParaRPr lang="en-US"/>
           </a:p>
@@ -3151,7 +3118,7 @@
           <a:p>
             <a:fld id="{3E62D69C-6875-48F7-B20D-CB317DFF406B}" type="datetime1">
               <a:rPr lang="en-US" smtClean="0"/>
-              <a:t>9/14/23</a:t>
+              <a:t>9/18/23</a:t>
             </a:fld>
             <a:endParaRPr lang="en-US"/>
           </a:p>
@@ -4263,12 +4230,14 @@
         </p:nvSpPr>
         <p:spPr/>
         <p:txBody>
-          <a:bodyPr/>
+          <a:bodyPr>
+            <a:normAutofit fontScale="90000"/>
+          </a:bodyPr>
           <a:lstStyle/>
           <a:p>
             <a:r>
               <a:rPr lang="en-US" dirty="0"/>
-              <a:t>Nested Loops</a:t>
+              <a:t>Computing a Sum or Product in a Loop</a:t>
             </a:r>
           </a:p>
         </p:txBody>
@@ -4290,19 +4259,14 @@
           <a:p>
             <a:r>
               <a:rPr lang="en-US" dirty="0"/>
-              <a:t>Loops may be nested just like other control structures</a:t>
-            </a:r>
-          </a:p>
-          <a:p>
+              <a:t>accumulator</a:t>
+            </a:r>
+          </a:p>
+          <a:p>
+            <a:pPr lvl="1"/>
             <a:r>
               <a:rPr lang="en-US" dirty="0"/>
-              <a:t>Nested loops consist of an outer loop with one or more inner loops</a:t>
-            </a:r>
-          </a:p>
-          <a:p>
-            <a:r>
-              <a:rPr lang="en-US" dirty="0"/>
-              <a:t>Each time the outer loop is repeated, the inner loops are reentered, their loop control expressions are reevaluated, and all required iterations are performed</a:t>
+              <a:t>a variable used to store a value being computed in increments during the execution of a loop</a:t>
             </a:r>
           </a:p>
         </p:txBody>
@@ -4355,7 +4319,7 @@
     </p:spTree>
     <p:extLst>
       <p:ext uri="{BB962C8B-B14F-4D97-AF65-F5344CB8AC3E}">
-        <p14:creationId xmlns:p14="http://schemas.microsoft.com/office/powerpoint/2010/main" val="3107825785"/>
+        <p14:creationId xmlns:p14="http://schemas.microsoft.com/office/powerpoint/2010/main" val="2426354933"/>
       </p:ext>
     </p:extLst>
   </p:cSld>
@@ -4399,7 +4363,7 @@
           <a:p>
             <a:r>
               <a:rPr lang="en-US" dirty="0"/>
-              <a:t>Comparison of Loop Kinds</a:t>
+              <a:t>Computing Factorial</a:t>
             </a:r>
           </a:p>
         </p:txBody>
@@ -4421,18 +4385,21 @@
           <a:p>
             <a:r>
               <a:rPr lang="en-US" dirty="0"/>
-              <a:t>counting loop	</a:t>
-            </a:r>
-          </a:p>
-          <a:p>
-            <a:pPr lvl="1"/>
+              <a:t>loop body executes for decreasing value of </a:t>
+            </a:r>
+            <a:r>
+              <a:rPr lang="en-US" dirty="0" err="1">
+                <a:solidFill>
+                  <a:srgbClr val="7030A0"/>
+                </a:solidFill>
+                <a:latin typeface="Cambria" panose="02040503050406030204" pitchFamily="18" charset="0"/>
+              </a:rPr>
+              <a:t>i</a:t>
+            </a:r>
             <a:r>
               <a:rPr lang="en-US" dirty="0"/>
-              <a:t>we can determine before loop execution exactly how many loop repetitions will be needed to solve the problem</a:t>
-            </a:r>
-          </a:p>
-          <a:p>
-            <a:pPr lvl="2"/>
+              <a:t> from </a:t>
+            </a:r>
             <a:r>
               <a:rPr lang="en-US" dirty="0">
                 <a:solidFill>
@@ -4440,32 +4407,49 @@
                 </a:solidFill>
                 <a:latin typeface="Cambria" panose="02040503050406030204" pitchFamily="18" charset="0"/>
               </a:rPr>
-              <a:t>while, for</a:t>
-            </a:r>
-          </a:p>
-          <a:p>
+              <a:t>n</a:t>
+            </a:r>
             <a:r>
               <a:rPr lang="en-US" dirty="0"/>
-              <a:t>sentinel-controlled loop</a:t>
-            </a:r>
-          </a:p>
-          <a:p>
-            <a:pPr lvl="1"/>
+              <a:t> through 2</a:t>
+            </a:r>
+          </a:p>
+          <a:p>
             <a:r>
               <a:rPr lang="en-US" dirty="0"/>
-              <a:t>input of a list of data of any length ended by a special value</a:t>
-            </a:r>
-          </a:p>
-          <a:p>
-            <a:pPr lvl="2"/>
-            <a:r>
-              <a:rPr lang="en-US" dirty="0">
+              <a:t>each value of </a:t>
+            </a:r>
+            <a:r>
+              <a:rPr lang="en-US" dirty="0" err="1">
                 <a:solidFill>
                   <a:srgbClr val="7030A0"/>
                 </a:solidFill>
                 <a:latin typeface="Cambria" panose="02040503050406030204" pitchFamily="18" charset="0"/>
               </a:rPr>
-              <a:t>while, for</a:t>
+              <a:t>i</a:t>
+            </a:r>
+            <a:r>
+              <a:rPr lang="en-US" dirty="0"/>
+              <a:t> is incorporated in the accumulating product</a:t>
+            </a:r>
+          </a:p>
+          <a:p>
+            <a:r>
+              <a:rPr lang="en-US" dirty="0"/>
+              <a:t>loop exit occurs when </a:t>
+            </a:r>
+            <a:r>
+              <a:rPr lang="en-US" dirty="0" err="1">
+                <a:solidFill>
+                  <a:srgbClr val="7030A0"/>
+                </a:solidFill>
+                <a:latin typeface="Cambria" panose="02040503050406030204" pitchFamily="18" charset="0"/>
+              </a:rPr>
+              <a:t>i</a:t>
+            </a:r>
+            <a:r>
+              <a:rPr lang="en-US" dirty="0"/>
+              <a:t> is 1</a:t>
             </a:r>
           </a:p>
         </p:txBody>
@@ -4518,7 +4502,7 @@
     </p:spTree>
     <p:extLst>
       <p:ext uri="{BB962C8B-B14F-4D97-AF65-F5344CB8AC3E}">
-        <p14:creationId xmlns:p14="http://schemas.microsoft.com/office/powerpoint/2010/main" val="3511689563"/>
+        <p14:creationId xmlns:p14="http://schemas.microsoft.com/office/powerpoint/2010/main" val="2814592544"/>
       </p:ext>
     </p:extLst>
   </p:cSld>
@@ -4562,7 +4546,7 @@
           <a:p>
             <a:r>
               <a:rPr lang="en-US" dirty="0"/>
-              <a:t>Comparison of Loop Kinds</a:t>
+              <a:t>Nested Loops</a:t>
             </a:r>
           </a:p>
         </p:txBody>
@@ -4577,94 +4561,26 @@
             <p:ph idx="1"/>
           </p:nvPr>
         </p:nvSpPr>
-        <p:spPr>
-          <a:xfrm>
-            <a:off x="457200" y="1371600"/>
-            <a:ext cx="8229600" cy="4754563"/>
-          </a:xfrm>
-        </p:spPr>
-        <p:txBody>
-          <a:bodyPr>
-            <a:normAutofit fontScale="92500" lnSpcReduction="20000"/>
-          </a:bodyPr>
-          <a:lstStyle/>
-          <a:p>
-            <a:r>
-              <a:rPr lang="en-US" dirty="0" err="1"/>
-              <a:t>endfile</a:t>
-            </a:r>
+        <p:spPr/>
+        <p:txBody>
+          <a:bodyPr/>
+          <a:lstStyle/>
+          <a:p>
             <a:r>
               <a:rPr lang="en-US" dirty="0"/>
-              <a:t>-controlled loop</a:t>
-            </a:r>
-          </a:p>
-          <a:p>
-            <a:pPr lvl="1"/>
+              <a:t>Loops may be nested just like other control structures</a:t>
+            </a:r>
+          </a:p>
+          <a:p>
             <a:r>
               <a:rPr lang="en-US" dirty="0"/>
-              <a:t>input of a single list of data of any length from a data file</a:t>
-            </a:r>
-          </a:p>
-          <a:p>
-            <a:pPr lvl="2"/>
-            <a:r>
-              <a:rPr lang="en-US" dirty="0">
-                <a:solidFill>
-                  <a:srgbClr val="7030A0"/>
-                </a:solidFill>
-                <a:latin typeface="Cambria" panose="02040503050406030204" pitchFamily="18" charset="0"/>
-              </a:rPr>
-              <a:t>while, for</a:t>
+              <a:t>Nested loops consist of an outer loop with one or more inner loops</a:t>
             </a:r>
           </a:p>
           <a:p>
             <a:r>
               <a:rPr lang="en-US" dirty="0"/>
-              <a:t>input validation loop</a:t>
-            </a:r>
-          </a:p>
-          <a:p>
-            <a:pPr lvl="1"/>
-            <a:r>
-              <a:rPr lang="en-US" dirty="0"/>
-              <a:t>repeated interactive input of a data value until a value within the valid range is entered</a:t>
-            </a:r>
-          </a:p>
-          <a:p>
-            <a:pPr lvl="2"/>
-            <a:r>
-              <a:rPr lang="en-US" dirty="0">
-                <a:solidFill>
-                  <a:srgbClr val="7030A0"/>
-                </a:solidFill>
-                <a:latin typeface="Cambria" panose="02040503050406030204" pitchFamily="18" charset="0"/>
-              </a:rPr>
-              <a:t>do-while</a:t>
-            </a:r>
-          </a:p>
-          <a:p>
-            <a:r>
-              <a:rPr lang="en-US" dirty="0"/>
-              <a:t>general conditional loop</a:t>
-            </a:r>
-          </a:p>
-          <a:p>
-            <a:pPr lvl="1"/>
-            <a:r>
-              <a:rPr lang="en-US" dirty="0"/>
-              <a:t>repeated processing of data until a desired condition is met</a:t>
-            </a:r>
-          </a:p>
-          <a:p>
-            <a:pPr lvl="2"/>
-            <a:r>
-              <a:rPr lang="en-US" dirty="0">
-                <a:solidFill>
-                  <a:srgbClr val="7030A0"/>
-                </a:solidFill>
-                <a:latin typeface="Cambria" panose="02040503050406030204" pitchFamily="18" charset="0"/>
-              </a:rPr>
-              <a:t>while, for</a:t>
+              <a:t>Each time the outer loop is repeated, the inner loops are reentered, their loop control expressions are reevaluated, and all required iterations are performed</a:t>
             </a:r>
           </a:p>
         </p:txBody>
@@ -4717,7 +4633,7 @@
     </p:spTree>
     <p:extLst>
       <p:ext uri="{BB962C8B-B14F-4D97-AF65-F5344CB8AC3E}">
-        <p14:creationId xmlns:p14="http://schemas.microsoft.com/office/powerpoint/2010/main" val="4193313276"/>
+        <p14:creationId xmlns:p14="http://schemas.microsoft.com/office/powerpoint/2010/main" val="3107825785"/>
       </p:ext>
     </p:extLst>
   </p:cSld>
@@ -4746,82 +4662,7 @@
       </p:grpSpPr>
       <p:sp>
         <p:nvSpPr>
-          <p:cNvPr id="2" name="Title 1"/>
-          <p:cNvSpPr>
-            <a:spLocks noGrp="1"/>
-          </p:cNvSpPr>
-          <p:nvPr>
-            <p:ph type="title"/>
-          </p:nvPr>
-        </p:nvSpPr>
-        <p:spPr/>
-        <p:txBody>
-          <a:bodyPr/>
-          <a:lstStyle/>
-          <a:p>
-            <a:r>
-              <a:rPr lang="en-US" dirty="0"/>
-              <a:t>Counting Loops</a:t>
-            </a:r>
-          </a:p>
-        </p:txBody>
-      </p:sp>
-      <p:sp>
-        <p:nvSpPr>
-          <p:cNvPr id="3" name="Content Placeholder 2"/>
-          <p:cNvSpPr>
-            <a:spLocks noGrp="1"/>
-          </p:cNvSpPr>
-          <p:nvPr>
-            <p:ph idx="1"/>
-          </p:nvPr>
-        </p:nvSpPr>
-        <p:spPr/>
-        <p:txBody>
-          <a:bodyPr/>
-          <a:lstStyle/>
-          <a:p>
-            <a:r>
-              <a:rPr lang="en-US" dirty="0"/>
-              <a:t>counter-controlled loop</a:t>
-            </a:r>
-          </a:p>
-          <a:p>
-            <a:pPr lvl="1"/>
-            <a:r>
-              <a:rPr lang="en-US" dirty="0"/>
-              <a:t>a.k.a. counting loop</a:t>
-            </a:r>
-          </a:p>
-          <a:p>
-            <a:pPr lvl="1"/>
-            <a:r>
-              <a:rPr lang="en-US" dirty="0"/>
-              <a:t>a loop whose required number of iterations can be determined before loop execution begins</a:t>
-            </a:r>
-            <a:br>
-              <a:rPr lang="en-US" dirty="0"/>
-            </a:br>
-            <a:endParaRPr lang="en-US" dirty="0"/>
-          </a:p>
-          <a:p>
-            <a:r>
-              <a:rPr lang="en-US" dirty="0"/>
-              <a:t>loop repetition condition</a:t>
-            </a:r>
-          </a:p>
-          <a:p>
-            <a:pPr lvl="1"/>
-            <a:r>
-              <a:rPr lang="en-US" dirty="0"/>
-              <a:t>the condition that controls loop repetition</a:t>
-            </a:r>
-          </a:p>
-        </p:txBody>
-      </p:sp>
-      <p:sp>
-        <p:nvSpPr>
-          <p:cNvPr id="4" name="Footer Placeholder 3"/>
+          <p:cNvPr id="2" name="Footer Placeholder 1"/>
           <p:cNvSpPr>
             <a:spLocks noGrp="1"/>
           </p:cNvSpPr>
@@ -4843,7 +4684,7 @@
       </p:sp>
       <p:sp>
         <p:nvSpPr>
-          <p:cNvPr id="5" name="Slide Number Placeholder 4"/>
+          <p:cNvPr id="3" name="Slide Number Placeholder 2"/>
           <p:cNvSpPr>
             <a:spLocks noGrp="1"/>
           </p:cNvSpPr>
@@ -4859,1746 +4700,6 @@
             <a:fld id="{85A8DA42-601D-40A8-83CA-2F2CBDE5F9F0}" type="slidenum">
               <a:rPr lang="en-US" smtClean="0"/>
               <a:t>15</a:t>
-            </a:fld>
-            <a:endParaRPr lang="en-US"/>
-          </a:p>
-        </p:txBody>
-      </p:sp>
-    </p:spTree>
-    <p:extLst>
-      <p:ext uri="{BB962C8B-B14F-4D97-AF65-F5344CB8AC3E}">
-        <p14:creationId xmlns:p14="http://schemas.microsoft.com/office/powerpoint/2010/main" val="3928829964"/>
-      </p:ext>
-    </p:extLst>
-  </p:cSld>
-  <p:clrMapOvr>
-    <a:masterClrMapping/>
-  </p:clrMapOvr>
-</p:sld>
-</file>
-
-<file path=ppt/slides/slide16.xml><?xml version="1.0" encoding="utf-8"?>
-<p:sld xmlns:a="http://schemas.openxmlformats.org/drawingml/2006/main" xmlns:r="http://schemas.openxmlformats.org/officeDocument/2006/relationships" xmlns:p="http://schemas.openxmlformats.org/presentationml/2006/main">
-  <p:cSld>
-    <p:spTree>
-      <p:nvGrpSpPr>
-        <p:cNvPr id="1" name=""/>
-        <p:cNvGrpSpPr/>
-        <p:nvPr/>
-      </p:nvGrpSpPr>
-      <p:grpSpPr>
-        <a:xfrm>
-          <a:off x="0" y="0"/>
-          <a:ext cx="0" cy="0"/>
-          <a:chOff x="0" y="0"/>
-          <a:chExt cx="0" cy="0"/>
-        </a:xfrm>
-      </p:grpSpPr>
-      <p:sp>
-        <p:nvSpPr>
-          <p:cNvPr id="2" name="Title 1"/>
-          <p:cNvSpPr>
-            <a:spLocks noGrp="1"/>
-          </p:cNvSpPr>
-          <p:nvPr>
-            <p:ph type="title"/>
-          </p:nvPr>
-        </p:nvSpPr>
-        <p:spPr/>
-        <p:txBody>
-          <a:bodyPr/>
-          <a:lstStyle/>
-          <a:p>
-            <a:r>
-              <a:rPr lang="en-US" dirty="0"/>
-              <a:t>Counting Loops</a:t>
-            </a:r>
-          </a:p>
-        </p:txBody>
-      </p:sp>
-      <p:sp>
-        <p:nvSpPr>
-          <p:cNvPr id="3" name="Content Placeholder 2"/>
-          <p:cNvSpPr>
-            <a:spLocks noGrp="1"/>
-          </p:cNvSpPr>
-          <p:nvPr>
-            <p:ph idx="1"/>
-          </p:nvPr>
-        </p:nvSpPr>
-        <p:spPr/>
-        <p:txBody>
-          <a:bodyPr/>
-          <a:lstStyle/>
-          <a:p>
-            <a:r>
-              <a:rPr lang="en-US" dirty="0"/>
-              <a:t>loop control variable</a:t>
-            </a:r>
-          </a:p>
-          <a:p>
-            <a:pPr lvl="1"/>
-            <a:r>
-              <a:rPr lang="en-US" dirty="0"/>
-              <a:t>the variable whose value controls loop repetition</a:t>
-            </a:r>
-          </a:p>
-          <a:p>
-            <a:pPr lvl="1"/>
-            <a:endParaRPr lang="en-US" dirty="0"/>
-          </a:p>
-          <a:p>
-            <a:r>
-              <a:rPr lang="en-US" dirty="0"/>
-              <a:t>infinite loop</a:t>
-            </a:r>
-          </a:p>
-          <a:p>
-            <a:pPr lvl="1"/>
-            <a:r>
-              <a:rPr lang="en-US" dirty="0"/>
-              <a:t>a loop that executes forever</a:t>
-            </a:r>
-          </a:p>
-        </p:txBody>
-      </p:sp>
-      <p:sp>
-        <p:nvSpPr>
-          <p:cNvPr id="4" name="Footer Placeholder 3"/>
-          <p:cNvSpPr>
-            <a:spLocks noGrp="1"/>
-          </p:cNvSpPr>
-          <p:nvPr>
-            <p:ph type="ftr" sz="quarter" idx="11"/>
-          </p:nvPr>
-        </p:nvSpPr>
-        <p:spPr/>
-        <p:txBody>
-          <a:bodyPr/>
-          <a:lstStyle/>
-          <a:p>
-            <a:r>
-              <a:rPr lang="en-US"/>
-              <a:t>© 2016 Pearson Education, Inc., Hoboken, NJ.  All rights reserved.</a:t>
-            </a:r>
-          </a:p>
-        </p:txBody>
-      </p:sp>
-      <p:sp>
-        <p:nvSpPr>
-          <p:cNvPr id="5" name="Slide Number Placeholder 4"/>
-          <p:cNvSpPr>
-            <a:spLocks noGrp="1"/>
-          </p:cNvSpPr>
-          <p:nvPr>
-            <p:ph type="sldNum" sz="quarter" idx="12"/>
-          </p:nvPr>
-        </p:nvSpPr>
-        <p:spPr/>
-        <p:txBody>
-          <a:bodyPr/>
-          <a:lstStyle/>
-          <a:p>
-            <a:fld id="{85A8DA42-601D-40A8-83CA-2F2CBDE5F9F0}" type="slidenum">
-              <a:rPr lang="en-US" smtClean="0"/>
-              <a:t>16</a:t>
-            </a:fld>
-            <a:endParaRPr lang="en-US"/>
-          </a:p>
-        </p:txBody>
-      </p:sp>
-    </p:spTree>
-    <p:extLst>
-      <p:ext uri="{BB962C8B-B14F-4D97-AF65-F5344CB8AC3E}">
-        <p14:creationId xmlns:p14="http://schemas.microsoft.com/office/powerpoint/2010/main" val="900657372"/>
-      </p:ext>
-    </p:extLst>
-  </p:cSld>
-  <p:clrMapOvr>
-    <a:masterClrMapping/>
-  </p:clrMapOvr>
-</p:sld>
-</file>
-
-<file path=ppt/slides/slide17.xml><?xml version="1.0" encoding="utf-8"?>
-<p:sld xmlns:a="http://schemas.openxmlformats.org/drawingml/2006/main" xmlns:r="http://schemas.openxmlformats.org/officeDocument/2006/relationships" xmlns:p="http://schemas.openxmlformats.org/presentationml/2006/main">
-  <p:cSld>
-    <p:spTree>
-      <p:nvGrpSpPr>
-        <p:cNvPr id="1" name=""/>
-        <p:cNvGrpSpPr/>
-        <p:nvPr/>
-      </p:nvGrpSpPr>
-      <p:grpSpPr>
-        <a:xfrm>
-          <a:off x="0" y="0"/>
-          <a:ext cx="0" cy="0"/>
-          <a:chOff x="0" y="0"/>
-          <a:chExt cx="0" cy="0"/>
-        </a:xfrm>
-      </p:grpSpPr>
-      <p:sp>
-        <p:nvSpPr>
-          <p:cNvPr id="2" name="Title 1"/>
-          <p:cNvSpPr>
-            <a:spLocks noGrp="1"/>
-          </p:cNvSpPr>
-          <p:nvPr>
-            <p:ph type="title"/>
-          </p:nvPr>
-        </p:nvSpPr>
-        <p:spPr/>
-        <p:txBody>
-          <a:bodyPr/>
-          <a:lstStyle/>
-          <a:p>
-            <a:r>
-              <a:rPr lang="en-US" dirty="0">
-                <a:solidFill>
-                  <a:srgbClr val="7030A0"/>
-                </a:solidFill>
-                <a:latin typeface="Cambria" panose="02040503050406030204" pitchFamily="18" charset="0"/>
-              </a:rPr>
-              <a:t>while</a:t>
-            </a:r>
-            <a:r>
-              <a:rPr lang="en-US" dirty="0"/>
-              <a:t> Statement Syntax</a:t>
-            </a:r>
-          </a:p>
-        </p:txBody>
-      </p:sp>
-      <p:sp>
-        <p:nvSpPr>
-          <p:cNvPr id="3" name="Content Placeholder 2"/>
-          <p:cNvSpPr>
-            <a:spLocks noGrp="1"/>
-          </p:cNvSpPr>
-          <p:nvPr>
-            <p:ph idx="1"/>
-          </p:nvPr>
-        </p:nvSpPr>
-        <p:spPr>
-          <a:xfrm>
-            <a:off x="1600200" y="1600200"/>
-            <a:ext cx="6019800" cy="4525963"/>
-          </a:xfrm>
-        </p:spPr>
-        <p:txBody>
-          <a:bodyPr>
-            <a:normAutofit fontScale="92500" lnSpcReduction="20000"/>
-          </a:bodyPr>
-          <a:lstStyle/>
-          <a:p>
-            <a:pPr marL="0" indent="0">
-              <a:buNone/>
-            </a:pPr>
-            <a:r>
-              <a:rPr lang="en-US" dirty="0"/>
-              <a:t>while (loop repetition condition)</a:t>
-            </a:r>
-          </a:p>
-          <a:p>
-            <a:pPr marL="0" indent="0">
-              <a:buNone/>
-            </a:pPr>
-            <a:r>
-              <a:rPr lang="en-US" dirty="0"/>
-              <a:t>	statement;</a:t>
-            </a:r>
-          </a:p>
-          <a:p>
-            <a:pPr marL="0" indent="0">
-              <a:buNone/>
-            </a:pPr>
-            <a:endParaRPr lang="en-US" dirty="0"/>
-          </a:p>
-          <a:p>
-            <a:pPr marL="0" indent="0">
-              <a:buNone/>
-            </a:pPr>
-            <a:r>
-              <a:rPr lang="en-US" dirty="0">
-                <a:solidFill>
-                  <a:srgbClr val="7030A0"/>
-                </a:solidFill>
-              </a:rPr>
-              <a:t>/* display N asterisks. */</a:t>
-            </a:r>
-          </a:p>
-          <a:p>
-            <a:pPr marL="0" indent="0">
-              <a:buNone/>
-            </a:pPr>
-            <a:r>
-              <a:rPr lang="en-US" dirty="0" err="1">
-                <a:solidFill>
-                  <a:srgbClr val="7030A0"/>
-                </a:solidFill>
-              </a:rPr>
-              <a:t>count_star</a:t>
-            </a:r>
-            <a:r>
-              <a:rPr lang="en-US" dirty="0">
-                <a:solidFill>
-                  <a:srgbClr val="7030A0"/>
-                </a:solidFill>
-              </a:rPr>
-              <a:t> = 0</a:t>
-            </a:r>
-          </a:p>
-          <a:p>
-            <a:pPr marL="0" indent="0">
-              <a:buNone/>
-            </a:pPr>
-            <a:r>
-              <a:rPr lang="en-US" dirty="0">
-                <a:solidFill>
-                  <a:srgbClr val="7030A0"/>
-                </a:solidFill>
-              </a:rPr>
-              <a:t>while (</a:t>
-            </a:r>
-            <a:r>
-              <a:rPr lang="en-US" dirty="0" err="1">
-                <a:solidFill>
-                  <a:srgbClr val="7030A0"/>
-                </a:solidFill>
-              </a:rPr>
-              <a:t>count_star</a:t>
-            </a:r>
-            <a:r>
-              <a:rPr lang="en-US" dirty="0">
-                <a:solidFill>
-                  <a:srgbClr val="7030A0"/>
-                </a:solidFill>
-              </a:rPr>
-              <a:t>  &lt;  N) {</a:t>
-            </a:r>
-          </a:p>
-          <a:p>
-            <a:pPr marL="0" indent="0">
-              <a:buNone/>
-            </a:pPr>
-            <a:r>
-              <a:rPr lang="en-US" dirty="0">
-                <a:solidFill>
-                  <a:srgbClr val="7030A0"/>
-                </a:solidFill>
-              </a:rPr>
-              <a:t>	</a:t>
-            </a:r>
-            <a:r>
-              <a:rPr lang="en-US" dirty="0" err="1">
-                <a:solidFill>
-                  <a:srgbClr val="7030A0"/>
-                </a:solidFill>
-              </a:rPr>
-              <a:t>printf</a:t>
-            </a:r>
-            <a:r>
-              <a:rPr lang="en-US" dirty="0">
-                <a:solidFill>
-                  <a:srgbClr val="7030A0"/>
-                </a:solidFill>
-              </a:rPr>
-              <a:t>(“*”);</a:t>
-            </a:r>
-          </a:p>
-          <a:p>
-            <a:pPr marL="0" indent="0">
-              <a:buNone/>
-            </a:pPr>
-            <a:r>
-              <a:rPr lang="en-US" dirty="0">
-                <a:solidFill>
-                  <a:srgbClr val="7030A0"/>
-                </a:solidFill>
-              </a:rPr>
-              <a:t>	</a:t>
-            </a:r>
-            <a:r>
-              <a:rPr lang="en-US" dirty="0" err="1">
-                <a:solidFill>
-                  <a:srgbClr val="7030A0"/>
-                </a:solidFill>
-              </a:rPr>
-              <a:t>count_star</a:t>
-            </a:r>
-            <a:r>
-              <a:rPr lang="en-US" dirty="0">
-                <a:solidFill>
-                  <a:srgbClr val="7030A0"/>
-                </a:solidFill>
-              </a:rPr>
-              <a:t> = </a:t>
-            </a:r>
-            <a:r>
-              <a:rPr lang="en-US" dirty="0" err="1">
-                <a:solidFill>
-                  <a:srgbClr val="7030A0"/>
-                </a:solidFill>
-              </a:rPr>
-              <a:t>count_star</a:t>
-            </a:r>
-            <a:r>
-              <a:rPr lang="en-US" dirty="0">
-                <a:solidFill>
-                  <a:srgbClr val="7030A0"/>
-                </a:solidFill>
-              </a:rPr>
-              <a:t> + 1;</a:t>
-            </a:r>
-          </a:p>
-          <a:p>
-            <a:pPr marL="0" indent="0">
-              <a:buNone/>
-            </a:pPr>
-            <a:r>
-              <a:rPr lang="en-US" dirty="0">
-                <a:solidFill>
-                  <a:srgbClr val="7030A0"/>
-                </a:solidFill>
-              </a:rPr>
-              <a:t>}</a:t>
-            </a:r>
-          </a:p>
-        </p:txBody>
-      </p:sp>
-      <p:sp>
-        <p:nvSpPr>
-          <p:cNvPr id="4" name="Footer Placeholder 3"/>
-          <p:cNvSpPr>
-            <a:spLocks noGrp="1"/>
-          </p:cNvSpPr>
-          <p:nvPr>
-            <p:ph type="ftr" sz="quarter" idx="11"/>
-          </p:nvPr>
-        </p:nvSpPr>
-        <p:spPr/>
-        <p:txBody>
-          <a:bodyPr/>
-          <a:lstStyle/>
-          <a:p>
-            <a:r>
-              <a:rPr lang="en-US"/>
-              <a:t>© 2016 Pearson Education, Inc., Hoboken, NJ.  All rights reserved.</a:t>
-            </a:r>
-          </a:p>
-        </p:txBody>
-      </p:sp>
-      <p:sp>
-        <p:nvSpPr>
-          <p:cNvPr id="5" name="Slide Number Placeholder 4"/>
-          <p:cNvSpPr>
-            <a:spLocks noGrp="1"/>
-          </p:cNvSpPr>
-          <p:nvPr>
-            <p:ph type="sldNum" sz="quarter" idx="12"/>
-          </p:nvPr>
-        </p:nvSpPr>
-        <p:spPr/>
-        <p:txBody>
-          <a:bodyPr/>
-          <a:lstStyle/>
-          <a:p>
-            <a:fld id="{85A8DA42-601D-40A8-83CA-2F2CBDE5F9F0}" type="slidenum">
-              <a:rPr lang="en-US" smtClean="0"/>
-              <a:t>17</a:t>
-            </a:fld>
-            <a:endParaRPr lang="en-US"/>
-          </a:p>
-        </p:txBody>
-      </p:sp>
-    </p:spTree>
-    <p:extLst>
-      <p:ext uri="{BB962C8B-B14F-4D97-AF65-F5344CB8AC3E}">
-        <p14:creationId xmlns:p14="http://schemas.microsoft.com/office/powerpoint/2010/main" val="2898787488"/>
-      </p:ext>
-    </p:extLst>
-  </p:cSld>
-  <p:clrMapOvr>
-    <a:masterClrMapping/>
-  </p:clrMapOvr>
-</p:sld>
-</file>
-
-<file path=ppt/slides/slide18.xml><?xml version="1.0" encoding="utf-8"?>
-<p:sld xmlns:a="http://schemas.openxmlformats.org/drawingml/2006/main" xmlns:r="http://schemas.openxmlformats.org/officeDocument/2006/relationships" xmlns:p="http://schemas.openxmlformats.org/presentationml/2006/main">
-  <p:cSld>
-    <p:spTree>
-      <p:nvGrpSpPr>
-        <p:cNvPr id="1" name=""/>
-        <p:cNvGrpSpPr/>
-        <p:nvPr/>
-      </p:nvGrpSpPr>
-      <p:grpSpPr>
-        <a:xfrm>
-          <a:off x="0" y="0"/>
-          <a:ext cx="0" cy="0"/>
-          <a:chOff x="0" y="0"/>
-          <a:chExt cx="0" cy="0"/>
-        </a:xfrm>
-      </p:grpSpPr>
-      <p:sp>
-        <p:nvSpPr>
-          <p:cNvPr id="2" name="Footer Placeholder 1"/>
-          <p:cNvSpPr>
-            <a:spLocks noGrp="1"/>
-          </p:cNvSpPr>
-          <p:nvPr>
-            <p:ph type="ftr" sz="quarter" idx="11"/>
-          </p:nvPr>
-        </p:nvSpPr>
-        <p:spPr/>
-        <p:txBody>
-          <a:bodyPr/>
-          <a:lstStyle/>
-          <a:p>
-            <a:r>
-              <a:rPr lang="en-US"/>
-              <a:t>© 2016 Pearson Education, Inc., Hoboken, NJ.  All rights reserved.</a:t>
-            </a:r>
-          </a:p>
-        </p:txBody>
-      </p:sp>
-      <p:sp>
-        <p:nvSpPr>
-          <p:cNvPr id="3" name="Slide Number Placeholder 2"/>
-          <p:cNvSpPr>
-            <a:spLocks noGrp="1"/>
-          </p:cNvSpPr>
-          <p:nvPr>
-            <p:ph type="sldNum" sz="quarter" idx="12"/>
-          </p:nvPr>
-        </p:nvSpPr>
-        <p:spPr/>
-        <p:txBody>
-          <a:bodyPr/>
-          <a:lstStyle/>
-          <a:p>
-            <a:fld id="{85A8DA42-601D-40A8-83CA-2F2CBDE5F9F0}" type="slidenum">
-              <a:rPr lang="en-US" smtClean="0"/>
-              <a:t>18</a:t>
-            </a:fld>
-            <a:endParaRPr lang="en-US"/>
-          </a:p>
-        </p:txBody>
-      </p:sp>
-      <p:pic>
-        <p:nvPicPr>
-          <p:cNvPr id="2050" name="Picture 2"/>
-          <p:cNvPicPr>
-            <a:picLocks noChangeAspect="1" noChangeArrowheads="1"/>
-          </p:cNvPicPr>
-          <p:nvPr/>
-        </p:nvPicPr>
-        <p:blipFill>
-          <a:blip r:embed="rId2">
-            <a:extLst>
-              <a:ext uri="{28A0092B-C50C-407E-A947-70E740481C1C}">
-                <a14:useLocalDpi xmlns:a14="http://schemas.microsoft.com/office/drawing/2010/main" val="0"/>
-              </a:ext>
-            </a:extLst>
-          </a:blip>
-          <a:srcRect/>
-          <a:stretch>
-            <a:fillRect/>
-          </a:stretch>
-        </p:blipFill>
-        <p:spPr bwMode="auto">
-          <a:xfrm>
-            <a:off x="734671" y="1219200"/>
-            <a:ext cx="7666037" cy="3390900"/>
-          </a:xfrm>
-          <a:prstGeom prst="rect">
-            <a:avLst/>
-          </a:prstGeom>
-          <a:noFill/>
-          <a:ln>
-            <a:noFill/>
-          </a:ln>
-          <a:extLst>
-            <a:ext uri="{909E8E84-426E-40DD-AFC4-6F175D3DCCD1}">
-              <a14:hiddenFill xmlns:a14="http://schemas.microsoft.com/office/drawing/2010/main">
-                <a:solidFill>
-                  <a:schemeClr val="accent1"/>
-                </a:solidFill>
-              </a14:hiddenFill>
-            </a:ext>
-            <a:ext uri="{91240B29-F687-4F45-9708-019B960494DF}">
-              <a14:hiddenLine xmlns:a14="http://schemas.microsoft.com/office/drawing/2010/main" w="9525">
-                <a:solidFill>
-                  <a:schemeClr val="tx1"/>
-                </a:solidFill>
-                <a:miter lim="800000"/>
-                <a:headEnd/>
-                <a:tailEnd/>
-              </a14:hiddenLine>
-            </a:ext>
-          </a:extLst>
-        </p:spPr>
-      </p:pic>
-    </p:spTree>
-    <p:extLst>
-      <p:ext uri="{BB962C8B-B14F-4D97-AF65-F5344CB8AC3E}">
-        <p14:creationId xmlns:p14="http://schemas.microsoft.com/office/powerpoint/2010/main" val="2455154695"/>
-      </p:ext>
-    </p:extLst>
-  </p:cSld>
-  <p:clrMapOvr>
-    <a:masterClrMapping/>
-  </p:clrMapOvr>
-</p:sld>
-</file>
-
-<file path=ppt/slides/slide19.xml><?xml version="1.0" encoding="utf-8"?>
-<p:sld xmlns:a="http://schemas.openxmlformats.org/drawingml/2006/main" xmlns:r="http://schemas.openxmlformats.org/officeDocument/2006/relationships" xmlns:p="http://schemas.openxmlformats.org/presentationml/2006/main">
-  <p:cSld>
-    <p:spTree>
-      <p:nvGrpSpPr>
-        <p:cNvPr id="1" name=""/>
-        <p:cNvGrpSpPr/>
-        <p:nvPr/>
-      </p:nvGrpSpPr>
-      <p:grpSpPr>
-        <a:xfrm>
-          <a:off x="0" y="0"/>
-          <a:ext cx="0" cy="0"/>
-          <a:chOff x="0" y="0"/>
-          <a:chExt cx="0" cy="0"/>
-        </a:xfrm>
-      </p:grpSpPr>
-      <p:sp>
-        <p:nvSpPr>
-          <p:cNvPr id="2" name="Footer Placeholder 1"/>
-          <p:cNvSpPr>
-            <a:spLocks noGrp="1"/>
-          </p:cNvSpPr>
-          <p:nvPr>
-            <p:ph type="ftr" sz="quarter" idx="11"/>
-          </p:nvPr>
-        </p:nvSpPr>
-        <p:spPr/>
-        <p:txBody>
-          <a:bodyPr/>
-          <a:lstStyle/>
-          <a:p>
-            <a:r>
-              <a:rPr lang="en-US"/>
-              <a:t>© 2016 Pearson Education, Inc., Hoboken, NJ.  All rights reserved.</a:t>
-            </a:r>
-          </a:p>
-        </p:txBody>
-      </p:sp>
-      <p:sp>
-        <p:nvSpPr>
-          <p:cNvPr id="3" name="Slide Number Placeholder 2"/>
-          <p:cNvSpPr>
-            <a:spLocks noGrp="1"/>
-          </p:cNvSpPr>
-          <p:nvPr>
-            <p:ph type="sldNum" sz="quarter" idx="12"/>
-          </p:nvPr>
-        </p:nvSpPr>
-        <p:spPr/>
-        <p:txBody>
-          <a:bodyPr/>
-          <a:lstStyle/>
-          <a:p>
-            <a:fld id="{85A8DA42-601D-40A8-83CA-2F2CBDE5F9F0}" type="slidenum">
-              <a:rPr lang="en-US" smtClean="0"/>
-              <a:t>19</a:t>
-            </a:fld>
-            <a:endParaRPr lang="en-US"/>
-          </a:p>
-        </p:txBody>
-      </p:sp>
-      <p:pic>
-        <p:nvPicPr>
-          <p:cNvPr id="4098" name="Picture 2"/>
-          <p:cNvPicPr>
-            <a:picLocks noChangeAspect="1" noChangeArrowheads="1"/>
-          </p:cNvPicPr>
-          <p:nvPr/>
-        </p:nvPicPr>
-        <p:blipFill>
-          <a:blip r:embed="rId2">
-            <a:extLst>
-              <a:ext uri="{28A0092B-C50C-407E-A947-70E740481C1C}">
-                <a14:useLocalDpi xmlns:a14="http://schemas.microsoft.com/office/drawing/2010/main" val="0"/>
-              </a:ext>
-            </a:extLst>
-          </a:blip>
-          <a:srcRect/>
-          <a:stretch>
-            <a:fillRect/>
-          </a:stretch>
-        </p:blipFill>
-        <p:spPr bwMode="auto">
-          <a:xfrm>
-            <a:off x="381000" y="838200"/>
-            <a:ext cx="8304213" cy="3695700"/>
-          </a:xfrm>
-          <a:prstGeom prst="rect">
-            <a:avLst/>
-          </a:prstGeom>
-          <a:noFill/>
-          <a:ln>
-            <a:noFill/>
-          </a:ln>
-          <a:extLst>
-            <a:ext uri="{909E8E84-426E-40DD-AFC4-6F175D3DCCD1}">
-              <a14:hiddenFill xmlns:a14="http://schemas.microsoft.com/office/drawing/2010/main">
-                <a:solidFill>
-                  <a:schemeClr val="accent1"/>
-                </a:solidFill>
-              </a14:hiddenFill>
-            </a:ext>
-            <a:ext uri="{91240B29-F687-4F45-9708-019B960494DF}">
-              <a14:hiddenLine xmlns:a14="http://schemas.microsoft.com/office/drawing/2010/main" w="9525">
-                <a:solidFill>
-                  <a:schemeClr val="tx1"/>
-                </a:solidFill>
-                <a:miter lim="800000"/>
-                <a:headEnd/>
-                <a:tailEnd/>
-              </a14:hiddenLine>
-            </a:ext>
-          </a:extLst>
-        </p:spPr>
-      </p:pic>
-    </p:spTree>
-    <p:extLst>
-      <p:ext uri="{BB962C8B-B14F-4D97-AF65-F5344CB8AC3E}">
-        <p14:creationId xmlns:p14="http://schemas.microsoft.com/office/powerpoint/2010/main" val="1248808860"/>
-      </p:ext>
-    </p:extLst>
-  </p:cSld>
-  <p:clrMapOvr>
-    <a:masterClrMapping/>
-  </p:clrMapOvr>
-</p:sld>
-</file>
-
-<file path=ppt/slides/slide2.xml><?xml version="1.0" encoding="utf-8"?>
-<p:sld xmlns:a="http://schemas.openxmlformats.org/drawingml/2006/main" xmlns:r="http://schemas.openxmlformats.org/officeDocument/2006/relationships" xmlns:p="http://schemas.openxmlformats.org/presentationml/2006/main">
-  <p:cSld>
-    <p:spTree>
-      <p:nvGrpSpPr>
-        <p:cNvPr id="1" name=""/>
-        <p:cNvGrpSpPr/>
-        <p:nvPr/>
-      </p:nvGrpSpPr>
-      <p:grpSpPr>
-        <a:xfrm>
-          <a:off x="0" y="0"/>
-          <a:ext cx="0" cy="0"/>
-          <a:chOff x="0" y="0"/>
-          <a:chExt cx="0" cy="0"/>
-        </a:xfrm>
-      </p:grpSpPr>
-      <p:sp>
-        <p:nvSpPr>
-          <p:cNvPr id="2" name="Title 1"/>
-          <p:cNvSpPr>
-            <a:spLocks noGrp="1"/>
-          </p:cNvSpPr>
-          <p:nvPr>
-            <p:ph type="title"/>
-          </p:nvPr>
-        </p:nvSpPr>
-        <p:spPr/>
-        <p:txBody>
-          <a:bodyPr/>
-          <a:lstStyle/>
-          <a:p>
-            <a:r>
-              <a:rPr lang="en-US" dirty="0">
-                <a:solidFill>
-                  <a:srgbClr val="7030A0"/>
-                </a:solidFill>
-                <a:latin typeface="Cambria" panose="02040503050406030204" pitchFamily="18" charset="0"/>
-              </a:rPr>
-              <a:t>while</a:t>
-            </a:r>
-            <a:r>
-              <a:rPr lang="en-US" dirty="0"/>
-              <a:t> Statement Syntax</a:t>
-            </a:r>
-          </a:p>
-        </p:txBody>
-      </p:sp>
-      <p:sp>
-        <p:nvSpPr>
-          <p:cNvPr id="3" name="Content Placeholder 2"/>
-          <p:cNvSpPr>
-            <a:spLocks noGrp="1"/>
-          </p:cNvSpPr>
-          <p:nvPr>
-            <p:ph idx="1"/>
-          </p:nvPr>
-        </p:nvSpPr>
-        <p:spPr>
-          <a:xfrm>
-            <a:off x="1600200" y="1600200"/>
-            <a:ext cx="6019800" cy="4525963"/>
-          </a:xfrm>
-        </p:spPr>
-        <p:txBody>
-          <a:bodyPr>
-            <a:normAutofit fontScale="92500" lnSpcReduction="20000"/>
-          </a:bodyPr>
-          <a:lstStyle/>
-          <a:p>
-            <a:pPr marL="0" indent="0">
-              <a:buNone/>
-            </a:pPr>
-            <a:r>
-              <a:rPr lang="en-US" dirty="0"/>
-              <a:t>while (loop repetition condition)</a:t>
-            </a:r>
-          </a:p>
-          <a:p>
-            <a:pPr marL="0" indent="0">
-              <a:buNone/>
-            </a:pPr>
-            <a:r>
-              <a:rPr lang="en-US" dirty="0"/>
-              <a:t>	statement;</a:t>
-            </a:r>
-          </a:p>
-          <a:p>
-            <a:pPr marL="0" indent="0">
-              <a:buNone/>
-            </a:pPr>
-            <a:endParaRPr lang="en-US" dirty="0"/>
-          </a:p>
-          <a:p>
-            <a:pPr marL="0" indent="0">
-              <a:buNone/>
-            </a:pPr>
-            <a:r>
-              <a:rPr lang="en-US" dirty="0">
-                <a:solidFill>
-                  <a:srgbClr val="7030A0"/>
-                </a:solidFill>
-              </a:rPr>
-              <a:t>/* display N asterisks. */</a:t>
-            </a:r>
-          </a:p>
-          <a:p>
-            <a:pPr marL="0" indent="0">
-              <a:buNone/>
-            </a:pPr>
-            <a:r>
-              <a:rPr lang="en-US" dirty="0" err="1">
-                <a:solidFill>
-                  <a:srgbClr val="7030A0"/>
-                </a:solidFill>
-              </a:rPr>
-              <a:t>count_star</a:t>
-            </a:r>
-            <a:r>
-              <a:rPr lang="en-US" dirty="0">
-                <a:solidFill>
-                  <a:srgbClr val="7030A0"/>
-                </a:solidFill>
-              </a:rPr>
-              <a:t> = 0;</a:t>
-            </a:r>
-          </a:p>
-          <a:p>
-            <a:pPr marL="0" indent="0">
-              <a:buNone/>
-            </a:pPr>
-            <a:r>
-              <a:rPr lang="en-US" dirty="0">
-                <a:solidFill>
-                  <a:srgbClr val="7030A0"/>
-                </a:solidFill>
-              </a:rPr>
-              <a:t>while (</a:t>
-            </a:r>
-            <a:r>
-              <a:rPr lang="en-US" dirty="0" err="1">
-                <a:solidFill>
-                  <a:srgbClr val="7030A0"/>
-                </a:solidFill>
-              </a:rPr>
-              <a:t>count_star</a:t>
-            </a:r>
-            <a:r>
-              <a:rPr lang="en-US" dirty="0">
-                <a:solidFill>
-                  <a:srgbClr val="7030A0"/>
-                </a:solidFill>
-              </a:rPr>
-              <a:t>  &lt;  N) {</a:t>
-            </a:r>
-          </a:p>
-          <a:p>
-            <a:pPr marL="0" indent="0">
-              <a:buNone/>
-            </a:pPr>
-            <a:r>
-              <a:rPr lang="en-US" dirty="0">
-                <a:solidFill>
-                  <a:srgbClr val="7030A0"/>
-                </a:solidFill>
-              </a:rPr>
-              <a:t>	</a:t>
-            </a:r>
-            <a:r>
-              <a:rPr lang="en-US" dirty="0" err="1">
-                <a:solidFill>
-                  <a:srgbClr val="7030A0"/>
-                </a:solidFill>
-              </a:rPr>
-              <a:t>printf</a:t>
-            </a:r>
-            <a:r>
-              <a:rPr lang="en-US" dirty="0">
-                <a:solidFill>
-                  <a:srgbClr val="7030A0"/>
-                </a:solidFill>
-              </a:rPr>
-              <a:t>(“*”);</a:t>
-            </a:r>
-          </a:p>
-          <a:p>
-            <a:pPr marL="0" indent="0">
-              <a:buNone/>
-            </a:pPr>
-            <a:r>
-              <a:rPr lang="en-US" dirty="0">
-                <a:solidFill>
-                  <a:srgbClr val="7030A0"/>
-                </a:solidFill>
-              </a:rPr>
-              <a:t>	</a:t>
-            </a:r>
-            <a:r>
-              <a:rPr lang="en-US" dirty="0" err="1">
-                <a:solidFill>
-                  <a:srgbClr val="7030A0"/>
-                </a:solidFill>
-              </a:rPr>
-              <a:t>count_star</a:t>
-            </a:r>
-            <a:r>
-              <a:rPr lang="en-US" dirty="0">
-                <a:solidFill>
-                  <a:srgbClr val="7030A0"/>
-                </a:solidFill>
-              </a:rPr>
-              <a:t> = </a:t>
-            </a:r>
-            <a:r>
-              <a:rPr lang="en-US" dirty="0" err="1">
-                <a:solidFill>
-                  <a:srgbClr val="7030A0"/>
-                </a:solidFill>
-              </a:rPr>
-              <a:t>count_star</a:t>
-            </a:r>
-            <a:r>
-              <a:rPr lang="en-US" dirty="0">
-                <a:solidFill>
-                  <a:srgbClr val="7030A0"/>
-                </a:solidFill>
-              </a:rPr>
-              <a:t> + 1;</a:t>
-            </a:r>
-          </a:p>
-          <a:p>
-            <a:pPr marL="0" indent="0">
-              <a:buNone/>
-            </a:pPr>
-            <a:r>
-              <a:rPr lang="en-US" dirty="0">
-                <a:solidFill>
-                  <a:srgbClr val="7030A0"/>
-                </a:solidFill>
-              </a:rPr>
-              <a:t>}</a:t>
-            </a:r>
-          </a:p>
-        </p:txBody>
-      </p:sp>
-      <p:sp>
-        <p:nvSpPr>
-          <p:cNvPr id="4" name="Footer Placeholder 3"/>
-          <p:cNvSpPr>
-            <a:spLocks noGrp="1"/>
-          </p:cNvSpPr>
-          <p:nvPr>
-            <p:ph type="ftr" sz="quarter" idx="11"/>
-          </p:nvPr>
-        </p:nvSpPr>
-        <p:spPr/>
-        <p:txBody>
-          <a:bodyPr/>
-          <a:lstStyle/>
-          <a:p>
-            <a:r>
-              <a:rPr lang="en-US"/>
-              <a:t>© 2016 Pearson Education, Inc., Hoboken, NJ.  All rights reserved.</a:t>
-            </a:r>
-          </a:p>
-        </p:txBody>
-      </p:sp>
-      <p:sp>
-        <p:nvSpPr>
-          <p:cNvPr id="5" name="Slide Number Placeholder 4"/>
-          <p:cNvSpPr>
-            <a:spLocks noGrp="1"/>
-          </p:cNvSpPr>
-          <p:nvPr>
-            <p:ph type="sldNum" sz="quarter" idx="12"/>
-          </p:nvPr>
-        </p:nvSpPr>
-        <p:spPr/>
-        <p:txBody>
-          <a:bodyPr/>
-          <a:lstStyle/>
-          <a:p>
-            <a:fld id="{85A8DA42-601D-40A8-83CA-2F2CBDE5F9F0}" type="slidenum">
-              <a:rPr lang="en-US" smtClean="0"/>
-              <a:t>2</a:t>
-            </a:fld>
-            <a:endParaRPr lang="en-US"/>
-          </a:p>
-        </p:txBody>
-      </p:sp>
-    </p:spTree>
-    <p:extLst>
-      <p:ext uri="{BB962C8B-B14F-4D97-AF65-F5344CB8AC3E}">
-        <p14:creationId xmlns:p14="http://schemas.microsoft.com/office/powerpoint/2010/main" val="4125992903"/>
-      </p:ext>
-    </p:extLst>
-  </p:cSld>
-  <p:clrMapOvr>
-    <a:masterClrMapping/>
-  </p:clrMapOvr>
-</p:sld>
-</file>
-
-<file path=ppt/slides/slide20.xml><?xml version="1.0" encoding="utf-8"?>
-<p:sld xmlns:a="http://schemas.openxmlformats.org/drawingml/2006/main" xmlns:r="http://schemas.openxmlformats.org/officeDocument/2006/relationships" xmlns:p="http://schemas.openxmlformats.org/presentationml/2006/main">
-  <p:cSld>
-    <p:spTree>
-      <p:nvGrpSpPr>
-        <p:cNvPr id="1" name=""/>
-        <p:cNvGrpSpPr/>
-        <p:nvPr/>
-      </p:nvGrpSpPr>
-      <p:grpSpPr>
-        <a:xfrm>
-          <a:off x="0" y="0"/>
-          <a:ext cx="0" cy="0"/>
-          <a:chOff x="0" y="0"/>
-          <a:chExt cx="0" cy="0"/>
-        </a:xfrm>
-      </p:grpSpPr>
-      <p:sp>
-        <p:nvSpPr>
-          <p:cNvPr id="2" name="Title 1"/>
-          <p:cNvSpPr>
-            <a:spLocks noGrp="1"/>
-          </p:cNvSpPr>
-          <p:nvPr>
-            <p:ph type="title"/>
-          </p:nvPr>
-        </p:nvSpPr>
-        <p:spPr/>
-        <p:txBody>
-          <a:bodyPr>
-            <a:normAutofit fontScale="90000"/>
-          </a:bodyPr>
-          <a:lstStyle/>
-          <a:p>
-            <a:r>
-              <a:rPr lang="en-US" dirty="0"/>
-              <a:t>Computing a Sum or Product in a Loop</a:t>
-            </a:r>
-          </a:p>
-        </p:txBody>
-      </p:sp>
-      <p:sp>
-        <p:nvSpPr>
-          <p:cNvPr id="3" name="Content Placeholder 2"/>
-          <p:cNvSpPr>
-            <a:spLocks noGrp="1"/>
-          </p:cNvSpPr>
-          <p:nvPr>
-            <p:ph idx="1"/>
-          </p:nvPr>
-        </p:nvSpPr>
-        <p:spPr/>
-        <p:txBody>
-          <a:bodyPr/>
-          <a:lstStyle/>
-          <a:p>
-            <a:r>
-              <a:rPr lang="en-US" dirty="0"/>
-              <a:t>accumulator</a:t>
-            </a:r>
-          </a:p>
-          <a:p>
-            <a:pPr lvl="1"/>
-            <a:r>
-              <a:rPr lang="en-US" dirty="0"/>
-              <a:t>a variable used to store a value being computed in increments during the execution of a loop</a:t>
-            </a:r>
-          </a:p>
-        </p:txBody>
-      </p:sp>
-      <p:sp>
-        <p:nvSpPr>
-          <p:cNvPr id="4" name="Footer Placeholder 3"/>
-          <p:cNvSpPr>
-            <a:spLocks noGrp="1"/>
-          </p:cNvSpPr>
-          <p:nvPr>
-            <p:ph type="ftr" sz="quarter" idx="11"/>
-          </p:nvPr>
-        </p:nvSpPr>
-        <p:spPr/>
-        <p:txBody>
-          <a:bodyPr/>
-          <a:lstStyle/>
-          <a:p>
-            <a:r>
-              <a:rPr lang="en-US"/>
-              <a:t>© 2016 Pearson Education, Inc., Hoboken, NJ.  All rights reserved.</a:t>
-            </a:r>
-          </a:p>
-        </p:txBody>
-      </p:sp>
-      <p:sp>
-        <p:nvSpPr>
-          <p:cNvPr id="5" name="Slide Number Placeholder 4"/>
-          <p:cNvSpPr>
-            <a:spLocks noGrp="1"/>
-          </p:cNvSpPr>
-          <p:nvPr>
-            <p:ph type="sldNum" sz="quarter" idx="12"/>
-          </p:nvPr>
-        </p:nvSpPr>
-        <p:spPr/>
-        <p:txBody>
-          <a:bodyPr/>
-          <a:lstStyle/>
-          <a:p>
-            <a:fld id="{85A8DA42-601D-40A8-83CA-2F2CBDE5F9F0}" type="slidenum">
-              <a:rPr lang="en-US" smtClean="0"/>
-              <a:t>20</a:t>
-            </a:fld>
-            <a:endParaRPr lang="en-US"/>
-          </a:p>
-        </p:txBody>
-      </p:sp>
-    </p:spTree>
-    <p:extLst>
-      <p:ext uri="{BB962C8B-B14F-4D97-AF65-F5344CB8AC3E}">
-        <p14:creationId xmlns:p14="http://schemas.microsoft.com/office/powerpoint/2010/main" val="549921083"/>
-      </p:ext>
-    </p:extLst>
-  </p:cSld>
-  <p:clrMapOvr>
-    <a:masterClrMapping/>
-  </p:clrMapOvr>
-</p:sld>
-</file>
-
-<file path=ppt/slides/slide21.xml><?xml version="1.0" encoding="utf-8"?>
-<p:sld xmlns:a="http://schemas.openxmlformats.org/drawingml/2006/main" xmlns:r="http://schemas.openxmlformats.org/officeDocument/2006/relationships" xmlns:p="http://schemas.openxmlformats.org/presentationml/2006/main">
-  <p:cSld>
-    <p:spTree>
-      <p:nvGrpSpPr>
-        <p:cNvPr id="1" name=""/>
-        <p:cNvGrpSpPr/>
-        <p:nvPr/>
-      </p:nvGrpSpPr>
-      <p:grpSpPr>
-        <a:xfrm>
-          <a:off x="0" y="0"/>
-          <a:ext cx="0" cy="0"/>
-          <a:chOff x="0" y="0"/>
-          <a:chExt cx="0" cy="0"/>
-        </a:xfrm>
-      </p:grpSpPr>
-      <p:sp>
-        <p:nvSpPr>
-          <p:cNvPr id="2" name="Footer Placeholder 1"/>
-          <p:cNvSpPr>
-            <a:spLocks noGrp="1"/>
-          </p:cNvSpPr>
-          <p:nvPr>
-            <p:ph type="ftr" sz="quarter" idx="11"/>
-          </p:nvPr>
-        </p:nvSpPr>
-        <p:spPr/>
-        <p:txBody>
-          <a:bodyPr/>
-          <a:lstStyle/>
-          <a:p>
-            <a:r>
-              <a:rPr lang="en-US"/>
-              <a:t>© 2016 Pearson Education, Inc., Hoboken, NJ.  All rights reserved.</a:t>
-            </a:r>
-          </a:p>
-        </p:txBody>
-      </p:sp>
-      <p:sp>
-        <p:nvSpPr>
-          <p:cNvPr id="3" name="Slide Number Placeholder 2"/>
-          <p:cNvSpPr>
-            <a:spLocks noGrp="1"/>
-          </p:cNvSpPr>
-          <p:nvPr>
-            <p:ph type="sldNum" sz="quarter" idx="12"/>
-          </p:nvPr>
-        </p:nvSpPr>
-        <p:spPr/>
-        <p:txBody>
-          <a:bodyPr/>
-          <a:lstStyle/>
-          <a:p>
-            <a:fld id="{85A8DA42-601D-40A8-83CA-2F2CBDE5F9F0}" type="slidenum">
-              <a:rPr lang="en-US" smtClean="0"/>
-              <a:t>21</a:t>
-            </a:fld>
-            <a:endParaRPr lang="en-US"/>
-          </a:p>
-        </p:txBody>
-      </p:sp>
-      <p:pic>
-        <p:nvPicPr>
-          <p:cNvPr id="5122" name="Picture 2"/>
-          <p:cNvPicPr>
-            <a:picLocks noChangeAspect="1" noChangeArrowheads="1"/>
-          </p:cNvPicPr>
-          <p:nvPr/>
-        </p:nvPicPr>
-        <p:blipFill>
-          <a:blip r:embed="rId2">
-            <a:extLst>
-              <a:ext uri="{28A0092B-C50C-407E-A947-70E740481C1C}">
-                <a14:useLocalDpi xmlns:a14="http://schemas.microsoft.com/office/drawing/2010/main" val="0"/>
-              </a:ext>
-            </a:extLst>
-          </a:blip>
-          <a:srcRect/>
-          <a:stretch>
-            <a:fillRect/>
-          </a:stretch>
-        </p:blipFill>
-        <p:spPr bwMode="auto">
-          <a:xfrm>
-            <a:off x="0" y="457200"/>
-            <a:ext cx="9028113" cy="4038600"/>
-          </a:xfrm>
-          <a:prstGeom prst="rect">
-            <a:avLst/>
-          </a:prstGeom>
-          <a:noFill/>
-          <a:ln>
-            <a:noFill/>
-          </a:ln>
-          <a:extLst>
-            <a:ext uri="{909E8E84-426E-40DD-AFC4-6F175D3DCCD1}">
-              <a14:hiddenFill xmlns:a14="http://schemas.microsoft.com/office/drawing/2010/main">
-                <a:solidFill>
-                  <a:schemeClr val="accent1"/>
-                </a:solidFill>
-              </a14:hiddenFill>
-            </a:ext>
-            <a:ext uri="{91240B29-F687-4F45-9708-019B960494DF}">
-              <a14:hiddenLine xmlns:a14="http://schemas.microsoft.com/office/drawing/2010/main" w="9525">
-                <a:solidFill>
-                  <a:schemeClr val="tx1"/>
-                </a:solidFill>
-                <a:miter lim="800000"/>
-                <a:headEnd/>
-                <a:tailEnd/>
-              </a14:hiddenLine>
-            </a:ext>
-          </a:extLst>
-        </p:spPr>
-      </p:pic>
-    </p:spTree>
-    <p:extLst>
-      <p:ext uri="{BB962C8B-B14F-4D97-AF65-F5344CB8AC3E}">
-        <p14:creationId xmlns:p14="http://schemas.microsoft.com/office/powerpoint/2010/main" val="654855777"/>
-      </p:ext>
-    </p:extLst>
-  </p:cSld>
-  <p:clrMapOvr>
-    <a:masterClrMapping/>
-  </p:clrMapOvr>
-</p:sld>
-</file>
-
-<file path=ppt/slides/slide22.xml><?xml version="1.0" encoding="utf-8"?>
-<p:sld xmlns:a="http://schemas.openxmlformats.org/drawingml/2006/main" xmlns:r="http://schemas.openxmlformats.org/officeDocument/2006/relationships" xmlns:p="http://schemas.openxmlformats.org/presentationml/2006/main">
-  <p:cSld>
-    <p:spTree>
-      <p:nvGrpSpPr>
-        <p:cNvPr id="1" name=""/>
-        <p:cNvGrpSpPr/>
-        <p:nvPr/>
-      </p:nvGrpSpPr>
-      <p:grpSpPr>
-        <a:xfrm>
-          <a:off x="0" y="0"/>
-          <a:ext cx="0" cy="0"/>
-          <a:chOff x="0" y="0"/>
-          <a:chExt cx="0" cy="0"/>
-        </a:xfrm>
-      </p:grpSpPr>
-      <p:sp>
-        <p:nvSpPr>
-          <p:cNvPr id="2" name="Footer Placeholder 1"/>
-          <p:cNvSpPr>
-            <a:spLocks noGrp="1"/>
-          </p:cNvSpPr>
-          <p:nvPr>
-            <p:ph type="ftr" sz="quarter" idx="11"/>
-          </p:nvPr>
-        </p:nvSpPr>
-        <p:spPr/>
-        <p:txBody>
-          <a:bodyPr/>
-          <a:lstStyle/>
-          <a:p>
-            <a:r>
-              <a:rPr lang="en-US"/>
-              <a:t>© 2016 Pearson Education, Inc., Hoboken, NJ.  All rights reserved.</a:t>
-            </a:r>
-          </a:p>
-        </p:txBody>
-      </p:sp>
-      <p:sp>
-        <p:nvSpPr>
-          <p:cNvPr id="3" name="Slide Number Placeholder 2"/>
-          <p:cNvSpPr>
-            <a:spLocks noGrp="1"/>
-          </p:cNvSpPr>
-          <p:nvPr>
-            <p:ph type="sldNum" sz="quarter" idx="12"/>
-          </p:nvPr>
-        </p:nvSpPr>
-        <p:spPr/>
-        <p:txBody>
-          <a:bodyPr/>
-          <a:lstStyle/>
-          <a:p>
-            <a:fld id="{85A8DA42-601D-40A8-83CA-2F2CBDE5F9F0}" type="slidenum">
-              <a:rPr lang="en-US" smtClean="0"/>
-              <a:t>22</a:t>
-            </a:fld>
-            <a:endParaRPr lang="en-US"/>
-          </a:p>
-        </p:txBody>
-      </p:sp>
-      <p:pic>
-        <p:nvPicPr>
-          <p:cNvPr id="6146" name="Picture 2"/>
-          <p:cNvPicPr>
-            <a:picLocks noChangeAspect="1" noChangeArrowheads="1"/>
-          </p:cNvPicPr>
-          <p:nvPr/>
-        </p:nvPicPr>
-        <p:blipFill>
-          <a:blip r:embed="rId2">
-            <a:extLst>
-              <a:ext uri="{28A0092B-C50C-407E-A947-70E740481C1C}">
-                <a14:useLocalDpi xmlns:a14="http://schemas.microsoft.com/office/drawing/2010/main" val="0"/>
-              </a:ext>
-            </a:extLst>
-          </a:blip>
-          <a:srcRect/>
-          <a:stretch>
-            <a:fillRect/>
-          </a:stretch>
-        </p:blipFill>
-        <p:spPr bwMode="auto">
-          <a:xfrm>
-            <a:off x="1828800" y="236835"/>
-            <a:ext cx="5715000" cy="6138782"/>
-          </a:xfrm>
-          <a:prstGeom prst="rect">
-            <a:avLst/>
-          </a:prstGeom>
-          <a:noFill/>
-          <a:ln>
-            <a:noFill/>
-          </a:ln>
-          <a:extLst>
-            <a:ext uri="{909E8E84-426E-40DD-AFC4-6F175D3DCCD1}">
-              <a14:hiddenFill xmlns:a14="http://schemas.microsoft.com/office/drawing/2010/main">
-                <a:solidFill>
-                  <a:schemeClr val="accent1"/>
-                </a:solidFill>
-              </a14:hiddenFill>
-            </a:ext>
-            <a:ext uri="{91240B29-F687-4F45-9708-019B960494DF}">
-              <a14:hiddenLine xmlns:a14="http://schemas.microsoft.com/office/drawing/2010/main" w="9525">
-                <a:solidFill>
-                  <a:schemeClr val="tx1"/>
-                </a:solidFill>
-                <a:miter lim="800000"/>
-                <a:headEnd/>
-                <a:tailEnd/>
-              </a14:hiddenLine>
-            </a:ext>
-          </a:extLst>
-        </p:spPr>
-      </p:pic>
-    </p:spTree>
-    <p:extLst>
-      <p:ext uri="{BB962C8B-B14F-4D97-AF65-F5344CB8AC3E}">
-        <p14:creationId xmlns:p14="http://schemas.microsoft.com/office/powerpoint/2010/main" val="1789906037"/>
-      </p:ext>
-    </p:extLst>
-  </p:cSld>
-  <p:clrMapOvr>
-    <a:masterClrMapping/>
-  </p:clrMapOvr>
-</p:sld>
-</file>
-
-<file path=ppt/slides/slide23.xml><?xml version="1.0" encoding="utf-8"?>
-<p:sld xmlns:a="http://schemas.openxmlformats.org/drawingml/2006/main" xmlns:r="http://schemas.openxmlformats.org/officeDocument/2006/relationships" xmlns:p="http://schemas.openxmlformats.org/presentationml/2006/main">
-  <p:cSld>
-    <p:spTree>
-      <p:nvGrpSpPr>
-        <p:cNvPr id="1" name=""/>
-        <p:cNvGrpSpPr/>
-        <p:nvPr/>
-      </p:nvGrpSpPr>
-      <p:grpSpPr>
-        <a:xfrm>
-          <a:off x="0" y="0"/>
-          <a:ext cx="0" cy="0"/>
-          <a:chOff x="0" y="0"/>
-          <a:chExt cx="0" cy="0"/>
-        </a:xfrm>
-      </p:grpSpPr>
-      <p:pic>
-        <p:nvPicPr>
-          <p:cNvPr id="7170" name="Picture 2"/>
-          <p:cNvPicPr>
-            <a:picLocks noChangeAspect="1" noChangeArrowheads="1"/>
-          </p:cNvPicPr>
-          <p:nvPr/>
-        </p:nvPicPr>
-        <p:blipFill>
-          <a:blip r:embed="rId2">
-            <a:extLst>
-              <a:ext uri="{28A0092B-C50C-407E-A947-70E740481C1C}">
-                <a14:useLocalDpi xmlns:a14="http://schemas.microsoft.com/office/drawing/2010/main" val="0"/>
-              </a:ext>
-            </a:extLst>
-          </a:blip>
-          <a:srcRect/>
-          <a:stretch>
-            <a:fillRect/>
-          </a:stretch>
-        </p:blipFill>
-        <p:spPr bwMode="auto">
-          <a:xfrm>
-            <a:off x="1143000" y="228600"/>
-            <a:ext cx="7010399" cy="6002466"/>
-          </a:xfrm>
-          <a:prstGeom prst="rect">
-            <a:avLst/>
-          </a:prstGeom>
-          <a:noFill/>
-          <a:ln>
-            <a:noFill/>
-          </a:ln>
-          <a:extLst>
-            <a:ext uri="{909E8E84-426E-40DD-AFC4-6F175D3DCCD1}">
-              <a14:hiddenFill xmlns:a14="http://schemas.microsoft.com/office/drawing/2010/main">
-                <a:solidFill>
-                  <a:schemeClr val="accent1"/>
-                </a:solidFill>
-              </a14:hiddenFill>
-            </a:ext>
-            <a:ext uri="{91240B29-F687-4F45-9708-019B960494DF}">
-              <a14:hiddenLine xmlns:a14="http://schemas.microsoft.com/office/drawing/2010/main" w="9525">
-                <a:solidFill>
-                  <a:schemeClr val="tx1"/>
-                </a:solidFill>
-                <a:miter lim="800000"/>
-                <a:headEnd/>
-                <a:tailEnd/>
-              </a14:hiddenLine>
-            </a:ext>
-          </a:extLst>
-        </p:spPr>
-      </p:pic>
-      <p:sp>
-        <p:nvSpPr>
-          <p:cNvPr id="2" name="Footer Placeholder 1"/>
-          <p:cNvSpPr>
-            <a:spLocks noGrp="1"/>
-          </p:cNvSpPr>
-          <p:nvPr>
-            <p:ph type="ftr" sz="quarter" idx="11"/>
-          </p:nvPr>
-        </p:nvSpPr>
-        <p:spPr/>
-        <p:txBody>
-          <a:bodyPr/>
-          <a:lstStyle/>
-          <a:p>
-            <a:r>
-              <a:rPr lang="en-US"/>
-              <a:t>© 2016 Pearson Education, Inc., Hoboken, NJ.  All rights reserved.</a:t>
-            </a:r>
-          </a:p>
-        </p:txBody>
-      </p:sp>
-      <p:sp>
-        <p:nvSpPr>
-          <p:cNvPr id="3" name="Slide Number Placeholder 2"/>
-          <p:cNvSpPr>
-            <a:spLocks noGrp="1"/>
-          </p:cNvSpPr>
-          <p:nvPr>
-            <p:ph type="sldNum" sz="quarter" idx="12"/>
-          </p:nvPr>
-        </p:nvSpPr>
-        <p:spPr/>
-        <p:txBody>
-          <a:bodyPr/>
-          <a:lstStyle/>
-          <a:p>
-            <a:fld id="{85A8DA42-601D-40A8-83CA-2F2CBDE5F9F0}" type="slidenum">
-              <a:rPr lang="en-US" smtClean="0"/>
-              <a:t>23</a:t>
-            </a:fld>
-            <a:endParaRPr lang="en-US"/>
-          </a:p>
-        </p:txBody>
-      </p:sp>
-    </p:spTree>
-    <p:extLst>
-      <p:ext uri="{BB962C8B-B14F-4D97-AF65-F5344CB8AC3E}">
-        <p14:creationId xmlns:p14="http://schemas.microsoft.com/office/powerpoint/2010/main" val="3385848336"/>
-      </p:ext>
-    </p:extLst>
-  </p:cSld>
-  <p:clrMapOvr>
-    <a:masterClrMapping/>
-  </p:clrMapOvr>
-</p:sld>
-</file>
-
-<file path=ppt/slides/slide24.xml><?xml version="1.0" encoding="utf-8"?>
-<p:sld xmlns:a="http://schemas.openxmlformats.org/drawingml/2006/main" xmlns:r="http://schemas.openxmlformats.org/officeDocument/2006/relationships" xmlns:p="http://schemas.openxmlformats.org/presentationml/2006/main">
-  <p:cSld>
-    <p:spTree>
-      <p:nvGrpSpPr>
-        <p:cNvPr id="1" name=""/>
-        <p:cNvGrpSpPr/>
-        <p:nvPr/>
-      </p:nvGrpSpPr>
-      <p:grpSpPr>
-        <a:xfrm>
-          <a:off x="0" y="0"/>
-          <a:ext cx="0" cy="0"/>
-          <a:chOff x="0" y="0"/>
-          <a:chExt cx="0" cy="0"/>
-        </a:xfrm>
-      </p:grpSpPr>
-      <p:sp>
-        <p:nvSpPr>
-          <p:cNvPr id="2" name="Title 1"/>
-          <p:cNvSpPr>
-            <a:spLocks noGrp="1"/>
-          </p:cNvSpPr>
-          <p:nvPr>
-            <p:ph type="title"/>
-          </p:nvPr>
-        </p:nvSpPr>
-        <p:spPr/>
-        <p:txBody>
-          <a:bodyPr/>
-          <a:lstStyle/>
-          <a:p>
-            <a:r>
-              <a:rPr lang="en-US" dirty="0"/>
-              <a:t>General Conditional Loop</a:t>
-            </a:r>
-          </a:p>
-        </p:txBody>
-      </p:sp>
-      <p:sp>
-        <p:nvSpPr>
-          <p:cNvPr id="3" name="Content Placeholder 2"/>
-          <p:cNvSpPr>
-            <a:spLocks noGrp="1"/>
-          </p:cNvSpPr>
-          <p:nvPr>
-            <p:ph idx="1"/>
-          </p:nvPr>
-        </p:nvSpPr>
-        <p:spPr/>
-        <p:txBody>
-          <a:bodyPr/>
-          <a:lstStyle/>
-          <a:p>
-            <a:pPr marL="514350" indent="-514350">
-              <a:buFont typeface="+mj-lt"/>
-              <a:buAutoNum type="arabicPeriod"/>
-            </a:pPr>
-            <a:r>
-              <a:rPr lang="en-US" dirty="0"/>
-              <a:t>Initialize loop control variable.</a:t>
-            </a:r>
-          </a:p>
-          <a:p>
-            <a:pPr marL="514350" indent="-514350">
-              <a:buFont typeface="+mj-lt"/>
-              <a:buAutoNum type="arabicPeriod"/>
-            </a:pPr>
-            <a:r>
-              <a:rPr lang="en-US" dirty="0"/>
-              <a:t>As long as exit condition hasn’t been met</a:t>
-            </a:r>
-          </a:p>
-          <a:p>
-            <a:pPr marL="914400" lvl="1" indent="-514350">
-              <a:buFont typeface="+mj-lt"/>
-              <a:buAutoNum type="arabicPeriod" startAt="3"/>
-            </a:pPr>
-            <a:r>
-              <a:rPr lang="en-US" dirty="0"/>
-              <a:t>Continue processing</a:t>
-            </a:r>
-          </a:p>
-        </p:txBody>
-      </p:sp>
-      <p:sp>
-        <p:nvSpPr>
-          <p:cNvPr id="4" name="Footer Placeholder 3"/>
-          <p:cNvSpPr>
-            <a:spLocks noGrp="1"/>
-          </p:cNvSpPr>
-          <p:nvPr>
-            <p:ph type="ftr" sz="quarter" idx="11"/>
-          </p:nvPr>
-        </p:nvSpPr>
-        <p:spPr/>
-        <p:txBody>
-          <a:bodyPr/>
-          <a:lstStyle/>
-          <a:p>
-            <a:r>
-              <a:rPr lang="en-US"/>
-              <a:t>© 2016 Pearson Education, Inc., Hoboken, NJ.  All rights reserved.</a:t>
-            </a:r>
-          </a:p>
-        </p:txBody>
-      </p:sp>
-      <p:sp>
-        <p:nvSpPr>
-          <p:cNvPr id="5" name="Slide Number Placeholder 4"/>
-          <p:cNvSpPr>
-            <a:spLocks noGrp="1"/>
-          </p:cNvSpPr>
-          <p:nvPr>
-            <p:ph type="sldNum" sz="quarter" idx="12"/>
-          </p:nvPr>
-        </p:nvSpPr>
-        <p:spPr/>
-        <p:txBody>
-          <a:bodyPr/>
-          <a:lstStyle/>
-          <a:p>
-            <a:fld id="{85A8DA42-601D-40A8-83CA-2F2CBDE5F9F0}" type="slidenum">
-              <a:rPr lang="en-US" smtClean="0"/>
-              <a:t>24</a:t>
-            </a:fld>
-            <a:endParaRPr lang="en-US"/>
-          </a:p>
-        </p:txBody>
-      </p:sp>
-    </p:spTree>
-    <p:extLst>
-      <p:ext uri="{BB962C8B-B14F-4D97-AF65-F5344CB8AC3E}">
-        <p14:creationId xmlns:p14="http://schemas.microsoft.com/office/powerpoint/2010/main" val="1603128629"/>
-      </p:ext>
-    </p:extLst>
-  </p:cSld>
-  <p:clrMapOvr>
-    <a:masterClrMapping/>
-  </p:clrMapOvr>
-</p:sld>
-</file>
-
-<file path=ppt/slides/slide25.xml><?xml version="1.0" encoding="utf-8"?>
-<p:sld xmlns:a="http://schemas.openxmlformats.org/drawingml/2006/main" xmlns:r="http://schemas.openxmlformats.org/officeDocument/2006/relationships" xmlns:p="http://schemas.openxmlformats.org/presentationml/2006/main">
-  <p:cSld>
-    <p:spTree>
-      <p:nvGrpSpPr>
-        <p:cNvPr id="1" name=""/>
-        <p:cNvGrpSpPr/>
-        <p:nvPr/>
-      </p:nvGrpSpPr>
-      <p:grpSpPr>
-        <a:xfrm>
-          <a:off x="0" y="0"/>
-          <a:ext cx="0" cy="0"/>
-          <a:chOff x="0" y="0"/>
-          <a:chExt cx="0" cy="0"/>
-        </a:xfrm>
-      </p:grpSpPr>
-      <p:sp>
-        <p:nvSpPr>
-          <p:cNvPr id="2" name="Footer Placeholder 1"/>
-          <p:cNvSpPr>
-            <a:spLocks noGrp="1"/>
-          </p:cNvSpPr>
-          <p:nvPr>
-            <p:ph type="ftr" sz="quarter" idx="11"/>
-          </p:nvPr>
-        </p:nvSpPr>
-        <p:spPr/>
-        <p:txBody>
-          <a:bodyPr/>
-          <a:lstStyle/>
-          <a:p>
-            <a:r>
-              <a:rPr lang="en-US"/>
-              <a:t>© 2016 Pearson Education, Inc., Hoboken, NJ.  All rights reserved.</a:t>
-            </a:r>
-          </a:p>
-        </p:txBody>
-      </p:sp>
-      <p:sp>
-        <p:nvSpPr>
-          <p:cNvPr id="3" name="Slide Number Placeholder 2"/>
-          <p:cNvSpPr>
-            <a:spLocks noGrp="1"/>
-          </p:cNvSpPr>
-          <p:nvPr>
-            <p:ph type="sldNum" sz="quarter" idx="12"/>
-          </p:nvPr>
-        </p:nvSpPr>
-        <p:spPr/>
-        <p:txBody>
-          <a:bodyPr/>
-          <a:lstStyle/>
-          <a:p>
-            <a:fld id="{85A8DA42-601D-40A8-83CA-2F2CBDE5F9F0}" type="slidenum">
-              <a:rPr lang="en-US" smtClean="0"/>
-              <a:t>25</a:t>
             </a:fld>
             <a:endParaRPr lang="en-US"/>
           </a:p>
@@ -6671,7 +4772,7 @@
 </p:sld>
 </file>
 
-<file path=ppt/slides/slide26.xml><?xml version="1.0" encoding="utf-8"?>
+<file path=ppt/slides/slide16.xml><?xml version="1.0" encoding="utf-8"?>
 <p:sld xmlns:a="http://schemas.openxmlformats.org/drawingml/2006/main" xmlns:r="http://schemas.openxmlformats.org/officeDocument/2006/relationships" xmlns:p="http://schemas.openxmlformats.org/presentationml/2006/main">
   <p:cSld>
     <p:spTree>
@@ -6805,7 +4906,7 @@
           <a:p>
             <a:fld id="{85A8DA42-601D-40A8-83CA-2F2CBDE5F9F0}" type="slidenum">
               <a:rPr lang="en-US" smtClean="0"/>
-              <a:t>26</a:t>
+              <a:t>16</a:t>
             </a:fld>
             <a:endParaRPr lang="en-US"/>
           </a:p>
@@ -6824,7 +4925,7 @@
 </p:sld>
 </file>
 
-<file path=ppt/slides/slide27.xml><?xml version="1.0" encoding="utf-8"?>
+<file path=ppt/slides/slide17.xml><?xml version="1.0" encoding="utf-8"?>
 <p:sld xmlns:a="http://schemas.openxmlformats.org/drawingml/2006/main" xmlns:r="http://schemas.openxmlformats.org/officeDocument/2006/relationships" xmlns:p="http://schemas.openxmlformats.org/presentationml/2006/main">
   <p:cSld>
     <p:spTree>
@@ -6843,274 +4944,7 @@
       </p:grpSpPr>
       <p:sp>
         <p:nvSpPr>
-          <p:cNvPr id="2" name="Title 1"/>
-          <p:cNvSpPr>
-            <a:spLocks noGrp="1"/>
-          </p:cNvSpPr>
-          <p:nvPr>
-            <p:ph type="title"/>
-          </p:nvPr>
-        </p:nvSpPr>
-        <p:spPr/>
-        <p:txBody>
-          <a:bodyPr/>
-          <a:lstStyle/>
-          <a:p>
-            <a:r>
-              <a:rPr lang="en-US" dirty="0"/>
-              <a:t>The </a:t>
-            </a:r>
-            <a:r>
-              <a:rPr lang="en-US" dirty="0">
-                <a:solidFill>
-                  <a:srgbClr val="7030A0"/>
-                </a:solidFill>
-                <a:latin typeface="Cambria" panose="02040503050406030204" pitchFamily="18" charset="0"/>
-              </a:rPr>
-              <a:t>for</a:t>
-            </a:r>
-            <a:r>
-              <a:rPr lang="en-US" dirty="0"/>
-              <a:t> Statement Syntax</a:t>
-            </a:r>
-          </a:p>
-        </p:txBody>
-      </p:sp>
-      <p:sp>
-        <p:nvSpPr>
-          <p:cNvPr id="3" name="Content Placeholder 2"/>
-          <p:cNvSpPr>
-            <a:spLocks noGrp="1"/>
-          </p:cNvSpPr>
-          <p:nvPr>
-            <p:ph idx="1"/>
-          </p:nvPr>
-        </p:nvSpPr>
-        <p:spPr>
-          <a:xfrm>
-            <a:off x="2209800" y="1524000"/>
-            <a:ext cx="4724400" cy="4525963"/>
-          </a:xfrm>
-        </p:spPr>
-        <p:txBody>
-          <a:bodyPr>
-            <a:normAutofit fontScale="85000" lnSpcReduction="20000"/>
-          </a:bodyPr>
-          <a:lstStyle/>
-          <a:p>
-            <a:pPr marL="0" indent="0">
-              <a:buNone/>
-            </a:pPr>
-            <a:r>
-              <a:rPr lang="en-US" dirty="0"/>
-              <a:t>for   (</a:t>
-            </a:r>
-            <a:r>
-              <a:rPr lang="en-US" i="1" dirty="0"/>
-              <a:t>initialization expression</a:t>
-            </a:r>
-            <a:r>
-              <a:rPr lang="en-US" dirty="0"/>
-              <a:t>;</a:t>
-            </a:r>
-          </a:p>
-          <a:p>
-            <a:pPr marL="0" indent="0">
-              <a:buNone/>
-            </a:pPr>
-            <a:r>
-              <a:rPr lang="en-US" dirty="0"/>
-              <a:t>	</a:t>
-            </a:r>
-            <a:r>
-              <a:rPr lang="en-US" i="1" dirty="0"/>
-              <a:t>loop repetition condition</a:t>
-            </a:r>
-            <a:r>
-              <a:rPr lang="en-US" dirty="0"/>
-              <a:t>;</a:t>
-            </a:r>
-          </a:p>
-          <a:p>
-            <a:pPr marL="0" indent="0">
-              <a:buNone/>
-            </a:pPr>
-            <a:r>
-              <a:rPr lang="en-US" dirty="0"/>
-              <a:t>	</a:t>
-            </a:r>
-            <a:r>
-              <a:rPr lang="en-US" i="1" dirty="0"/>
-              <a:t>update expression</a:t>
-            </a:r>
-            <a:r>
-              <a:rPr lang="en-US" dirty="0"/>
-              <a:t>)</a:t>
-            </a:r>
-          </a:p>
-          <a:p>
-            <a:pPr marL="0" indent="0">
-              <a:buNone/>
-            </a:pPr>
-            <a:r>
-              <a:rPr lang="en-US" dirty="0"/>
-              <a:t>      statement;</a:t>
-            </a:r>
-          </a:p>
-          <a:p>
-            <a:pPr marL="0" indent="0">
-              <a:buNone/>
-            </a:pPr>
-            <a:endParaRPr lang="en-US" dirty="0">
-              <a:solidFill>
-                <a:srgbClr val="7030A0"/>
-              </a:solidFill>
-            </a:endParaRPr>
-          </a:p>
-          <a:p>
-            <a:pPr marL="0" indent="0">
-              <a:buNone/>
-            </a:pPr>
-            <a:r>
-              <a:rPr lang="en-US" dirty="0">
-                <a:solidFill>
-                  <a:srgbClr val="7030A0"/>
-                </a:solidFill>
-              </a:rPr>
-              <a:t>/* Display N asterisks. */</a:t>
-            </a:r>
-          </a:p>
-          <a:p>
-            <a:pPr marL="0" indent="0">
-              <a:buNone/>
-            </a:pPr>
-            <a:r>
-              <a:rPr lang="en-US" dirty="0">
-                <a:solidFill>
-                  <a:srgbClr val="7030A0"/>
-                </a:solidFill>
-              </a:rPr>
-              <a:t>for  (</a:t>
-            </a:r>
-            <a:r>
-              <a:rPr lang="en-US" dirty="0" err="1">
-                <a:solidFill>
-                  <a:srgbClr val="7030A0"/>
-                </a:solidFill>
-              </a:rPr>
-              <a:t>count_star</a:t>
-            </a:r>
-            <a:r>
-              <a:rPr lang="en-US" dirty="0">
-                <a:solidFill>
-                  <a:srgbClr val="7030A0"/>
-                </a:solidFill>
-              </a:rPr>
-              <a:t> = 0;</a:t>
-            </a:r>
-          </a:p>
-          <a:p>
-            <a:pPr marL="0" indent="0">
-              <a:buNone/>
-            </a:pPr>
-            <a:r>
-              <a:rPr lang="en-US" dirty="0">
-                <a:solidFill>
-                  <a:srgbClr val="7030A0"/>
-                </a:solidFill>
-              </a:rPr>
-              <a:t>        </a:t>
-            </a:r>
-            <a:r>
-              <a:rPr lang="en-US" dirty="0" err="1">
-                <a:solidFill>
-                  <a:srgbClr val="7030A0"/>
-                </a:solidFill>
-              </a:rPr>
-              <a:t>count_star</a:t>
-            </a:r>
-            <a:r>
-              <a:rPr lang="en-US" dirty="0">
-                <a:solidFill>
-                  <a:srgbClr val="7030A0"/>
-                </a:solidFill>
-              </a:rPr>
-              <a:t> &lt; N;</a:t>
-            </a:r>
-          </a:p>
-          <a:p>
-            <a:pPr marL="0" indent="0">
-              <a:buNone/>
-            </a:pPr>
-            <a:r>
-              <a:rPr lang="en-US" dirty="0">
-                <a:solidFill>
-                  <a:srgbClr val="7030A0"/>
-                </a:solidFill>
-              </a:rPr>
-              <a:t>        </a:t>
-            </a:r>
-            <a:r>
-              <a:rPr lang="en-US" dirty="0" err="1">
-                <a:solidFill>
-                  <a:srgbClr val="7030A0"/>
-                </a:solidFill>
-              </a:rPr>
-              <a:t>count_star</a:t>
-            </a:r>
-            <a:r>
-              <a:rPr lang="en-US" dirty="0">
-                <a:solidFill>
-                  <a:srgbClr val="7030A0"/>
-                </a:solidFill>
-              </a:rPr>
-              <a:t> += 1)</a:t>
-            </a:r>
-          </a:p>
-          <a:p>
-            <a:pPr marL="0" indent="0">
-              <a:buNone/>
-            </a:pPr>
-            <a:r>
-              <a:rPr lang="en-US" dirty="0">
-                <a:solidFill>
-                  <a:srgbClr val="7030A0"/>
-                </a:solidFill>
-              </a:rPr>
-              <a:t>     </a:t>
-            </a:r>
-            <a:r>
-              <a:rPr lang="en-US" dirty="0" err="1">
-                <a:solidFill>
-                  <a:srgbClr val="7030A0"/>
-                </a:solidFill>
-              </a:rPr>
-              <a:t>printf</a:t>
-            </a:r>
-            <a:r>
-              <a:rPr lang="en-US" dirty="0">
-                <a:solidFill>
-                  <a:srgbClr val="7030A0"/>
-                </a:solidFill>
-              </a:rPr>
-              <a:t>(“*”);</a:t>
-            </a:r>
-          </a:p>
-          <a:p>
-            <a:pPr marL="0" indent="0">
-              <a:buNone/>
-            </a:pPr>
-            <a:endParaRPr lang="en-US" dirty="0">
-              <a:solidFill>
-                <a:srgbClr val="7030A0"/>
-              </a:solidFill>
-            </a:endParaRPr>
-          </a:p>
-        </p:txBody>
-      </p:sp>
-      <p:sp>
-        <p:nvSpPr>
-          <p:cNvPr id="4" name="Footer Placeholder 3"/>
+          <p:cNvPr id="2" name="Footer Placeholder 1"/>
           <p:cNvSpPr>
             <a:spLocks noGrp="1"/>
           </p:cNvSpPr>
@@ -7132,7 +4966,7 @@
       </p:sp>
       <p:sp>
         <p:nvSpPr>
-          <p:cNvPr id="5" name="Slide Number Placeholder 4"/>
+          <p:cNvPr id="3" name="Slide Number Placeholder 2"/>
           <p:cNvSpPr>
             <a:spLocks noGrp="1"/>
           </p:cNvSpPr>
@@ -7147,1001 +4981,7 @@
           <a:p>
             <a:fld id="{85A8DA42-601D-40A8-83CA-2F2CBDE5F9F0}" type="slidenum">
               <a:rPr lang="en-US" smtClean="0"/>
-              <a:t>27</a:t>
-            </a:fld>
-            <a:endParaRPr lang="en-US"/>
-          </a:p>
-        </p:txBody>
-      </p:sp>
-    </p:spTree>
-    <p:extLst>
-      <p:ext uri="{BB962C8B-B14F-4D97-AF65-F5344CB8AC3E}">
-        <p14:creationId xmlns:p14="http://schemas.microsoft.com/office/powerpoint/2010/main" val="879562765"/>
-      </p:ext>
-    </p:extLst>
-  </p:cSld>
-  <p:clrMapOvr>
-    <a:masterClrMapping/>
-  </p:clrMapOvr>
-</p:sld>
-</file>
-
-<file path=ppt/slides/slide28.xml><?xml version="1.0" encoding="utf-8"?>
-<p:sld xmlns:a="http://schemas.openxmlformats.org/drawingml/2006/main" xmlns:r="http://schemas.openxmlformats.org/officeDocument/2006/relationships" xmlns:p="http://schemas.openxmlformats.org/presentationml/2006/main">
-  <p:cSld>
-    <p:spTree>
-      <p:nvGrpSpPr>
-        <p:cNvPr id="1" name=""/>
-        <p:cNvGrpSpPr/>
-        <p:nvPr/>
-      </p:nvGrpSpPr>
-      <p:grpSpPr>
-        <a:xfrm>
-          <a:off x="0" y="0"/>
-          <a:ext cx="0" cy="0"/>
-          <a:chOff x="0" y="0"/>
-          <a:chExt cx="0" cy="0"/>
-        </a:xfrm>
-      </p:grpSpPr>
-      <p:sp>
-        <p:nvSpPr>
-          <p:cNvPr id="2" name="Footer Placeholder 1"/>
-          <p:cNvSpPr>
-            <a:spLocks noGrp="1"/>
-          </p:cNvSpPr>
-          <p:nvPr>
-            <p:ph type="ftr" sz="quarter" idx="11"/>
-          </p:nvPr>
-        </p:nvSpPr>
-        <p:spPr/>
-        <p:txBody>
-          <a:bodyPr/>
-          <a:lstStyle/>
-          <a:p>
-            <a:r>
-              <a:rPr lang="en-US"/>
-              <a:t>© 2016 Pearson Education, Inc., Hoboken, NJ.  All rights reserved.</a:t>
-            </a:r>
-          </a:p>
-        </p:txBody>
-      </p:sp>
-      <p:sp>
-        <p:nvSpPr>
-          <p:cNvPr id="3" name="Slide Number Placeholder 2"/>
-          <p:cNvSpPr>
-            <a:spLocks noGrp="1"/>
-          </p:cNvSpPr>
-          <p:nvPr>
-            <p:ph type="sldNum" sz="quarter" idx="12"/>
-          </p:nvPr>
-        </p:nvSpPr>
-        <p:spPr/>
-        <p:txBody>
-          <a:bodyPr/>
-          <a:lstStyle/>
-          <a:p>
-            <a:fld id="{85A8DA42-601D-40A8-83CA-2F2CBDE5F9F0}" type="slidenum">
-              <a:rPr lang="en-US" smtClean="0"/>
-              <a:t>28</a:t>
-            </a:fld>
-            <a:endParaRPr lang="en-US"/>
-          </a:p>
-        </p:txBody>
-      </p:sp>
-      <p:pic>
-        <p:nvPicPr>
-          <p:cNvPr id="9218" name="Picture 2"/>
-          <p:cNvPicPr>
-            <a:picLocks noChangeAspect="1" noChangeArrowheads="1"/>
-          </p:cNvPicPr>
-          <p:nvPr/>
-        </p:nvPicPr>
-        <p:blipFill>
-          <a:blip r:embed="rId2">
-            <a:extLst>
-              <a:ext uri="{28A0092B-C50C-407E-A947-70E740481C1C}">
-                <a14:useLocalDpi xmlns:a14="http://schemas.microsoft.com/office/drawing/2010/main" val="0"/>
-              </a:ext>
-            </a:extLst>
-          </a:blip>
-          <a:srcRect/>
-          <a:stretch>
-            <a:fillRect/>
-          </a:stretch>
-        </p:blipFill>
-        <p:spPr bwMode="auto">
-          <a:xfrm>
-            <a:off x="211878" y="685800"/>
-            <a:ext cx="8681132" cy="4114800"/>
-          </a:xfrm>
-          <a:prstGeom prst="rect">
-            <a:avLst/>
-          </a:prstGeom>
-          <a:noFill/>
-          <a:ln>
-            <a:noFill/>
-          </a:ln>
-          <a:extLst>
-            <a:ext uri="{909E8E84-426E-40DD-AFC4-6F175D3DCCD1}">
-              <a14:hiddenFill xmlns:a14="http://schemas.microsoft.com/office/drawing/2010/main">
-                <a:solidFill>
-                  <a:schemeClr val="accent1"/>
-                </a:solidFill>
-              </a14:hiddenFill>
-            </a:ext>
-            <a:ext uri="{91240B29-F687-4F45-9708-019B960494DF}">
-              <a14:hiddenLine xmlns:a14="http://schemas.microsoft.com/office/drawing/2010/main" w="9525">
-                <a:solidFill>
-                  <a:schemeClr val="tx1"/>
-                </a:solidFill>
-                <a:miter lim="800000"/>
-                <a:headEnd/>
-                <a:tailEnd/>
-              </a14:hiddenLine>
-            </a:ext>
-          </a:extLst>
-        </p:spPr>
-      </p:pic>
-    </p:spTree>
-    <p:extLst>
-      <p:ext uri="{BB962C8B-B14F-4D97-AF65-F5344CB8AC3E}">
-        <p14:creationId xmlns:p14="http://schemas.microsoft.com/office/powerpoint/2010/main" val="2654582922"/>
-      </p:ext>
-    </p:extLst>
-  </p:cSld>
-  <p:clrMapOvr>
-    <a:masterClrMapping/>
-  </p:clrMapOvr>
-</p:sld>
-</file>
-
-<file path=ppt/slides/slide29.xml><?xml version="1.0" encoding="utf-8"?>
-<p:sld xmlns:a="http://schemas.openxmlformats.org/drawingml/2006/main" xmlns:r="http://schemas.openxmlformats.org/officeDocument/2006/relationships" xmlns:p="http://schemas.openxmlformats.org/presentationml/2006/main">
-  <p:cSld>
-    <p:spTree>
-      <p:nvGrpSpPr>
-        <p:cNvPr id="1" name=""/>
-        <p:cNvGrpSpPr/>
-        <p:nvPr/>
-      </p:nvGrpSpPr>
-      <p:grpSpPr>
-        <a:xfrm>
-          <a:off x="0" y="0"/>
-          <a:ext cx="0" cy="0"/>
-          <a:chOff x="0" y="0"/>
-          <a:chExt cx="0" cy="0"/>
-        </a:xfrm>
-      </p:grpSpPr>
-      <p:sp>
-        <p:nvSpPr>
-          <p:cNvPr id="2" name="Title 1"/>
-          <p:cNvSpPr>
-            <a:spLocks noGrp="1"/>
-          </p:cNvSpPr>
-          <p:nvPr>
-            <p:ph type="title"/>
-          </p:nvPr>
-        </p:nvSpPr>
-        <p:spPr/>
-        <p:txBody>
-          <a:bodyPr>
-            <a:normAutofit fontScale="90000"/>
-          </a:bodyPr>
-          <a:lstStyle/>
-          <a:p>
-            <a:r>
-              <a:rPr lang="en-US" dirty="0"/>
-              <a:t>Increment and Decrement Operators</a:t>
-            </a:r>
-          </a:p>
-        </p:txBody>
-      </p:sp>
-      <p:sp>
-        <p:nvSpPr>
-          <p:cNvPr id="3" name="Content Placeholder 2"/>
-          <p:cNvSpPr>
-            <a:spLocks noGrp="1"/>
-          </p:cNvSpPr>
-          <p:nvPr>
-            <p:ph idx="1"/>
-          </p:nvPr>
-        </p:nvSpPr>
-        <p:spPr>
-          <a:xfrm>
-            <a:off x="2133600" y="1524000"/>
-            <a:ext cx="4572000" cy="4525963"/>
-          </a:xfrm>
-        </p:spPr>
-        <p:txBody>
-          <a:bodyPr/>
-          <a:lstStyle/>
-          <a:p>
-            <a:r>
-              <a:rPr lang="en-US" dirty="0"/>
-              <a:t>counter = counter + 1</a:t>
-            </a:r>
-            <a:br>
-              <a:rPr lang="en-US" dirty="0"/>
-            </a:br>
-            <a:r>
-              <a:rPr lang="en-US" dirty="0"/>
-              <a:t>count += 1</a:t>
-            </a:r>
-            <a:br>
-              <a:rPr lang="en-US" dirty="0"/>
-            </a:br>
-            <a:r>
-              <a:rPr lang="en-US" dirty="0"/>
-              <a:t>counter++</a:t>
-            </a:r>
-            <a:br>
-              <a:rPr lang="en-US" dirty="0"/>
-            </a:br>
-            <a:endParaRPr lang="en-US" dirty="0"/>
-          </a:p>
-          <a:p>
-            <a:r>
-              <a:rPr lang="en-US" dirty="0"/>
-              <a:t>counter = counter - 1</a:t>
-            </a:r>
-            <a:br>
-              <a:rPr lang="en-US" dirty="0"/>
-            </a:br>
-            <a:r>
-              <a:rPr lang="en-US" dirty="0"/>
-              <a:t>count -= 1</a:t>
-            </a:r>
-            <a:br>
-              <a:rPr lang="en-US" dirty="0"/>
-            </a:br>
-            <a:r>
-              <a:rPr lang="en-US" dirty="0"/>
-              <a:t>counter--</a:t>
-            </a:r>
-          </a:p>
-        </p:txBody>
-      </p:sp>
-      <p:sp>
-        <p:nvSpPr>
-          <p:cNvPr id="4" name="Footer Placeholder 3"/>
-          <p:cNvSpPr>
-            <a:spLocks noGrp="1"/>
-          </p:cNvSpPr>
-          <p:nvPr>
-            <p:ph type="ftr" sz="quarter" idx="11"/>
-          </p:nvPr>
-        </p:nvSpPr>
-        <p:spPr/>
-        <p:txBody>
-          <a:bodyPr/>
-          <a:lstStyle/>
-          <a:p>
-            <a:r>
-              <a:rPr lang="en-US"/>
-              <a:t>© 2016 Pearson Education, Inc., Hoboken, NJ.  All rights reserved.</a:t>
-            </a:r>
-          </a:p>
-        </p:txBody>
-      </p:sp>
-      <p:sp>
-        <p:nvSpPr>
-          <p:cNvPr id="5" name="Slide Number Placeholder 4"/>
-          <p:cNvSpPr>
-            <a:spLocks noGrp="1"/>
-          </p:cNvSpPr>
-          <p:nvPr>
-            <p:ph type="sldNum" sz="quarter" idx="12"/>
-          </p:nvPr>
-        </p:nvSpPr>
-        <p:spPr/>
-        <p:txBody>
-          <a:bodyPr/>
-          <a:lstStyle/>
-          <a:p>
-            <a:fld id="{85A8DA42-601D-40A8-83CA-2F2CBDE5F9F0}" type="slidenum">
-              <a:rPr lang="en-US" smtClean="0"/>
-              <a:t>29</a:t>
-            </a:fld>
-            <a:endParaRPr lang="en-US"/>
-          </a:p>
-        </p:txBody>
-      </p:sp>
-    </p:spTree>
-    <p:extLst>
-      <p:ext uri="{BB962C8B-B14F-4D97-AF65-F5344CB8AC3E}">
-        <p14:creationId xmlns:p14="http://schemas.microsoft.com/office/powerpoint/2010/main" val="1109965411"/>
-      </p:ext>
-    </p:extLst>
-  </p:cSld>
-  <p:clrMapOvr>
-    <a:masterClrMapping/>
-  </p:clrMapOvr>
-</p:sld>
-</file>
-
-<file path=ppt/slides/slide3.xml><?xml version="1.0" encoding="utf-8"?>
-<p:sld xmlns:a="http://schemas.openxmlformats.org/drawingml/2006/main" xmlns:r="http://schemas.openxmlformats.org/officeDocument/2006/relationships" xmlns:p="http://schemas.openxmlformats.org/presentationml/2006/main">
-  <p:cSld>
-    <p:spTree>
-      <p:nvGrpSpPr>
-        <p:cNvPr id="1" name=""/>
-        <p:cNvGrpSpPr/>
-        <p:nvPr/>
-      </p:nvGrpSpPr>
-      <p:grpSpPr>
-        <a:xfrm>
-          <a:off x="0" y="0"/>
-          <a:ext cx="0" cy="0"/>
-          <a:chOff x="0" y="0"/>
-          <a:chExt cx="0" cy="0"/>
-        </a:xfrm>
-      </p:grpSpPr>
-      <p:sp>
-        <p:nvSpPr>
-          <p:cNvPr id="2" name="Title 1"/>
-          <p:cNvSpPr>
-            <a:spLocks noGrp="1"/>
-          </p:cNvSpPr>
-          <p:nvPr>
-            <p:ph type="title"/>
-          </p:nvPr>
-        </p:nvSpPr>
-        <p:spPr/>
-        <p:txBody>
-          <a:bodyPr>
-            <a:normAutofit fontScale="90000"/>
-          </a:bodyPr>
-          <a:lstStyle/>
-          <a:p>
-            <a:r>
-              <a:rPr lang="en-US" dirty="0"/>
-              <a:t>Increment and Decrement Operators</a:t>
-            </a:r>
-          </a:p>
-        </p:txBody>
-      </p:sp>
-      <p:sp>
-        <p:nvSpPr>
-          <p:cNvPr id="3" name="Content Placeholder 2"/>
-          <p:cNvSpPr>
-            <a:spLocks noGrp="1"/>
-          </p:cNvSpPr>
-          <p:nvPr>
-            <p:ph idx="1"/>
-          </p:nvPr>
-        </p:nvSpPr>
-        <p:spPr>
-          <a:xfrm>
-            <a:off x="2133600" y="1524000"/>
-            <a:ext cx="4572000" cy="4525963"/>
-          </a:xfrm>
-        </p:spPr>
-        <p:txBody>
-          <a:bodyPr>
-            <a:normAutofit lnSpcReduction="10000"/>
-          </a:bodyPr>
-          <a:lstStyle/>
-          <a:p>
-            <a:r>
-              <a:rPr lang="en-US" dirty="0"/>
-              <a:t>counter = counter + 1</a:t>
-            </a:r>
-            <a:br>
-              <a:rPr lang="en-US" dirty="0"/>
-            </a:br>
-            <a:r>
-              <a:rPr lang="en-US" dirty="0"/>
-              <a:t>count += 1</a:t>
-            </a:r>
-            <a:br>
-              <a:rPr lang="en-US" dirty="0"/>
-            </a:br>
-            <a:r>
-              <a:rPr lang="en-US" dirty="0"/>
-              <a:t>counter++</a:t>
-            </a:r>
-            <a:br>
-              <a:rPr lang="en-US" dirty="0"/>
-            </a:br>
-            <a:r>
-              <a:rPr lang="en-US" dirty="0"/>
-              <a:t>++counter</a:t>
-            </a:r>
-            <a:br>
-              <a:rPr lang="en-US" dirty="0"/>
-            </a:br>
-            <a:endParaRPr lang="en-US" dirty="0"/>
-          </a:p>
-          <a:p>
-            <a:r>
-              <a:rPr lang="en-US" dirty="0"/>
-              <a:t>counter = counter - 1</a:t>
-            </a:r>
-            <a:br>
-              <a:rPr lang="en-US" dirty="0"/>
-            </a:br>
-            <a:r>
-              <a:rPr lang="en-US" dirty="0"/>
-              <a:t>count -= 1</a:t>
-            </a:r>
-            <a:br>
-              <a:rPr lang="en-US" dirty="0"/>
-            </a:br>
-            <a:r>
-              <a:rPr lang="en-US" dirty="0"/>
-              <a:t>counter--</a:t>
-            </a:r>
-          </a:p>
-          <a:p>
-            <a:pPr marL="0" indent="0">
-              <a:buNone/>
-            </a:pPr>
-            <a:r>
-              <a:rPr lang="en-US"/>
-              <a:t>    --counter</a:t>
-            </a:r>
-            <a:endParaRPr lang="en-US" dirty="0"/>
-          </a:p>
-        </p:txBody>
-      </p:sp>
-      <p:sp>
-        <p:nvSpPr>
-          <p:cNvPr id="4" name="Footer Placeholder 3"/>
-          <p:cNvSpPr>
-            <a:spLocks noGrp="1"/>
-          </p:cNvSpPr>
-          <p:nvPr>
-            <p:ph type="ftr" sz="quarter" idx="11"/>
-          </p:nvPr>
-        </p:nvSpPr>
-        <p:spPr/>
-        <p:txBody>
-          <a:bodyPr/>
-          <a:lstStyle/>
-          <a:p>
-            <a:r>
-              <a:rPr lang="en-US"/>
-              <a:t>© 2016 Pearson Education, Inc., Hoboken, NJ.  All rights reserved.</a:t>
-            </a:r>
-          </a:p>
-        </p:txBody>
-      </p:sp>
-      <p:sp>
-        <p:nvSpPr>
-          <p:cNvPr id="5" name="Slide Number Placeholder 4"/>
-          <p:cNvSpPr>
-            <a:spLocks noGrp="1"/>
-          </p:cNvSpPr>
-          <p:nvPr>
-            <p:ph type="sldNum" sz="quarter" idx="12"/>
-          </p:nvPr>
-        </p:nvSpPr>
-        <p:spPr/>
-        <p:txBody>
-          <a:bodyPr/>
-          <a:lstStyle/>
-          <a:p>
-            <a:fld id="{85A8DA42-601D-40A8-83CA-2F2CBDE5F9F0}" type="slidenum">
-              <a:rPr lang="en-US" smtClean="0"/>
-              <a:t>3</a:t>
-            </a:fld>
-            <a:endParaRPr lang="en-US"/>
-          </a:p>
-        </p:txBody>
-      </p:sp>
-    </p:spTree>
-    <p:extLst>
-      <p:ext uri="{BB962C8B-B14F-4D97-AF65-F5344CB8AC3E}">
-        <p14:creationId xmlns:p14="http://schemas.microsoft.com/office/powerpoint/2010/main" val="2078938641"/>
-      </p:ext>
-    </p:extLst>
-  </p:cSld>
-  <p:clrMapOvr>
-    <a:masterClrMapping/>
-  </p:clrMapOvr>
-</p:sld>
-</file>
-
-<file path=ppt/slides/slide30.xml><?xml version="1.0" encoding="utf-8"?>
-<p:sld xmlns:a="http://schemas.openxmlformats.org/drawingml/2006/main" xmlns:r="http://schemas.openxmlformats.org/officeDocument/2006/relationships" xmlns:p="http://schemas.openxmlformats.org/presentationml/2006/main">
-  <p:cSld>
-    <p:spTree>
-      <p:nvGrpSpPr>
-        <p:cNvPr id="1" name=""/>
-        <p:cNvGrpSpPr/>
-        <p:nvPr/>
-      </p:nvGrpSpPr>
-      <p:grpSpPr>
-        <a:xfrm>
-          <a:off x="0" y="0"/>
-          <a:ext cx="0" cy="0"/>
-          <a:chOff x="0" y="0"/>
-          <a:chExt cx="0" cy="0"/>
-        </a:xfrm>
-      </p:grpSpPr>
-      <p:sp>
-        <p:nvSpPr>
-          <p:cNvPr id="2" name="Title 1"/>
-          <p:cNvSpPr>
-            <a:spLocks noGrp="1"/>
-          </p:cNvSpPr>
-          <p:nvPr>
-            <p:ph type="title"/>
-          </p:nvPr>
-        </p:nvSpPr>
-        <p:spPr/>
-        <p:txBody>
-          <a:bodyPr>
-            <a:normAutofit fontScale="90000"/>
-          </a:bodyPr>
-          <a:lstStyle/>
-          <a:p>
-            <a:r>
-              <a:rPr lang="en-US" dirty="0"/>
-              <a:t>Increment and Decrement Operators</a:t>
-            </a:r>
-          </a:p>
-        </p:txBody>
-      </p:sp>
-      <p:sp>
-        <p:nvSpPr>
-          <p:cNvPr id="3" name="Content Placeholder 2"/>
-          <p:cNvSpPr>
-            <a:spLocks noGrp="1"/>
-          </p:cNvSpPr>
-          <p:nvPr>
-            <p:ph idx="1"/>
-          </p:nvPr>
-        </p:nvSpPr>
-        <p:spPr/>
-        <p:txBody>
-          <a:bodyPr/>
-          <a:lstStyle/>
-          <a:p>
-            <a:r>
-              <a:rPr lang="en-US" dirty="0"/>
-              <a:t>side effect</a:t>
-            </a:r>
-          </a:p>
-          <a:p>
-            <a:pPr lvl="1"/>
-            <a:r>
-              <a:rPr lang="en-US" dirty="0"/>
-              <a:t>a change in the value of a variable as a result of carrying out an operation</a:t>
-            </a:r>
-          </a:p>
-          <a:p>
-            <a:endParaRPr lang="en-US" dirty="0"/>
-          </a:p>
-        </p:txBody>
-      </p:sp>
-      <p:sp>
-        <p:nvSpPr>
-          <p:cNvPr id="4" name="Footer Placeholder 3"/>
-          <p:cNvSpPr>
-            <a:spLocks noGrp="1"/>
-          </p:cNvSpPr>
-          <p:nvPr>
-            <p:ph type="ftr" sz="quarter" idx="11"/>
-          </p:nvPr>
-        </p:nvSpPr>
-        <p:spPr/>
-        <p:txBody>
-          <a:bodyPr/>
-          <a:lstStyle/>
-          <a:p>
-            <a:r>
-              <a:rPr lang="en-US"/>
-              <a:t>© 2016 Pearson Education, Inc., Hoboken, NJ.  All rights reserved.</a:t>
-            </a:r>
-          </a:p>
-        </p:txBody>
-      </p:sp>
-      <p:sp>
-        <p:nvSpPr>
-          <p:cNvPr id="5" name="Slide Number Placeholder 4"/>
-          <p:cNvSpPr>
-            <a:spLocks noGrp="1"/>
-          </p:cNvSpPr>
-          <p:nvPr>
-            <p:ph type="sldNum" sz="quarter" idx="12"/>
-          </p:nvPr>
-        </p:nvSpPr>
-        <p:spPr/>
-        <p:txBody>
-          <a:bodyPr/>
-          <a:lstStyle/>
-          <a:p>
-            <a:fld id="{85A8DA42-601D-40A8-83CA-2F2CBDE5F9F0}" type="slidenum">
-              <a:rPr lang="en-US" smtClean="0"/>
-              <a:t>30</a:t>
-            </a:fld>
-            <a:endParaRPr lang="en-US"/>
-          </a:p>
-        </p:txBody>
-      </p:sp>
-    </p:spTree>
-    <p:extLst>
-      <p:ext uri="{BB962C8B-B14F-4D97-AF65-F5344CB8AC3E}">
-        <p14:creationId xmlns:p14="http://schemas.microsoft.com/office/powerpoint/2010/main" val="1595383463"/>
-      </p:ext>
-    </p:extLst>
-  </p:cSld>
-  <p:clrMapOvr>
-    <a:masterClrMapping/>
-  </p:clrMapOvr>
-</p:sld>
-</file>
-
-<file path=ppt/slides/slide31.xml><?xml version="1.0" encoding="utf-8"?>
-<p:sld xmlns:a="http://schemas.openxmlformats.org/drawingml/2006/main" xmlns:r="http://schemas.openxmlformats.org/officeDocument/2006/relationships" xmlns:p="http://schemas.openxmlformats.org/presentationml/2006/main">
-  <p:cSld>
-    <p:spTree>
-      <p:nvGrpSpPr>
-        <p:cNvPr id="1" name=""/>
-        <p:cNvGrpSpPr/>
-        <p:nvPr/>
-      </p:nvGrpSpPr>
-      <p:grpSpPr>
-        <a:xfrm>
-          <a:off x="0" y="0"/>
-          <a:ext cx="0" cy="0"/>
-          <a:chOff x="0" y="0"/>
-          <a:chExt cx="0" cy="0"/>
-        </a:xfrm>
-      </p:grpSpPr>
-      <p:sp>
-        <p:nvSpPr>
-          <p:cNvPr id="2" name="Footer Placeholder 1"/>
-          <p:cNvSpPr>
-            <a:spLocks noGrp="1"/>
-          </p:cNvSpPr>
-          <p:nvPr>
-            <p:ph type="ftr" sz="quarter" idx="11"/>
-          </p:nvPr>
-        </p:nvSpPr>
-        <p:spPr/>
-        <p:txBody>
-          <a:bodyPr/>
-          <a:lstStyle/>
-          <a:p>
-            <a:r>
-              <a:rPr lang="en-US"/>
-              <a:t>© 2016 Pearson Education, Inc., Hoboken, NJ.  All rights reserved.</a:t>
-            </a:r>
-          </a:p>
-        </p:txBody>
-      </p:sp>
-      <p:sp>
-        <p:nvSpPr>
-          <p:cNvPr id="3" name="Slide Number Placeholder 2"/>
-          <p:cNvSpPr>
-            <a:spLocks noGrp="1"/>
-          </p:cNvSpPr>
-          <p:nvPr>
-            <p:ph type="sldNum" sz="quarter" idx="12"/>
-          </p:nvPr>
-        </p:nvSpPr>
-        <p:spPr/>
-        <p:txBody>
-          <a:bodyPr/>
-          <a:lstStyle/>
-          <a:p>
-            <a:fld id="{85A8DA42-601D-40A8-83CA-2F2CBDE5F9F0}" type="slidenum">
-              <a:rPr lang="en-US" smtClean="0"/>
-              <a:t>31</a:t>
-            </a:fld>
-            <a:endParaRPr lang="en-US"/>
-          </a:p>
-        </p:txBody>
-      </p:sp>
-      <p:pic>
-        <p:nvPicPr>
-          <p:cNvPr id="10242" name="Picture 2"/>
-          <p:cNvPicPr>
-            <a:picLocks noChangeAspect="1" noChangeArrowheads="1"/>
-          </p:cNvPicPr>
-          <p:nvPr/>
-        </p:nvPicPr>
-        <p:blipFill>
-          <a:blip r:embed="rId2">
-            <a:extLst>
-              <a:ext uri="{28A0092B-C50C-407E-A947-70E740481C1C}">
-                <a14:useLocalDpi xmlns:a14="http://schemas.microsoft.com/office/drawing/2010/main" val="0"/>
-              </a:ext>
-            </a:extLst>
-          </a:blip>
-          <a:srcRect/>
-          <a:stretch>
-            <a:fillRect/>
-          </a:stretch>
-        </p:blipFill>
-        <p:spPr bwMode="auto">
-          <a:xfrm>
-            <a:off x="-3517871" y="685800"/>
-            <a:ext cx="12690774" cy="4834868"/>
-          </a:xfrm>
-          <a:prstGeom prst="rect">
-            <a:avLst/>
-          </a:prstGeom>
-          <a:noFill/>
-          <a:ln>
-            <a:noFill/>
-          </a:ln>
-          <a:extLst>
-            <a:ext uri="{909E8E84-426E-40DD-AFC4-6F175D3DCCD1}">
-              <a14:hiddenFill xmlns:a14="http://schemas.microsoft.com/office/drawing/2010/main">
-                <a:solidFill>
-                  <a:schemeClr val="accent1"/>
-                </a:solidFill>
-              </a14:hiddenFill>
-            </a:ext>
-            <a:ext uri="{91240B29-F687-4F45-9708-019B960494DF}">
-              <a14:hiddenLine xmlns:a14="http://schemas.microsoft.com/office/drawing/2010/main" w="9525">
-                <a:solidFill>
-                  <a:schemeClr val="tx1"/>
-                </a:solidFill>
-                <a:miter lim="800000"/>
-                <a:headEnd/>
-                <a:tailEnd/>
-              </a14:hiddenLine>
-            </a:ext>
-          </a:extLst>
-        </p:spPr>
-      </p:pic>
-    </p:spTree>
-    <p:extLst>
-      <p:ext uri="{BB962C8B-B14F-4D97-AF65-F5344CB8AC3E}">
-        <p14:creationId xmlns:p14="http://schemas.microsoft.com/office/powerpoint/2010/main" val="1623665647"/>
-      </p:ext>
-    </p:extLst>
-  </p:cSld>
-  <p:clrMapOvr>
-    <a:masterClrMapping/>
-  </p:clrMapOvr>
-</p:sld>
-</file>
-
-<file path=ppt/slides/slide32.xml><?xml version="1.0" encoding="utf-8"?>
-<p:sld xmlns:a="http://schemas.openxmlformats.org/drawingml/2006/main" xmlns:r="http://schemas.openxmlformats.org/officeDocument/2006/relationships" xmlns:p="http://schemas.openxmlformats.org/presentationml/2006/main">
-  <p:cSld>
-    <p:spTree>
-      <p:nvGrpSpPr>
-        <p:cNvPr id="1" name=""/>
-        <p:cNvGrpSpPr/>
-        <p:nvPr/>
-      </p:nvGrpSpPr>
-      <p:grpSpPr>
-        <a:xfrm>
-          <a:off x="0" y="0"/>
-          <a:ext cx="0" cy="0"/>
-          <a:chOff x="0" y="0"/>
-          <a:chExt cx="0" cy="0"/>
-        </a:xfrm>
-      </p:grpSpPr>
-      <p:sp>
-        <p:nvSpPr>
-          <p:cNvPr id="2" name="Title 1"/>
-          <p:cNvSpPr>
-            <a:spLocks noGrp="1"/>
-          </p:cNvSpPr>
-          <p:nvPr>
-            <p:ph type="title"/>
-          </p:nvPr>
-        </p:nvSpPr>
-        <p:spPr/>
-        <p:txBody>
-          <a:bodyPr/>
-          <a:lstStyle/>
-          <a:p>
-            <a:r>
-              <a:rPr lang="en-US" dirty="0"/>
-              <a:t>Computing Factorial</a:t>
-            </a:r>
-          </a:p>
-        </p:txBody>
-      </p:sp>
-      <p:sp>
-        <p:nvSpPr>
-          <p:cNvPr id="3" name="Content Placeholder 2"/>
-          <p:cNvSpPr>
-            <a:spLocks noGrp="1"/>
-          </p:cNvSpPr>
-          <p:nvPr>
-            <p:ph idx="1"/>
-          </p:nvPr>
-        </p:nvSpPr>
-        <p:spPr/>
-        <p:txBody>
-          <a:bodyPr/>
-          <a:lstStyle/>
-          <a:p>
-            <a:r>
-              <a:rPr lang="en-US" dirty="0"/>
-              <a:t>loop body executes for decreasing value of </a:t>
-            </a:r>
-            <a:r>
-              <a:rPr lang="en-US" dirty="0" err="1">
-                <a:solidFill>
-                  <a:srgbClr val="7030A0"/>
-                </a:solidFill>
-                <a:latin typeface="Cambria" panose="02040503050406030204" pitchFamily="18" charset="0"/>
-              </a:rPr>
-              <a:t>i</a:t>
-            </a:r>
-            <a:r>
-              <a:rPr lang="en-US" dirty="0"/>
-              <a:t> from </a:t>
-            </a:r>
-            <a:r>
-              <a:rPr lang="en-US" dirty="0">
-                <a:solidFill>
-                  <a:srgbClr val="7030A0"/>
-                </a:solidFill>
-                <a:latin typeface="Cambria" panose="02040503050406030204" pitchFamily="18" charset="0"/>
-              </a:rPr>
-              <a:t>n</a:t>
-            </a:r>
-            <a:r>
-              <a:rPr lang="en-US" dirty="0"/>
-              <a:t> through 2</a:t>
-            </a:r>
-          </a:p>
-          <a:p>
-            <a:r>
-              <a:rPr lang="en-US" dirty="0"/>
-              <a:t>each value of </a:t>
-            </a:r>
-            <a:r>
-              <a:rPr lang="en-US" dirty="0" err="1">
-                <a:solidFill>
-                  <a:srgbClr val="7030A0"/>
-                </a:solidFill>
-                <a:latin typeface="Cambria" panose="02040503050406030204" pitchFamily="18" charset="0"/>
-              </a:rPr>
-              <a:t>i</a:t>
-            </a:r>
-            <a:r>
-              <a:rPr lang="en-US" dirty="0"/>
-              <a:t> is incorporated in the accumulating product</a:t>
-            </a:r>
-          </a:p>
-          <a:p>
-            <a:r>
-              <a:rPr lang="en-US" dirty="0"/>
-              <a:t>loop exit occurs when </a:t>
-            </a:r>
-            <a:r>
-              <a:rPr lang="en-US" dirty="0" err="1">
-                <a:solidFill>
-                  <a:srgbClr val="7030A0"/>
-                </a:solidFill>
-                <a:latin typeface="Cambria" panose="02040503050406030204" pitchFamily="18" charset="0"/>
-              </a:rPr>
-              <a:t>i</a:t>
-            </a:r>
-            <a:r>
-              <a:rPr lang="en-US" dirty="0"/>
-              <a:t> is 1</a:t>
-            </a:r>
-          </a:p>
-        </p:txBody>
-      </p:sp>
-      <p:sp>
-        <p:nvSpPr>
-          <p:cNvPr id="4" name="Footer Placeholder 3"/>
-          <p:cNvSpPr>
-            <a:spLocks noGrp="1"/>
-          </p:cNvSpPr>
-          <p:nvPr>
-            <p:ph type="ftr" sz="quarter" idx="11"/>
-          </p:nvPr>
-        </p:nvSpPr>
-        <p:spPr/>
-        <p:txBody>
-          <a:bodyPr/>
-          <a:lstStyle/>
-          <a:p>
-            <a:r>
-              <a:rPr lang="en-US"/>
-              <a:t>© 2016 Pearson Education, Inc., Hoboken, NJ.  All rights reserved.</a:t>
-            </a:r>
-          </a:p>
-        </p:txBody>
-      </p:sp>
-      <p:sp>
-        <p:nvSpPr>
-          <p:cNvPr id="5" name="Slide Number Placeholder 4"/>
-          <p:cNvSpPr>
-            <a:spLocks noGrp="1"/>
-          </p:cNvSpPr>
-          <p:nvPr>
-            <p:ph type="sldNum" sz="quarter" idx="12"/>
-          </p:nvPr>
-        </p:nvSpPr>
-        <p:spPr/>
-        <p:txBody>
-          <a:bodyPr/>
-          <a:lstStyle/>
-          <a:p>
-            <a:fld id="{85A8DA42-601D-40A8-83CA-2F2CBDE5F9F0}" type="slidenum">
-              <a:rPr lang="en-US" smtClean="0"/>
-              <a:t>32</a:t>
-            </a:fld>
-            <a:endParaRPr lang="en-US"/>
-          </a:p>
-        </p:txBody>
-      </p:sp>
-    </p:spTree>
-    <p:extLst>
-      <p:ext uri="{BB962C8B-B14F-4D97-AF65-F5344CB8AC3E}">
-        <p14:creationId xmlns:p14="http://schemas.microsoft.com/office/powerpoint/2010/main" val="952505812"/>
-      </p:ext>
-    </p:extLst>
-  </p:cSld>
-  <p:clrMapOvr>
-    <a:masterClrMapping/>
-  </p:clrMapOvr>
-</p:sld>
-</file>
-
-<file path=ppt/slides/slide33.xml><?xml version="1.0" encoding="utf-8"?>
-<p:sld xmlns:a="http://schemas.openxmlformats.org/drawingml/2006/main" xmlns:r="http://schemas.openxmlformats.org/officeDocument/2006/relationships" xmlns:p="http://schemas.openxmlformats.org/presentationml/2006/main">
-  <p:cSld>
-    <p:spTree>
-      <p:nvGrpSpPr>
-        <p:cNvPr id="1" name=""/>
-        <p:cNvGrpSpPr/>
-        <p:nvPr/>
-      </p:nvGrpSpPr>
-      <p:grpSpPr>
-        <a:xfrm>
-          <a:off x="0" y="0"/>
-          <a:ext cx="0" cy="0"/>
-          <a:chOff x="0" y="0"/>
-          <a:chExt cx="0" cy="0"/>
-        </a:xfrm>
-      </p:grpSpPr>
-      <p:sp>
-        <p:nvSpPr>
-          <p:cNvPr id="2" name="Footer Placeholder 1"/>
-          <p:cNvSpPr>
-            <a:spLocks noGrp="1"/>
-          </p:cNvSpPr>
-          <p:nvPr>
-            <p:ph type="ftr" sz="quarter" idx="11"/>
-          </p:nvPr>
-        </p:nvSpPr>
-        <p:spPr/>
-        <p:txBody>
-          <a:bodyPr/>
-          <a:lstStyle/>
-          <a:p>
-            <a:r>
-              <a:rPr lang="en-US"/>
-              <a:t>© 2016 Pearson Education, Inc., Hoboken, NJ.  All rights reserved.</a:t>
-            </a:r>
-          </a:p>
-        </p:txBody>
-      </p:sp>
-      <p:sp>
-        <p:nvSpPr>
-          <p:cNvPr id="3" name="Slide Number Placeholder 2"/>
-          <p:cNvSpPr>
-            <a:spLocks noGrp="1"/>
-          </p:cNvSpPr>
-          <p:nvPr>
-            <p:ph type="sldNum" sz="quarter" idx="12"/>
-          </p:nvPr>
-        </p:nvSpPr>
-        <p:spPr/>
-        <p:txBody>
-          <a:bodyPr/>
-          <a:lstStyle/>
-          <a:p>
-            <a:fld id="{85A8DA42-601D-40A8-83CA-2F2CBDE5F9F0}" type="slidenum">
-              <a:rPr lang="en-US" smtClean="0"/>
-              <a:t>33</a:t>
+              <a:t>17</a:t>
             </a:fld>
             <a:endParaRPr lang="en-US"/>
           </a:p>
@@ -8214,7 +5054,7 @@
 </p:sld>
 </file>
 
-<file path=ppt/slides/slide34.xml><?xml version="1.0" encoding="utf-8"?>
+<file path=ppt/slides/slide18.xml><?xml version="1.0" encoding="utf-8"?>
 <p:sld xmlns:a="http://schemas.openxmlformats.org/drawingml/2006/main" xmlns:r="http://schemas.openxmlformats.org/officeDocument/2006/relationships" xmlns:p="http://schemas.openxmlformats.org/presentationml/2006/main">
   <p:cSld>
     <p:spTree>
@@ -8247,8 +5087,12 @@
           <a:lstStyle/>
           <a:p>
             <a:r>
+              <a:rPr lang="en-US" dirty="0" err="1"/>
+              <a:t>Endfile</a:t>
+            </a:r>
+            <a:r>
               <a:rPr lang="en-US" dirty="0"/>
-              <a:t>Conditional Loops</a:t>
+              <a:t>-Controlled Loop Design</a:t>
             </a:r>
           </a:p>
         </p:txBody>
@@ -8268,9 +5112,95 @@
           <a:bodyPr/>
           <a:lstStyle/>
           <a:p>
+            <a:pPr marL="514350" indent="-514350">
+              <a:buFont typeface="+mj-lt"/>
+              <a:buAutoNum type="arabicPeriod"/>
+            </a:pPr>
             <a:r>
               <a:rPr lang="en-US" dirty="0"/>
-              <a:t>used when there are programming conditions when you will not be able to determine the exact number of loop repetitions before loop execution begins</a:t>
+              <a:t>Get the first </a:t>
+            </a:r>
+            <a:r>
+              <a:rPr lang="en-US" i="1" dirty="0">
+                <a:solidFill>
+                  <a:srgbClr val="7030A0"/>
+                </a:solidFill>
+              </a:rPr>
+              <a:t>data value </a:t>
+            </a:r>
+            <a:r>
+              <a:rPr lang="en-US" dirty="0"/>
+              <a:t>and save </a:t>
+            </a:r>
+            <a:r>
+              <a:rPr lang="en-US" i="1" dirty="0">
+                <a:solidFill>
+                  <a:srgbClr val="7030A0"/>
+                </a:solidFill>
+              </a:rPr>
+              <a:t>input status</a:t>
+            </a:r>
+          </a:p>
+          <a:p>
+            <a:pPr marL="514350" indent="-514350">
+              <a:buFont typeface="+mj-lt"/>
+              <a:buAutoNum type="arabicPeriod"/>
+            </a:pPr>
+            <a:r>
+              <a:rPr lang="en-US" dirty="0"/>
+              <a:t>while </a:t>
+            </a:r>
+            <a:r>
+              <a:rPr lang="en-US" i="1" dirty="0">
+                <a:solidFill>
+                  <a:srgbClr val="7030A0"/>
+                </a:solidFill>
+              </a:rPr>
+              <a:t>input status </a:t>
+            </a:r>
+            <a:r>
+              <a:rPr lang="en-US" dirty="0"/>
+              <a:t>does not indicate that end of file has been reached</a:t>
+            </a:r>
+          </a:p>
+          <a:p>
+            <a:pPr marL="914400" lvl="1" indent="-514350">
+              <a:buFont typeface="+mj-lt"/>
+              <a:buAutoNum type="arabicPeriod" startAt="3"/>
+            </a:pPr>
+            <a:r>
+              <a:rPr lang="en-US" dirty="0"/>
+              <a:t>Process </a:t>
+            </a:r>
+            <a:r>
+              <a:rPr lang="en-US" i="1" dirty="0"/>
+              <a:t>data value</a:t>
+            </a:r>
+          </a:p>
+          <a:p>
+            <a:pPr marL="914400" lvl="1" indent="-514350">
+              <a:buFont typeface="+mj-lt"/>
+              <a:buAutoNum type="arabicPeriod" startAt="3"/>
+            </a:pPr>
+            <a:r>
+              <a:rPr lang="en-US" dirty="0"/>
+              <a:t>Get next </a:t>
+            </a:r>
+            <a:r>
+              <a:rPr lang="en-US" i="1" dirty="0"/>
+              <a:t>data value </a:t>
+            </a:r>
+            <a:r>
+              <a:rPr lang="en-US" dirty="0"/>
+              <a:t>and save </a:t>
+            </a:r>
+            <a:r>
+              <a:rPr lang="en-US" i="1" dirty="0">
+                <a:solidFill>
+                  <a:srgbClr val="7030A0"/>
+                </a:solidFill>
+              </a:rPr>
+              <a:t>input status</a:t>
             </a:r>
           </a:p>
         </p:txBody>
@@ -8314,7 +5244,7 @@
           <a:p>
             <a:fld id="{85A8DA42-601D-40A8-83CA-2F2CBDE5F9F0}" type="slidenum">
               <a:rPr lang="en-US" smtClean="0"/>
-              <a:t>34</a:t>
+              <a:t>18</a:t>
             </a:fld>
             <a:endParaRPr lang="en-US"/>
           </a:p>
@@ -8323,7 +5253,7 @@
     </p:spTree>
     <p:extLst>
       <p:ext uri="{BB962C8B-B14F-4D97-AF65-F5344CB8AC3E}">
-        <p14:creationId xmlns:p14="http://schemas.microsoft.com/office/powerpoint/2010/main" val="3090135895"/>
+        <p14:creationId xmlns:p14="http://schemas.microsoft.com/office/powerpoint/2010/main" val="2722835172"/>
       </p:ext>
     </p:extLst>
   </p:cSld>
@@ -8333,7 +5263,7 @@
 </p:sld>
 </file>
 
-<file path=ppt/slides/slide35.xml><?xml version="1.0" encoding="utf-8"?>
+<file path=ppt/slides/slide19.xml><?xml version="1.0" encoding="utf-8"?>
 <p:sld xmlns:a="http://schemas.openxmlformats.org/drawingml/2006/main" xmlns:r="http://schemas.openxmlformats.org/officeDocument/2006/relationships" xmlns:p="http://schemas.openxmlformats.org/presentationml/2006/main">
   <p:cSld>
     <p:spTree>
@@ -8389,1782 +5319,7 @@
           <a:p>
             <a:fld id="{85A8DA42-601D-40A8-83CA-2F2CBDE5F9F0}" type="slidenum">
               <a:rPr lang="en-US" smtClean="0"/>
-              <a:t>35</a:t>
-            </a:fld>
-            <a:endParaRPr lang="en-US"/>
-          </a:p>
-        </p:txBody>
-      </p:sp>
-      <p:pic>
-        <p:nvPicPr>
-          <p:cNvPr id="14338" name="Picture 2"/>
-          <p:cNvPicPr>
-            <a:picLocks noChangeAspect="1" noChangeArrowheads="1"/>
-          </p:cNvPicPr>
-          <p:nvPr/>
-        </p:nvPicPr>
-        <p:blipFill>
-          <a:blip r:embed="rId2">
-            <a:extLst>
-              <a:ext uri="{28A0092B-C50C-407E-A947-70E740481C1C}">
-                <a14:useLocalDpi xmlns:a14="http://schemas.microsoft.com/office/drawing/2010/main" val="0"/>
-              </a:ext>
-            </a:extLst>
-          </a:blip>
-          <a:srcRect/>
-          <a:stretch>
-            <a:fillRect/>
-          </a:stretch>
-        </p:blipFill>
-        <p:spPr bwMode="auto">
-          <a:xfrm>
-            <a:off x="1981200" y="211614"/>
-            <a:ext cx="5519737" cy="5929908"/>
-          </a:xfrm>
-          <a:prstGeom prst="rect">
-            <a:avLst/>
-          </a:prstGeom>
-          <a:noFill/>
-          <a:ln>
-            <a:noFill/>
-          </a:ln>
-          <a:extLst>
-            <a:ext uri="{909E8E84-426E-40DD-AFC4-6F175D3DCCD1}">
-              <a14:hiddenFill xmlns:a14="http://schemas.microsoft.com/office/drawing/2010/main">
-                <a:solidFill>
-                  <a:schemeClr val="accent1"/>
-                </a:solidFill>
-              </a14:hiddenFill>
-            </a:ext>
-            <a:ext uri="{91240B29-F687-4F45-9708-019B960494DF}">
-              <a14:hiddenLine xmlns:a14="http://schemas.microsoft.com/office/drawing/2010/main" w="9525">
-                <a:solidFill>
-                  <a:schemeClr val="tx1"/>
-                </a:solidFill>
-                <a:miter lim="800000"/>
-                <a:headEnd/>
-                <a:tailEnd/>
-              </a14:hiddenLine>
-            </a:ext>
-          </a:extLst>
-        </p:spPr>
-      </p:pic>
-    </p:spTree>
-    <p:extLst>
-      <p:ext uri="{BB962C8B-B14F-4D97-AF65-F5344CB8AC3E}">
-        <p14:creationId xmlns:p14="http://schemas.microsoft.com/office/powerpoint/2010/main" val="1080884407"/>
-      </p:ext>
-    </p:extLst>
-  </p:cSld>
-  <p:clrMapOvr>
-    <a:masterClrMapping/>
-  </p:clrMapOvr>
-</p:sld>
-</file>
-
-<file path=ppt/slides/slide36.xml><?xml version="1.0" encoding="utf-8"?>
-<p:sld xmlns:a="http://schemas.openxmlformats.org/drawingml/2006/main" xmlns:r="http://schemas.openxmlformats.org/officeDocument/2006/relationships" xmlns:p="http://schemas.openxmlformats.org/presentationml/2006/main">
-  <p:cSld>
-    <p:spTree>
-      <p:nvGrpSpPr>
-        <p:cNvPr id="1" name=""/>
-        <p:cNvGrpSpPr/>
-        <p:nvPr/>
-      </p:nvGrpSpPr>
-      <p:grpSpPr>
-        <a:xfrm>
-          <a:off x="0" y="0"/>
-          <a:ext cx="0" cy="0"/>
-          <a:chOff x="0" y="0"/>
-          <a:chExt cx="0" cy="0"/>
-        </a:xfrm>
-      </p:grpSpPr>
-      <p:sp>
-        <p:nvSpPr>
-          <p:cNvPr id="2" name="Footer Placeholder 1"/>
-          <p:cNvSpPr>
-            <a:spLocks noGrp="1"/>
-          </p:cNvSpPr>
-          <p:nvPr>
-            <p:ph type="ftr" sz="quarter" idx="11"/>
-          </p:nvPr>
-        </p:nvSpPr>
-        <p:spPr/>
-        <p:txBody>
-          <a:bodyPr/>
-          <a:lstStyle/>
-          <a:p>
-            <a:r>
-              <a:rPr lang="en-US"/>
-              <a:t>© 2016 Pearson Education, Inc., Hoboken, NJ.  All rights reserved.</a:t>
-            </a:r>
-          </a:p>
-        </p:txBody>
-      </p:sp>
-      <p:sp>
-        <p:nvSpPr>
-          <p:cNvPr id="3" name="Slide Number Placeholder 2"/>
-          <p:cNvSpPr>
-            <a:spLocks noGrp="1"/>
-          </p:cNvSpPr>
-          <p:nvPr>
-            <p:ph type="sldNum" sz="quarter" idx="12"/>
-          </p:nvPr>
-        </p:nvSpPr>
-        <p:spPr/>
-        <p:txBody>
-          <a:bodyPr/>
-          <a:lstStyle/>
-          <a:p>
-            <a:fld id="{85A8DA42-601D-40A8-83CA-2F2CBDE5F9F0}" type="slidenum">
-              <a:rPr lang="en-US" smtClean="0"/>
-              <a:t>36</a:t>
-            </a:fld>
-            <a:endParaRPr lang="en-US"/>
-          </a:p>
-        </p:txBody>
-      </p:sp>
-      <p:pic>
-        <p:nvPicPr>
-          <p:cNvPr id="15362" name="Picture 2"/>
-          <p:cNvPicPr>
-            <a:picLocks noChangeAspect="1" noChangeArrowheads="1"/>
-          </p:cNvPicPr>
-          <p:nvPr/>
-        </p:nvPicPr>
-        <p:blipFill>
-          <a:blip r:embed="rId2">
-            <a:extLst>
-              <a:ext uri="{28A0092B-C50C-407E-A947-70E740481C1C}">
-                <a14:useLocalDpi xmlns:a14="http://schemas.microsoft.com/office/drawing/2010/main" val="0"/>
-              </a:ext>
-            </a:extLst>
-          </a:blip>
-          <a:srcRect/>
-          <a:stretch>
-            <a:fillRect/>
-          </a:stretch>
-        </p:blipFill>
-        <p:spPr bwMode="auto">
-          <a:xfrm>
-            <a:off x="1905000" y="121741"/>
-            <a:ext cx="5638800" cy="6084603"/>
-          </a:xfrm>
-          <a:prstGeom prst="rect">
-            <a:avLst/>
-          </a:prstGeom>
-          <a:noFill/>
-          <a:ln>
-            <a:noFill/>
-          </a:ln>
-          <a:extLst>
-            <a:ext uri="{909E8E84-426E-40DD-AFC4-6F175D3DCCD1}">
-              <a14:hiddenFill xmlns:a14="http://schemas.microsoft.com/office/drawing/2010/main">
-                <a:solidFill>
-                  <a:schemeClr val="accent1"/>
-                </a:solidFill>
-              </a14:hiddenFill>
-            </a:ext>
-            <a:ext uri="{91240B29-F687-4F45-9708-019B960494DF}">
-              <a14:hiddenLine xmlns:a14="http://schemas.microsoft.com/office/drawing/2010/main" w="9525">
-                <a:solidFill>
-                  <a:schemeClr val="tx1"/>
-                </a:solidFill>
-                <a:miter lim="800000"/>
-                <a:headEnd/>
-                <a:tailEnd/>
-              </a14:hiddenLine>
-            </a:ext>
-          </a:extLst>
-        </p:spPr>
-      </p:pic>
-    </p:spTree>
-    <p:extLst>
-      <p:ext uri="{BB962C8B-B14F-4D97-AF65-F5344CB8AC3E}">
-        <p14:creationId xmlns:p14="http://schemas.microsoft.com/office/powerpoint/2010/main" val="2343965835"/>
-      </p:ext>
-    </p:extLst>
-  </p:cSld>
-  <p:clrMapOvr>
-    <a:masterClrMapping/>
-  </p:clrMapOvr>
-</p:sld>
-</file>
-
-<file path=ppt/slides/slide37.xml><?xml version="1.0" encoding="utf-8"?>
-<p:sld xmlns:a="http://schemas.openxmlformats.org/drawingml/2006/main" xmlns:r="http://schemas.openxmlformats.org/officeDocument/2006/relationships" xmlns:p="http://schemas.openxmlformats.org/presentationml/2006/main">
-  <p:cSld>
-    <p:spTree>
-      <p:nvGrpSpPr>
-        <p:cNvPr id="1" name=""/>
-        <p:cNvGrpSpPr/>
-        <p:nvPr/>
-      </p:nvGrpSpPr>
-      <p:grpSpPr>
-        <a:xfrm>
-          <a:off x="0" y="0"/>
-          <a:ext cx="0" cy="0"/>
-          <a:chOff x="0" y="0"/>
-          <a:chExt cx="0" cy="0"/>
-        </a:xfrm>
-      </p:grpSpPr>
-      <p:sp>
-        <p:nvSpPr>
-          <p:cNvPr id="2" name="Footer Placeholder 1"/>
-          <p:cNvSpPr>
-            <a:spLocks noGrp="1"/>
-          </p:cNvSpPr>
-          <p:nvPr>
-            <p:ph type="ftr" sz="quarter" idx="11"/>
-          </p:nvPr>
-        </p:nvSpPr>
-        <p:spPr/>
-        <p:txBody>
-          <a:bodyPr/>
-          <a:lstStyle/>
-          <a:p>
-            <a:r>
-              <a:rPr lang="en-US"/>
-              <a:t>© 2016 Pearson Education, Inc., Hoboken, NJ.  All rights reserved.</a:t>
-            </a:r>
-          </a:p>
-        </p:txBody>
-      </p:sp>
-      <p:sp>
-        <p:nvSpPr>
-          <p:cNvPr id="3" name="Slide Number Placeholder 2"/>
-          <p:cNvSpPr>
-            <a:spLocks noGrp="1"/>
-          </p:cNvSpPr>
-          <p:nvPr>
-            <p:ph type="sldNum" sz="quarter" idx="12"/>
-          </p:nvPr>
-        </p:nvSpPr>
-        <p:spPr/>
-        <p:txBody>
-          <a:bodyPr/>
-          <a:lstStyle/>
-          <a:p>
-            <a:fld id="{85A8DA42-601D-40A8-83CA-2F2CBDE5F9F0}" type="slidenum">
-              <a:rPr lang="en-US" smtClean="0"/>
-              <a:t>37</a:t>
-            </a:fld>
-            <a:endParaRPr lang="en-US"/>
-          </a:p>
-        </p:txBody>
-      </p:sp>
-      <p:pic>
-        <p:nvPicPr>
-          <p:cNvPr id="16386" name="Picture 2"/>
-          <p:cNvPicPr>
-            <a:picLocks noChangeAspect="1" noChangeArrowheads="1"/>
-          </p:cNvPicPr>
-          <p:nvPr/>
-        </p:nvPicPr>
-        <p:blipFill>
-          <a:blip r:embed="rId2">
-            <a:extLst>
-              <a:ext uri="{28A0092B-C50C-407E-A947-70E740481C1C}">
-                <a14:useLocalDpi xmlns:a14="http://schemas.microsoft.com/office/drawing/2010/main" val="0"/>
-              </a:ext>
-            </a:extLst>
-          </a:blip>
-          <a:srcRect/>
-          <a:stretch>
-            <a:fillRect/>
-          </a:stretch>
-        </p:blipFill>
-        <p:spPr bwMode="auto">
-          <a:xfrm>
-            <a:off x="1524000" y="1143000"/>
-            <a:ext cx="5815013" cy="4045226"/>
-          </a:xfrm>
-          <a:prstGeom prst="rect">
-            <a:avLst/>
-          </a:prstGeom>
-          <a:noFill/>
-          <a:ln>
-            <a:noFill/>
-          </a:ln>
-          <a:extLst>
-            <a:ext uri="{909E8E84-426E-40DD-AFC4-6F175D3DCCD1}">
-              <a14:hiddenFill xmlns:a14="http://schemas.microsoft.com/office/drawing/2010/main">
-                <a:solidFill>
-                  <a:schemeClr val="accent1"/>
-                </a:solidFill>
-              </a14:hiddenFill>
-            </a:ext>
-            <a:ext uri="{91240B29-F687-4F45-9708-019B960494DF}">
-              <a14:hiddenLine xmlns:a14="http://schemas.microsoft.com/office/drawing/2010/main" w="9525">
-                <a:solidFill>
-                  <a:schemeClr val="tx1"/>
-                </a:solidFill>
-                <a:miter lim="800000"/>
-                <a:headEnd/>
-                <a:tailEnd/>
-              </a14:hiddenLine>
-            </a:ext>
-          </a:extLst>
-        </p:spPr>
-      </p:pic>
-    </p:spTree>
-    <p:extLst>
-      <p:ext uri="{BB962C8B-B14F-4D97-AF65-F5344CB8AC3E}">
-        <p14:creationId xmlns:p14="http://schemas.microsoft.com/office/powerpoint/2010/main" val="2659284215"/>
-      </p:ext>
-    </p:extLst>
-  </p:cSld>
-  <p:clrMapOvr>
-    <a:masterClrMapping/>
-  </p:clrMapOvr>
-</p:sld>
-</file>
-
-<file path=ppt/slides/slide38.xml><?xml version="1.0" encoding="utf-8"?>
-<p:sld xmlns:a="http://schemas.openxmlformats.org/drawingml/2006/main" xmlns:r="http://schemas.openxmlformats.org/officeDocument/2006/relationships" xmlns:p="http://schemas.openxmlformats.org/presentationml/2006/main">
-  <p:cSld>
-    <p:spTree>
-      <p:nvGrpSpPr>
-        <p:cNvPr id="1" name=""/>
-        <p:cNvGrpSpPr/>
-        <p:nvPr/>
-      </p:nvGrpSpPr>
-      <p:grpSpPr>
-        <a:xfrm>
-          <a:off x="0" y="0"/>
-          <a:ext cx="0" cy="0"/>
-          <a:chOff x="0" y="0"/>
-          <a:chExt cx="0" cy="0"/>
-        </a:xfrm>
-      </p:grpSpPr>
-      <p:sp>
-        <p:nvSpPr>
-          <p:cNvPr id="2" name="Title 1"/>
-          <p:cNvSpPr>
-            <a:spLocks noGrp="1"/>
-          </p:cNvSpPr>
-          <p:nvPr>
-            <p:ph type="title"/>
-          </p:nvPr>
-        </p:nvSpPr>
-        <p:spPr/>
-        <p:txBody>
-          <a:bodyPr/>
-          <a:lstStyle/>
-          <a:p>
-            <a:r>
-              <a:rPr lang="en-US" dirty="0"/>
-              <a:t>Loop Design</a:t>
-            </a:r>
-          </a:p>
-        </p:txBody>
-      </p:sp>
-      <p:sp>
-        <p:nvSpPr>
-          <p:cNvPr id="3" name="Content Placeholder 2"/>
-          <p:cNvSpPr>
-            <a:spLocks noGrp="1"/>
-          </p:cNvSpPr>
-          <p:nvPr>
-            <p:ph idx="1"/>
-          </p:nvPr>
-        </p:nvSpPr>
-        <p:spPr/>
-        <p:txBody>
-          <a:bodyPr/>
-          <a:lstStyle/>
-          <a:p>
-            <a:r>
-              <a:rPr lang="en-US" dirty="0"/>
-              <a:t>Sentinel-Controlled Loops</a:t>
-            </a:r>
-          </a:p>
-          <a:p>
-            <a:pPr lvl="1"/>
-            <a:r>
-              <a:rPr lang="en-US" dirty="0"/>
-              <a:t>sentinel value: an end marker that follows the last item in a list of data</a:t>
-            </a:r>
-          </a:p>
-          <a:p>
-            <a:r>
-              <a:rPr lang="en-US" dirty="0" err="1"/>
-              <a:t>Endfile</a:t>
-            </a:r>
-            <a:r>
-              <a:rPr lang="en-US" dirty="0"/>
-              <a:t>-Controlled Loops</a:t>
-            </a:r>
-          </a:p>
-          <a:p>
-            <a:r>
-              <a:rPr lang="en-US" dirty="0"/>
-              <a:t>Infinite Loops on Faulty Data</a:t>
-            </a:r>
-          </a:p>
-        </p:txBody>
-      </p:sp>
-      <p:sp>
-        <p:nvSpPr>
-          <p:cNvPr id="4" name="Footer Placeholder 3"/>
-          <p:cNvSpPr>
-            <a:spLocks noGrp="1"/>
-          </p:cNvSpPr>
-          <p:nvPr>
-            <p:ph type="ftr" sz="quarter" idx="11"/>
-          </p:nvPr>
-        </p:nvSpPr>
-        <p:spPr/>
-        <p:txBody>
-          <a:bodyPr/>
-          <a:lstStyle/>
-          <a:p>
-            <a:r>
-              <a:rPr lang="en-US"/>
-              <a:t>© 2016 Pearson Education, Inc., Hoboken, NJ.  All rights reserved.</a:t>
-            </a:r>
-          </a:p>
-        </p:txBody>
-      </p:sp>
-      <p:sp>
-        <p:nvSpPr>
-          <p:cNvPr id="5" name="Slide Number Placeholder 4"/>
-          <p:cNvSpPr>
-            <a:spLocks noGrp="1"/>
-          </p:cNvSpPr>
-          <p:nvPr>
-            <p:ph type="sldNum" sz="quarter" idx="12"/>
-          </p:nvPr>
-        </p:nvSpPr>
-        <p:spPr/>
-        <p:txBody>
-          <a:bodyPr/>
-          <a:lstStyle/>
-          <a:p>
-            <a:fld id="{85A8DA42-601D-40A8-83CA-2F2CBDE5F9F0}" type="slidenum">
-              <a:rPr lang="en-US" smtClean="0"/>
-              <a:t>38</a:t>
-            </a:fld>
-            <a:endParaRPr lang="en-US"/>
-          </a:p>
-        </p:txBody>
-      </p:sp>
-    </p:spTree>
-    <p:extLst>
-      <p:ext uri="{BB962C8B-B14F-4D97-AF65-F5344CB8AC3E}">
-        <p14:creationId xmlns:p14="http://schemas.microsoft.com/office/powerpoint/2010/main" val="385789620"/>
-      </p:ext>
-    </p:extLst>
-  </p:cSld>
-  <p:clrMapOvr>
-    <a:masterClrMapping/>
-  </p:clrMapOvr>
-</p:sld>
-</file>
-
-<file path=ppt/slides/slide39.xml><?xml version="1.0" encoding="utf-8"?>
-<p:sld xmlns:a="http://schemas.openxmlformats.org/drawingml/2006/main" xmlns:r="http://schemas.openxmlformats.org/officeDocument/2006/relationships" xmlns:p="http://schemas.openxmlformats.org/presentationml/2006/main">
-  <p:cSld>
-    <p:spTree>
-      <p:nvGrpSpPr>
-        <p:cNvPr id="1" name=""/>
-        <p:cNvGrpSpPr/>
-        <p:nvPr/>
-      </p:nvGrpSpPr>
-      <p:grpSpPr>
-        <a:xfrm>
-          <a:off x="0" y="0"/>
-          <a:ext cx="0" cy="0"/>
-          <a:chOff x="0" y="0"/>
-          <a:chExt cx="0" cy="0"/>
-        </a:xfrm>
-      </p:grpSpPr>
-      <p:sp>
-        <p:nvSpPr>
-          <p:cNvPr id="2" name="Footer Placeholder 1"/>
-          <p:cNvSpPr>
-            <a:spLocks noGrp="1"/>
-          </p:cNvSpPr>
-          <p:nvPr>
-            <p:ph type="ftr" sz="quarter" idx="11"/>
-          </p:nvPr>
-        </p:nvSpPr>
-        <p:spPr/>
-        <p:txBody>
-          <a:bodyPr/>
-          <a:lstStyle/>
-          <a:p>
-            <a:r>
-              <a:rPr lang="en-US"/>
-              <a:t>© 2016 Pearson Education, Inc., Hoboken, NJ.  All rights reserved.</a:t>
-            </a:r>
-          </a:p>
-        </p:txBody>
-      </p:sp>
-      <p:sp>
-        <p:nvSpPr>
-          <p:cNvPr id="3" name="Slide Number Placeholder 2"/>
-          <p:cNvSpPr>
-            <a:spLocks noGrp="1"/>
-          </p:cNvSpPr>
-          <p:nvPr>
-            <p:ph type="sldNum" sz="quarter" idx="12"/>
-          </p:nvPr>
-        </p:nvSpPr>
-        <p:spPr/>
-        <p:txBody>
-          <a:bodyPr/>
-          <a:lstStyle/>
-          <a:p>
-            <a:fld id="{85A8DA42-601D-40A8-83CA-2F2CBDE5F9F0}" type="slidenum">
-              <a:rPr lang="en-US" smtClean="0"/>
-              <a:t>39</a:t>
-            </a:fld>
-            <a:endParaRPr lang="en-US"/>
-          </a:p>
-        </p:txBody>
-      </p:sp>
-      <p:pic>
-        <p:nvPicPr>
-          <p:cNvPr id="17410" name="Picture 2"/>
-          <p:cNvPicPr>
-            <a:picLocks noChangeAspect="1" noChangeArrowheads="1"/>
-          </p:cNvPicPr>
-          <p:nvPr/>
-        </p:nvPicPr>
-        <p:blipFill>
-          <a:blip r:embed="rId2">
-            <a:extLst>
-              <a:ext uri="{28A0092B-C50C-407E-A947-70E740481C1C}">
-                <a14:useLocalDpi xmlns:a14="http://schemas.microsoft.com/office/drawing/2010/main" val="0"/>
-              </a:ext>
-            </a:extLst>
-          </a:blip>
-          <a:srcRect/>
-          <a:stretch>
-            <a:fillRect/>
-          </a:stretch>
-        </p:blipFill>
-        <p:spPr bwMode="auto">
-          <a:xfrm>
-            <a:off x="1066800" y="381000"/>
-            <a:ext cx="7086600" cy="5434223"/>
-          </a:xfrm>
-          <a:prstGeom prst="rect">
-            <a:avLst/>
-          </a:prstGeom>
-          <a:noFill/>
-          <a:ln>
-            <a:noFill/>
-          </a:ln>
-          <a:extLst>
-            <a:ext uri="{909E8E84-426E-40DD-AFC4-6F175D3DCCD1}">
-              <a14:hiddenFill xmlns:a14="http://schemas.microsoft.com/office/drawing/2010/main">
-                <a:solidFill>
-                  <a:schemeClr val="accent1"/>
-                </a:solidFill>
-              </a14:hiddenFill>
-            </a:ext>
-            <a:ext uri="{91240B29-F687-4F45-9708-019B960494DF}">
-              <a14:hiddenLine xmlns:a14="http://schemas.microsoft.com/office/drawing/2010/main" w="9525">
-                <a:solidFill>
-                  <a:schemeClr val="tx1"/>
-                </a:solidFill>
-                <a:miter lim="800000"/>
-                <a:headEnd/>
-                <a:tailEnd/>
-              </a14:hiddenLine>
-            </a:ext>
-          </a:extLst>
-        </p:spPr>
-      </p:pic>
-    </p:spTree>
-    <p:extLst>
-      <p:ext uri="{BB962C8B-B14F-4D97-AF65-F5344CB8AC3E}">
-        <p14:creationId xmlns:p14="http://schemas.microsoft.com/office/powerpoint/2010/main" val="3713111594"/>
-      </p:ext>
-    </p:extLst>
-  </p:cSld>
-  <p:clrMapOvr>
-    <a:masterClrMapping/>
-  </p:clrMapOvr>
-</p:sld>
-</file>
-
-<file path=ppt/slides/slide4.xml><?xml version="1.0" encoding="utf-8"?>
-<p:sld xmlns:a="http://schemas.openxmlformats.org/drawingml/2006/main" xmlns:r="http://schemas.openxmlformats.org/officeDocument/2006/relationships" xmlns:p="http://schemas.openxmlformats.org/presentationml/2006/main">
-  <p:cSld>
-    <p:spTree>
-      <p:nvGrpSpPr>
-        <p:cNvPr id="1" name=""/>
-        <p:cNvGrpSpPr/>
-        <p:nvPr/>
-      </p:nvGrpSpPr>
-      <p:grpSpPr>
-        <a:xfrm>
-          <a:off x="0" y="0"/>
-          <a:ext cx="0" cy="0"/>
-          <a:chOff x="0" y="0"/>
-          <a:chExt cx="0" cy="0"/>
-        </a:xfrm>
-      </p:grpSpPr>
-      <p:sp>
-        <p:nvSpPr>
-          <p:cNvPr id="2" name="Title 1"/>
-          <p:cNvSpPr>
-            <a:spLocks noGrp="1"/>
-          </p:cNvSpPr>
-          <p:nvPr>
-            <p:ph type="title"/>
-          </p:nvPr>
-        </p:nvSpPr>
-        <p:spPr/>
-        <p:txBody>
-          <a:bodyPr/>
-          <a:lstStyle/>
-          <a:p>
-            <a:r>
-              <a:rPr lang="en-US" dirty="0">
-                <a:solidFill>
-                  <a:srgbClr val="7030A0"/>
-                </a:solidFill>
-                <a:latin typeface="Cambria" panose="02040503050406030204" pitchFamily="18" charset="0"/>
-              </a:rPr>
-              <a:t>while</a:t>
-            </a:r>
-            <a:r>
-              <a:rPr lang="en-US" dirty="0"/>
-              <a:t> Statement Syntax</a:t>
-            </a:r>
-          </a:p>
-        </p:txBody>
-      </p:sp>
-      <p:sp>
-        <p:nvSpPr>
-          <p:cNvPr id="3" name="Content Placeholder 2"/>
-          <p:cNvSpPr>
-            <a:spLocks noGrp="1"/>
-          </p:cNvSpPr>
-          <p:nvPr>
-            <p:ph idx="1"/>
-          </p:nvPr>
-        </p:nvSpPr>
-        <p:spPr>
-          <a:xfrm>
-            <a:off x="1600200" y="1600200"/>
-            <a:ext cx="6019800" cy="4525963"/>
-          </a:xfrm>
-        </p:spPr>
-        <p:txBody>
-          <a:bodyPr>
-            <a:normAutofit fontScale="92500" lnSpcReduction="20000"/>
-          </a:bodyPr>
-          <a:lstStyle/>
-          <a:p>
-            <a:pPr marL="0" indent="0">
-              <a:buNone/>
-            </a:pPr>
-            <a:r>
-              <a:rPr lang="en-US" dirty="0"/>
-              <a:t>while (loop repetition condition)</a:t>
-            </a:r>
-          </a:p>
-          <a:p>
-            <a:pPr marL="0" indent="0">
-              <a:buNone/>
-            </a:pPr>
-            <a:r>
-              <a:rPr lang="en-US" dirty="0"/>
-              <a:t>	statement;</a:t>
-            </a:r>
-          </a:p>
-          <a:p>
-            <a:pPr marL="0" indent="0">
-              <a:buNone/>
-            </a:pPr>
-            <a:endParaRPr lang="en-US" dirty="0"/>
-          </a:p>
-          <a:p>
-            <a:pPr marL="0" indent="0">
-              <a:buNone/>
-            </a:pPr>
-            <a:r>
-              <a:rPr lang="en-US" dirty="0">
-                <a:solidFill>
-                  <a:srgbClr val="7030A0"/>
-                </a:solidFill>
-              </a:rPr>
-              <a:t>/* display N asterisks. */</a:t>
-            </a:r>
-          </a:p>
-          <a:p>
-            <a:pPr marL="0" indent="0">
-              <a:buNone/>
-            </a:pPr>
-            <a:r>
-              <a:rPr lang="en-US" dirty="0" err="1">
-                <a:solidFill>
-                  <a:srgbClr val="7030A0"/>
-                </a:solidFill>
-              </a:rPr>
-              <a:t>count_star</a:t>
-            </a:r>
-            <a:r>
-              <a:rPr lang="en-US" dirty="0">
-                <a:solidFill>
-                  <a:srgbClr val="7030A0"/>
-                </a:solidFill>
-              </a:rPr>
-              <a:t> = 0;</a:t>
-            </a:r>
-          </a:p>
-          <a:p>
-            <a:pPr marL="0" indent="0">
-              <a:buNone/>
-            </a:pPr>
-            <a:r>
-              <a:rPr lang="en-US" dirty="0">
-                <a:solidFill>
-                  <a:srgbClr val="7030A0"/>
-                </a:solidFill>
-              </a:rPr>
-              <a:t>while (</a:t>
-            </a:r>
-            <a:r>
-              <a:rPr lang="en-US" dirty="0" err="1">
-                <a:solidFill>
-                  <a:srgbClr val="7030A0"/>
-                </a:solidFill>
-              </a:rPr>
-              <a:t>count_star</a:t>
-            </a:r>
-            <a:r>
-              <a:rPr lang="en-US" dirty="0">
-                <a:solidFill>
-                  <a:srgbClr val="7030A0"/>
-                </a:solidFill>
-              </a:rPr>
-              <a:t>  &lt;  N) {</a:t>
-            </a:r>
-          </a:p>
-          <a:p>
-            <a:pPr marL="0" indent="0">
-              <a:buNone/>
-            </a:pPr>
-            <a:r>
-              <a:rPr lang="en-US" dirty="0">
-                <a:solidFill>
-                  <a:srgbClr val="7030A0"/>
-                </a:solidFill>
-              </a:rPr>
-              <a:t>	</a:t>
-            </a:r>
-            <a:r>
-              <a:rPr lang="en-US" dirty="0" err="1">
-                <a:solidFill>
-                  <a:srgbClr val="7030A0"/>
-                </a:solidFill>
-              </a:rPr>
-              <a:t>printf</a:t>
-            </a:r>
-            <a:r>
-              <a:rPr lang="en-US" dirty="0">
-                <a:solidFill>
-                  <a:srgbClr val="7030A0"/>
-                </a:solidFill>
-              </a:rPr>
-              <a:t>(“*”);</a:t>
-            </a:r>
-          </a:p>
-          <a:p>
-            <a:pPr marL="0" indent="0">
-              <a:buNone/>
-            </a:pPr>
-            <a:r>
-              <a:rPr lang="en-US" dirty="0">
-                <a:solidFill>
-                  <a:srgbClr val="7030A0"/>
-                </a:solidFill>
-              </a:rPr>
-              <a:t>	</a:t>
-            </a:r>
-            <a:r>
-              <a:rPr lang="en-US" dirty="0" err="1">
-                <a:solidFill>
-                  <a:srgbClr val="7030A0"/>
-                </a:solidFill>
-              </a:rPr>
-              <a:t>count_star</a:t>
-            </a:r>
-            <a:r>
-              <a:rPr lang="en-US" dirty="0">
-                <a:solidFill>
-                  <a:srgbClr val="7030A0"/>
-                </a:solidFill>
-              </a:rPr>
-              <a:t> = </a:t>
-            </a:r>
-            <a:r>
-              <a:rPr lang="en-US" dirty="0" err="1">
-                <a:solidFill>
-                  <a:srgbClr val="7030A0"/>
-                </a:solidFill>
-              </a:rPr>
-              <a:t>count_star</a:t>
-            </a:r>
-            <a:r>
-              <a:rPr lang="en-US" dirty="0">
-                <a:solidFill>
-                  <a:srgbClr val="7030A0"/>
-                </a:solidFill>
-              </a:rPr>
-              <a:t> + 1;</a:t>
-            </a:r>
-          </a:p>
-          <a:p>
-            <a:pPr marL="0" indent="0">
-              <a:buNone/>
-            </a:pPr>
-            <a:r>
-              <a:rPr lang="en-US" dirty="0">
-                <a:solidFill>
-                  <a:srgbClr val="7030A0"/>
-                </a:solidFill>
-              </a:rPr>
-              <a:t>}</a:t>
-            </a:r>
-          </a:p>
-        </p:txBody>
-      </p:sp>
-      <p:sp>
-        <p:nvSpPr>
-          <p:cNvPr id="4" name="Footer Placeholder 3"/>
-          <p:cNvSpPr>
-            <a:spLocks noGrp="1"/>
-          </p:cNvSpPr>
-          <p:nvPr>
-            <p:ph type="ftr" sz="quarter" idx="11"/>
-          </p:nvPr>
-        </p:nvSpPr>
-        <p:spPr/>
-        <p:txBody>
-          <a:bodyPr/>
-          <a:lstStyle/>
-          <a:p>
-            <a:r>
-              <a:rPr lang="en-US"/>
-              <a:t>© 2016 Pearson Education, Inc., Hoboken, NJ.  All rights reserved.</a:t>
-            </a:r>
-          </a:p>
-        </p:txBody>
-      </p:sp>
-      <p:sp>
-        <p:nvSpPr>
-          <p:cNvPr id="5" name="Slide Number Placeholder 4"/>
-          <p:cNvSpPr>
-            <a:spLocks noGrp="1"/>
-          </p:cNvSpPr>
-          <p:nvPr>
-            <p:ph type="sldNum" sz="quarter" idx="12"/>
-          </p:nvPr>
-        </p:nvSpPr>
-        <p:spPr/>
-        <p:txBody>
-          <a:bodyPr/>
-          <a:lstStyle/>
-          <a:p>
-            <a:fld id="{85A8DA42-601D-40A8-83CA-2F2CBDE5F9F0}" type="slidenum">
-              <a:rPr lang="en-US" smtClean="0"/>
-              <a:t>4</a:t>
-            </a:fld>
-            <a:endParaRPr lang="en-US"/>
-          </a:p>
-        </p:txBody>
-      </p:sp>
-    </p:spTree>
-    <p:extLst>
-      <p:ext uri="{BB962C8B-B14F-4D97-AF65-F5344CB8AC3E}">
-        <p14:creationId xmlns:p14="http://schemas.microsoft.com/office/powerpoint/2010/main" val="92963071"/>
-      </p:ext>
-    </p:extLst>
-  </p:cSld>
-  <p:clrMapOvr>
-    <a:masterClrMapping/>
-  </p:clrMapOvr>
-</p:sld>
-</file>
-
-<file path=ppt/slides/slide40.xml><?xml version="1.0" encoding="utf-8"?>
-<p:sld xmlns:a="http://schemas.openxmlformats.org/drawingml/2006/main" xmlns:r="http://schemas.openxmlformats.org/officeDocument/2006/relationships" xmlns:p="http://schemas.openxmlformats.org/presentationml/2006/main">
-  <p:cSld>
-    <p:spTree>
-      <p:nvGrpSpPr>
-        <p:cNvPr id="1" name=""/>
-        <p:cNvGrpSpPr/>
-        <p:nvPr/>
-      </p:nvGrpSpPr>
-      <p:grpSpPr>
-        <a:xfrm>
-          <a:off x="0" y="0"/>
-          <a:ext cx="0" cy="0"/>
-          <a:chOff x="0" y="0"/>
-          <a:chExt cx="0" cy="0"/>
-        </a:xfrm>
-      </p:grpSpPr>
-      <p:sp>
-        <p:nvSpPr>
-          <p:cNvPr id="2" name="Title 1"/>
-          <p:cNvSpPr>
-            <a:spLocks noGrp="1"/>
-          </p:cNvSpPr>
-          <p:nvPr>
-            <p:ph type="title"/>
-          </p:nvPr>
-        </p:nvSpPr>
-        <p:spPr/>
-        <p:txBody>
-          <a:bodyPr/>
-          <a:lstStyle/>
-          <a:p>
-            <a:r>
-              <a:rPr lang="en-US" dirty="0"/>
-              <a:t>Sentinel Loop Design</a:t>
-            </a:r>
-          </a:p>
-        </p:txBody>
-      </p:sp>
-      <p:sp>
-        <p:nvSpPr>
-          <p:cNvPr id="3" name="Content Placeholder 2"/>
-          <p:cNvSpPr>
-            <a:spLocks noGrp="1"/>
-          </p:cNvSpPr>
-          <p:nvPr>
-            <p:ph idx="1"/>
-          </p:nvPr>
-        </p:nvSpPr>
-        <p:spPr/>
-        <p:txBody>
-          <a:bodyPr/>
-          <a:lstStyle/>
-          <a:p>
-            <a:r>
-              <a:rPr lang="en-US" dirty="0"/>
-              <a:t>Correct Sentinel Loop</a:t>
-            </a:r>
-          </a:p>
-          <a:p>
-            <a:pPr marL="971550" lvl="1" indent="-514350">
-              <a:buFont typeface="+mj-lt"/>
-              <a:buAutoNum type="arabicPeriod"/>
-            </a:pPr>
-            <a:r>
-              <a:rPr lang="en-US" dirty="0"/>
-              <a:t>Initialize </a:t>
-            </a:r>
-            <a:r>
-              <a:rPr lang="en-US" dirty="0">
-                <a:solidFill>
-                  <a:srgbClr val="7030A0"/>
-                </a:solidFill>
-              </a:rPr>
-              <a:t>sum</a:t>
-            </a:r>
-            <a:r>
-              <a:rPr lang="en-US" dirty="0"/>
-              <a:t> to </a:t>
-            </a:r>
-            <a:r>
-              <a:rPr lang="en-US" dirty="0">
-                <a:solidFill>
-                  <a:srgbClr val="7030A0"/>
-                </a:solidFill>
-              </a:rPr>
-              <a:t>zero</a:t>
-            </a:r>
-            <a:r>
-              <a:rPr lang="en-US" dirty="0"/>
-              <a:t>.</a:t>
-            </a:r>
-          </a:p>
-          <a:p>
-            <a:pPr marL="971550" lvl="1" indent="-514350">
-              <a:buFont typeface="+mj-lt"/>
-              <a:buAutoNum type="arabicPeriod"/>
-            </a:pPr>
-            <a:r>
-              <a:rPr lang="en-US" dirty="0"/>
-              <a:t>Get first </a:t>
-            </a:r>
-            <a:r>
-              <a:rPr lang="en-US" dirty="0">
-                <a:solidFill>
-                  <a:srgbClr val="7030A0"/>
-                </a:solidFill>
-              </a:rPr>
-              <a:t>score</a:t>
-            </a:r>
-            <a:r>
-              <a:rPr lang="en-US" dirty="0"/>
-              <a:t>.</a:t>
-            </a:r>
-          </a:p>
-          <a:p>
-            <a:pPr marL="971550" lvl="1" indent="-514350">
-              <a:buFont typeface="+mj-lt"/>
-              <a:buAutoNum type="arabicPeriod"/>
-            </a:pPr>
-            <a:r>
-              <a:rPr lang="en-US" dirty="0"/>
-              <a:t>while </a:t>
-            </a:r>
-            <a:r>
-              <a:rPr lang="en-US" dirty="0">
-                <a:solidFill>
-                  <a:srgbClr val="7030A0"/>
-                </a:solidFill>
-              </a:rPr>
-              <a:t>score</a:t>
-            </a:r>
-            <a:r>
-              <a:rPr lang="en-US" dirty="0"/>
-              <a:t> is not the sentinel</a:t>
-            </a:r>
-          </a:p>
-          <a:p>
-            <a:pPr marL="1371600" lvl="2" indent="-514350">
-              <a:buFont typeface="+mj-lt"/>
-              <a:buAutoNum type="arabicPeriod" startAt="4"/>
-            </a:pPr>
-            <a:r>
-              <a:rPr lang="en-US" dirty="0"/>
-              <a:t>Add </a:t>
-            </a:r>
-            <a:r>
-              <a:rPr lang="en-US" dirty="0">
-                <a:solidFill>
-                  <a:srgbClr val="7030A0"/>
-                </a:solidFill>
-              </a:rPr>
-              <a:t>score</a:t>
-            </a:r>
-            <a:r>
-              <a:rPr lang="en-US" dirty="0"/>
-              <a:t> to </a:t>
-            </a:r>
-            <a:r>
-              <a:rPr lang="en-US" dirty="0">
-                <a:solidFill>
-                  <a:srgbClr val="7030A0"/>
-                </a:solidFill>
-              </a:rPr>
-              <a:t>sum</a:t>
-            </a:r>
-            <a:r>
-              <a:rPr lang="en-US" dirty="0"/>
-              <a:t>.</a:t>
-            </a:r>
-          </a:p>
-          <a:p>
-            <a:pPr marL="1371600" lvl="2" indent="-514350">
-              <a:buFont typeface="+mj-lt"/>
-              <a:buAutoNum type="arabicPeriod" startAt="4"/>
-            </a:pPr>
-            <a:r>
-              <a:rPr lang="en-US" dirty="0"/>
-              <a:t>Get next </a:t>
-            </a:r>
-            <a:r>
-              <a:rPr lang="en-US" dirty="0">
-                <a:solidFill>
-                  <a:srgbClr val="7030A0"/>
-                </a:solidFill>
-              </a:rPr>
-              <a:t>score</a:t>
-            </a:r>
-          </a:p>
-        </p:txBody>
-      </p:sp>
-      <p:sp>
-        <p:nvSpPr>
-          <p:cNvPr id="4" name="Footer Placeholder 3"/>
-          <p:cNvSpPr>
-            <a:spLocks noGrp="1"/>
-          </p:cNvSpPr>
-          <p:nvPr>
-            <p:ph type="ftr" sz="quarter" idx="11"/>
-          </p:nvPr>
-        </p:nvSpPr>
-        <p:spPr/>
-        <p:txBody>
-          <a:bodyPr/>
-          <a:lstStyle/>
-          <a:p>
-            <a:r>
-              <a:rPr lang="en-US"/>
-              <a:t>© 2016 Pearson Education, Inc., Hoboken, NJ.  All rights reserved.</a:t>
-            </a:r>
-          </a:p>
-        </p:txBody>
-      </p:sp>
-      <p:sp>
-        <p:nvSpPr>
-          <p:cNvPr id="5" name="Slide Number Placeholder 4"/>
-          <p:cNvSpPr>
-            <a:spLocks noGrp="1"/>
-          </p:cNvSpPr>
-          <p:nvPr>
-            <p:ph type="sldNum" sz="quarter" idx="12"/>
-          </p:nvPr>
-        </p:nvSpPr>
-        <p:spPr/>
-        <p:txBody>
-          <a:bodyPr/>
-          <a:lstStyle/>
-          <a:p>
-            <a:fld id="{85A8DA42-601D-40A8-83CA-2F2CBDE5F9F0}" type="slidenum">
-              <a:rPr lang="en-US" smtClean="0"/>
-              <a:t>40</a:t>
-            </a:fld>
-            <a:endParaRPr lang="en-US"/>
-          </a:p>
-        </p:txBody>
-      </p:sp>
-    </p:spTree>
-    <p:extLst>
-      <p:ext uri="{BB962C8B-B14F-4D97-AF65-F5344CB8AC3E}">
-        <p14:creationId xmlns:p14="http://schemas.microsoft.com/office/powerpoint/2010/main" val="1523895914"/>
-      </p:ext>
-    </p:extLst>
-  </p:cSld>
-  <p:clrMapOvr>
-    <a:masterClrMapping/>
-  </p:clrMapOvr>
-</p:sld>
-</file>
-
-<file path=ppt/slides/slide41.xml><?xml version="1.0" encoding="utf-8"?>
-<p:sld xmlns:a="http://schemas.openxmlformats.org/drawingml/2006/main" xmlns:r="http://schemas.openxmlformats.org/officeDocument/2006/relationships" xmlns:p="http://schemas.openxmlformats.org/presentationml/2006/main">
-  <p:cSld>
-    <p:spTree>
-      <p:nvGrpSpPr>
-        <p:cNvPr id="1" name=""/>
-        <p:cNvGrpSpPr/>
-        <p:nvPr/>
-      </p:nvGrpSpPr>
-      <p:grpSpPr>
-        <a:xfrm>
-          <a:off x="0" y="0"/>
-          <a:ext cx="0" cy="0"/>
-          <a:chOff x="0" y="0"/>
-          <a:chExt cx="0" cy="0"/>
-        </a:xfrm>
-      </p:grpSpPr>
-      <p:sp>
-        <p:nvSpPr>
-          <p:cNvPr id="2" name="Title 1"/>
-          <p:cNvSpPr>
-            <a:spLocks noGrp="1"/>
-          </p:cNvSpPr>
-          <p:nvPr>
-            <p:ph type="title"/>
-          </p:nvPr>
-        </p:nvSpPr>
-        <p:spPr/>
-        <p:txBody>
-          <a:bodyPr/>
-          <a:lstStyle/>
-          <a:p>
-            <a:r>
-              <a:rPr lang="en-US" dirty="0"/>
-              <a:t>Sentinel Loop Design</a:t>
-            </a:r>
-          </a:p>
-        </p:txBody>
-      </p:sp>
-      <p:sp>
-        <p:nvSpPr>
-          <p:cNvPr id="3" name="Content Placeholder 2"/>
-          <p:cNvSpPr>
-            <a:spLocks noGrp="1"/>
-          </p:cNvSpPr>
-          <p:nvPr>
-            <p:ph idx="1"/>
-          </p:nvPr>
-        </p:nvSpPr>
-        <p:spPr/>
-        <p:txBody>
-          <a:bodyPr/>
-          <a:lstStyle/>
-          <a:p>
-            <a:r>
-              <a:rPr lang="en-US" dirty="0"/>
-              <a:t>Incorrect Sentinel Loop</a:t>
-            </a:r>
-          </a:p>
-          <a:p>
-            <a:pPr marL="971550" lvl="1" indent="-514350">
-              <a:buFont typeface="+mj-lt"/>
-              <a:buAutoNum type="arabicPeriod"/>
-            </a:pPr>
-            <a:r>
-              <a:rPr lang="en-US" dirty="0"/>
-              <a:t>Initialize </a:t>
-            </a:r>
-            <a:r>
-              <a:rPr lang="en-US" dirty="0">
-                <a:solidFill>
-                  <a:srgbClr val="7030A0"/>
-                </a:solidFill>
-              </a:rPr>
-              <a:t>sum</a:t>
-            </a:r>
-            <a:r>
-              <a:rPr lang="en-US" dirty="0"/>
-              <a:t> to </a:t>
-            </a:r>
-            <a:r>
-              <a:rPr lang="en-US" dirty="0">
-                <a:solidFill>
-                  <a:srgbClr val="7030A0"/>
-                </a:solidFill>
-              </a:rPr>
-              <a:t>zero</a:t>
-            </a:r>
-            <a:r>
-              <a:rPr lang="en-US" dirty="0"/>
-              <a:t>.</a:t>
-            </a:r>
-          </a:p>
-          <a:p>
-            <a:pPr marL="971550" lvl="1" indent="-514350">
-              <a:buFont typeface="+mj-lt"/>
-              <a:buAutoNum type="arabicPeriod"/>
-            </a:pPr>
-            <a:r>
-              <a:rPr lang="en-US" dirty="0"/>
-              <a:t>while </a:t>
-            </a:r>
-            <a:r>
-              <a:rPr lang="en-US" dirty="0">
-                <a:solidFill>
-                  <a:srgbClr val="7030A0"/>
-                </a:solidFill>
-              </a:rPr>
-              <a:t>score</a:t>
-            </a:r>
-            <a:r>
-              <a:rPr lang="en-US" dirty="0"/>
-              <a:t> is not the sentinel</a:t>
-            </a:r>
-          </a:p>
-          <a:p>
-            <a:pPr marL="1371600" lvl="2" indent="-514350">
-              <a:buFont typeface="+mj-lt"/>
-              <a:buAutoNum type="arabicPeriod" startAt="3"/>
-            </a:pPr>
-            <a:r>
-              <a:rPr lang="en-US" dirty="0"/>
-              <a:t>Get </a:t>
-            </a:r>
-            <a:r>
-              <a:rPr lang="en-US" dirty="0">
-                <a:solidFill>
-                  <a:srgbClr val="7030A0"/>
-                </a:solidFill>
-              </a:rPr>
-              <a:t>score</a:t>
-            </a:r>
-          </a:p>
-          <a:p>
-            <a:pPr marL="1371600" lvl="2" indent="-514350">
-              <a:buFont typeface="+mj-lt"/>
-              <a:buAutoNum type="arabicPeriod" startAt="3"/>
-            </a:pPr>
-            <a:r>
-              <a:rPr lang="en-US" dirty="0"/>
-              <a:t>Add </a:t>
-            </a:r>
-            <a:r>
-              <a:rPr lang="en-US" dirty="0">
-                <a:solidFill>
-                  <a:srgbClr val="7030A0"/>
-                </a:solidFill>
-              </a:rPr>
-              <a:t>score</a:t>
-            </a:r>
-            <a:r>
-              <a:rPr lang="en-US" dirty="0"/>
-              <a:t> to </a:t>
-            </a:r>
-            <a:r>
-              <a:rPr lang="en-US" dirty="0">
-                <a:solidFill>
-                  <a:srgbClr val="7030A0"/>
-                </a:solidFill>
-              </a:rPr>
-              <a:t>sum</a:t>
-            </a:r>
-            <a:r>
-              <a:rPr lang="en-US" dirty="0"/>
-              <a:t>.</a:t>
-            </a:r>
-          </a:p>
-        </p:txBody>
-      </p:sp>
-      <p:sp>
-        <p:nvSpPr>
-          <p:cNvPr id="4" name="Footer Placeholder 3"/>
-          <p:cNvSpPr>
-            <a:spLocks noGrp="1"/>
-          </p:cNvSpPr>
-          <p:nvPr>
-            <p:ph type="ftr" sz="quarter" idx="11"/>
-          </p:nvPr>
-        </p:nvSpPr>
-        <p:spPr/>
-        <p:txBody>
-          <a:bodyPr/>
-          <a:lstStyle/>
-          <a:p>
-            <a:r>
-              <a:rPr lang="en-US"/>
-              <a:t>© 2016 Pearson Education, Inc., Hoboken, NJ.  All rights reserved.</a:t>
-            </a:r>
-          </a:p>
-        </p:txBody>
-      </p:sp>
-      <p:sp>
-        <p:nvSpPr>
-          <p:cNvPr id="5" name="Slide Number Placeholder 4"/>
-          <p:cNvSpPr>
-            <a:spLocks noGrp="1"/>
-          </p:cNvSpPr>
-          <p:nvPr>
-            <p:ph type="sldNum" sz="quarter" idx="12"/>
-          </p:nvPr>
-        </p:nvSpPr>
-        <p:spPr/>
-        <p:txBody>
-          <a:bodyPr/>
-          <a:lstStyle/>
-          <a:p>
-            <a:fld id="{85A8DA42-601D-40A8-83CA-2F2CBDE5F9F0}" type="slidenum">
-              <a:rPr lang="en-US" smtClean="0"/>
-              <a:t>41</a:t>
-            </a:fld>
-            <a:endParaRPr lang="en-US"/>
-          </a:p>
-        </p:txBody>
-      </p:sp>
-    </p:spTree>
-    <p:extLst>
-      <p:ext uri="{BB962C8B-B14F-4D97-AF65-F5344CB8AC3E}">
-        <p14:creationId xmlns:p14="http://schemas.microsoft.com/office/powerpoint/2010/main" val="178067890"/>
-      </p:ext>
-    </p:extLst>
-  </p:cSld>
-  <p:clrMapOvr>
-    <a:masterClrMapping/>
-  </p:clrMapOvr>
-</p:sld>
-</file>
-
-<file path=ppt/slides/slide42.xml><?xml version="1.0" encoding="utf-8"?>
-<p:sld xmlns:a="http://schemas.openxmlformats.org/drawingml/2006/main" xmlns:r="http://schemas.openxmlformats.org/officeDocument/2006/relationships" xmlns:p="http://schemas.openxmlformats.org/presentationml/2006/main">
-  <p:cSld>
-    <p:spTree>
-      <p:nvGrpSpPr>
-        <p:cNvPr id="1" name=""/>
-        <p:cNvGrpSpPr/>
-        <p:nvPr/>
-      </p:nvGrpSpPr>
-      <p:grpSpPr>
-        <a:xfrm>
-          <a:off x="0" y="0"/>
-          <a:ext cx="0" cy="0"/>
-          <a:chOff x="0" y="0"/>
-          <a:chExt cx="0" cy="0"/>
-        </a:xfrm>
-      </p:grpSpPr>
-      <p:sp>
-        <p:nvSpPr>
-          <p:cNvPr id="2" name="Footer Placeholder 1"/>
-          <p:cNvSpPr>
-            <a:spLocks noGrp="1"/>
-          </p:cNvSpPr>
-          <p:nvPr>
-            <p:ph type="ftr" sz="quarter" idx="11"/>
-          </p:nvPr>
-        </p:nvSpPr>
-        <p:spPr/>
-        <p:txBody>
-          <a:bodyPr/>
-          <a:lstStyle/>
-          <a:p>
-            <a:r>
-              <a:rPr lang="en-US"/>
-              <a:t>© 2016 Pearson Education, Inc., Hoboken, NJ.  All rights reserved.</a:t>
-            </a:r>
-          </a:p>
-        </p:txBody>
-      </p:sp>
-      <p:sp>
-        <p:nvSpPr>
-          <p:cNvPr id="3" name="Slide Number Placeholder 2"/>
-          <p:cNvSpPr>
-            <a:spLocks noGrp="1"/>
-          </p:cNvSpPr>
-          <p:nvPr>
-            <p:ph type="sldNum" sz="quarter" idx="12"/>
-          </p:nvPr>
-        </p:nvSpPr>
-        <p:spPr/>
-        <p:txBody>
-          <a:bodyPr/>
-          <a:lstStyle/>
-          <a:p>
-            <a:fld id="{85A8DA42-601D-40A8-83CA-2F2CBDE5F9F0}" type="slidenum">
-              <a:rPr lang="en-US" smtClean="0"/>
-              <a:t>42</a:t>
-            </a:fld>
-            <a:endParaRPr lang="en-US"/>
-          </a:p>
-        </p:txBody>
-      </p:sp>
-      <p:pic>
-        <p:nvPicPr>
-          <p:cNvPr id="18435" name="Picture 3"/>
-          <p:cNvPicPr>
-            <a:picLocks noChangeAspect="1" noChangeArrowheads="1"/>
-          </p:cNvPicPr>
-          <p:nvPr/>
-        </p:nvPicPr>
-        <p:blipFill>
-          <a:blip r:embed="rId2">
-            <a:extLst>
-              <a:ext uri="{28A0092B-C50C-407E-A947-70E740481C1C}">
-                <a14:useLocalDpi xmlns:a14="http://schemas.microsoft.com/office/drawing/2010/main" val="0"/>
-              </a:ext>
-            </a:extLst>
-          </a:blip>
-          <a:srcRect/>
-          <a:stretch>
-            <a:fillRect/>
-          </a:stretch>
-        </p:blipFill>
-        <p:spPr bwMode="auto">
-          <a:xfrm>
-            <a:off x="868680" y="533400"/>
-            <a:ext cx="7543800" cy="5219823"/>
-          </a:xfrm>
-          <a:prstGeom prst="rect">
-            <a:avLst/>
-          </a:prstGeom>
-          <a:noFill/>
-          <a:ln>
-            <a:noFill/>
-          </a:ln>
-          <a:extLst>
-            <a:ext uri="{909E8E84-426E-40DD-AFC4-6F175D3DCCD1}">
-              <a14:hiddenFill xmlns:a14="http://schemas.microsoft.com/office/drawing/2010/main">
-                <a:solidFill>
-                  <a:schemeClr val="accent1"/>
-                </a:solidFill>
-              </a14:hiddenFill>
-            </a:ext>
-            <a:ext uri="{91240B29-F687-4F45-9708-019B960494DF}">
-              <a14:hiddenLine xmlns:a14="http://schemas.microsoft.com/office/drawing/2010/main" w="9525">
-                <a:solidFill>
-                  <a:schemeClr val="tx1"/>
-                </a:solidFill>
-                <a:miter lim="800000"/>
-                <a:headEnd/>
-                <a:tailEnd/>
-              </a14:hiddenLine>
-            </a:ext>
-          </a:extLst>
-        </p:spPr>
-      </p:pic>
-    </p:spTree>
-    <p:extLst>
-      <p:ext uri="{BB962C8B-B14F-4D97-AF65-F5344CB8AC3E}">
-        <p14:creationId xmlns:p14="http://schemas.microsoft.com/office/powerpoint/2010/main" val="3977402163"/>
-      </p:ext>
-    </p:extLst>
-  </p:cSld>
-  <p:clrMapOvr>
-    <a:masterClrMapping/>
-  </p:clrMapOvr>
-</p:sld>
-</file>
-
-<file path=ppt/slides/slide43.xml><?xml version="1.0" encoding="utf-8"?>
-<p:sld xmlns:a="http://schemas.openxmlformats.org/drawingml/2006/main" xmlns:r="http://schemas.openxmlformats.org/officeDocument/2006/relationships" xmlns:p="http://schemas.openxmlformats.org/presentationml/2006/main">
-  <p:cSld>
-    <p:spTree>
-      <p:nvGrpSpPr>
-        <p:cNvPr id="1" name=""/>
-        <p:cNvGrpSpPr/>
-        <p:nvPr/>
-      </p:nvGrpSpPr>
-      <p:grpSpPr>
-        <a:xfrm>
-          <a:off x="0" y="0"/>
-          <a:ext cx="0" cy="0"/>
-          <a:chOff x="0" y="0"/>
-          <a:chExt cx="0" cy="0"/>
-        </a:xfrm>
-      </p:grpSpPr>
-      <p:sp>
-        <p:nvSpPr>
-          <p:cNvPr id="2" name="Title 1"/>
-          <p:cNvSpPr>
-            <a:spLocks noGrp="1"/>
-          </p:cNvSpPr>
-          <p:nvPr>
-            <p:ph type="title"/>
-          </p:nvPr>
-        </p:nvSpPr>
-        <p:spPr/>
-        <p:txBody>
-          <a:bodyPr/>
-          <a:lstStyle/>
-          <a:p>
-            <a:r>
-              <a:rPr lang="en-US" dirty="0" err="1"/>
-              <a:t>Endfile</a:t>
-            </a:r>
-            <a:r>
-              <a:rPr lang="en-US" dirty="0"/>
-              <a:t>-Controlled Loop Design</a:t>
-            </a:r>
-          </a:p>
-        </p:txBody>
-      </p:sp>
-      <p:sp>
-        <p:nvSpPr>
-          <p:cNvPr id="3" name="Content Placeholder 2"/>
-          <p:cNvSpPr>
-            <a:spLocks noGrp="1"/>
-          </p:cNvSpPr>
-          <p:nvPr>
-            <p:ph idx="1"/>
-          </p:nvPr>
-        </p:nvSpPr>
-        <p:spPr/>
-        <p:txBody>
-          <a:bodyPr/>
-          <a:lstStyle/>
-          <a:p>
-            <a:pPr marL="514350" indent="-514350">
-              <a:buFont typeface="+mj-lt"/>
-              <a:buAutoNum type="arabicPeriod"/>
-            </a:pPr>
-            <a:r>
-              <a:rPr lang="en-US" dirty="0"/>
-              <a:t>Get the first </a:t>
-            </a:r>
-            <a:r>
-              <a:rPr lang="en-US" i="1" dirty="0">
-                <a:solidFill>
-                  <a:srgbClr val="7030A0"/>
-                </a:solidFill>
-              </a:rPr>
-              <a:t>data value </a:t>
-            </a:r>
-            <a:r>
-              <a:rPr lang="en-US" dirty="0"/>
-              <a:t>and save </a:t>
-            </a:r>
-            <a:r>
-              <a:rPr lang="en-US" i="1" dirty="0">
-                <a:solidFill>
-                  <a:srgbClr val="7030A0"/>
-                </a:solidFill>
-              </a:rPr>
-              <a:t>input status</a:t>
-            </a:r>
-          </a:p>
-          <a:p>
-            <a:pPr marL="514350" indent="-514350">
-              <a:buFont typeface="+mj-lt"/>
-              <a:buAutoNum type="arabicPeriod"/>
-            </a:pPr>
-            <a:r>
-              <a:rPr lang="en-US" dirty="0"/>
-              <a:t>while </a:t>
-            </a:r>
-            <a:r>
-              <a:rPr lang="en-US" i="1" dirty="0">
-                <a:solidFill>
-                  <a:srgbClr val="7030A0"/>
-                </a:solidFill>
-              </a:rPr>
-              <a:t>input status </a:t>
-            </a:r>
-            <a:r>
-              <a:rPr lang="en-US" dirty="0"/>
-              <a:t>does not indicate that end of file has been reached</a:t>
-            </a:r>
-          </a:p>
-          <a:p>
-            <a:pPr marL="914400" lvl="1" indent="-514350">
-              <a:buFont typeface="+mj-lt"/>
-              <a:buAutoNum type="arabicPeriod" startAt="3"/>
-            </a:pPr>
-            <a:r>
-              <a:rPr lang="en-US" dirty="0"/>
-              <a:t>Process </a:t>
-            </a:r>
-            <a:r>
-              <a:rPr lang="en-US" i="1" dirty="0"/>
-              <a:t>data value</a:t>
-            </a:r>
-          </a:p>
-          <a:p>
-            <a:pPr marL="914400" lvl="1" indent="-514350">
-              <a:buFont typeface="+mj-lt"/>
-              <a:buAutoNum type="arabicPeriod" startAt="3"/>
-            </a:pPr>
-            <a:r>
-              <a:rPr lang="en-US" dirty="0"/>
-              <a:t>Get next </a:t>
-            </a:r>
-            <a:r>
-              <a:rPr lang="en-US" i="1" dirty="0"/>
-              <a:t>data value </a:t>
-            </a:r>
-            <a:r>
-              <a:rPr lang="en-US" dirty="0"/>
-              <a:t>and save </a:t>
-            </a:r>
-            <a:r>
-              <a:rPr lang="en-US" i="1" dirty="0">
-                <a:solidFill>
-                  <a:srgbClr val="7030A0"/>
-                </a:solidFill>
-              </a:rPr>
-              <a:t>input status</a:t>
-            </a:r>
-          </a:p>
-        </p:txBody>
-      </p:sp>
-      <p:sp>
-        <p:nvSpPr>
-          <p:cNvPr id="4" name="Footer Placeholder 3"/>
-          <p:cNvSpPr>
-            <a:spLocks noGrp="1"/>
-          </p:cNvSpPr>
-          <p:nvPr>
-            <p:ph type="ftr" sz="quarter" idx="11"/>
-          </p:nvPr>
-        </p:nvSpPr>
-        <p:spPr/>
-        <p:txBody>
-          <a:bodyPr/>
-          <a:lstStyle/>
-          <a:p>
-            <a:r>
-              <a:rPr lang="en-US"/>
-              <a:t>© 2016 Pearson Education, Inc., Hoboken, NJ.  All rights reserved.</a:t>
-            </a:r>
-          </a:p>
-        </p:txBody>
-      </p:sp>
-      <p:sp>
-        <p:nvSpPr>
-          <p:cNvPr id="5" name="Slide Number Placeholder 4"/>
-          <p:cNvSpPr>
-            <a:spLocks noGrp="1"/>
-          </p:cNvSpPr>
-          <p:nvPr>
-            <p:ph type="sldNum" sz="quarter" idx="12"/>
-          </p:nvPr>
-        </p:nvSpPr>
-        <p:spPr/>
-        <p:txBody>
-          <a:bodyPr/>
-          <a:lstStyle/>
-          <a:p>
-            <a:fld id="{85A8DA42-601D-40A8-83CA-2F2CBDE5F9F0}" type="slidenum">
-              <a:rPr lang="en-US" smtClean="0"/>
-              <a:t>43</a:t>
-            </a:fld>
-            <a:endParaRPr lang="en-US"/>
-          </a:p>
-        </p:txBody>
-      </p:sp>
-    </p:spTree>
-    <p:extLst>
-      <p:ext uri="{BB962C8B-B14F-4D97-AF65-F5344CB8AC3E}">
-        <p14:creationId xmlns:p14="http://schemas.microsoft.com/office/powerpoint/2010/main" val="2722835172"/>
-      </p:ext>
-    </p:extLst>
-  </p:cSld>
-  <p:clrMapOvr>
-    <a:masterClrMapping/>
-  </p:clrMapOvr>
-</p:sld>
-</file>
-
-<file path=ppt/slides/slide44.xml><?xml version="1.0" encoding="utf-8"?>
-<p:sld xmlns:a="http://schemas.openxmlformats.org/drawingml/2006/main" xmlns:r="http://schemas.openxmlformats.org/officeDocument/2006/relationships" xmlns:p="http://schemas.openxmlformats.org/presentationml/2006/main">
-  <p:cSld>
-    <p:spTree>
-      <p:nvGrpSpPr>
-        <p:cNvPr id="1" name=""/>
-        <p:cNvGrpSpPr/>
-        <p:nvPr/>
-      </p:nvGrpSpPr>
-      <p:grpSpPr>
-        <a:xfrm>
-          <a:off x="0" y="0"/>
-          <a:ext cx="0" cy="0"/>
-          <a:chOff x="0" y="0"/>
-          <a:chExt cx="0" cy="0"/>
-        </a:xfrm>
-      </p:grpSpPr>
-      <p:sp>
-        <p:nvSpPr>
-          <p:cNvPr id="2" name="Footer Placeholder 1"/>
-          <p:cNvSpPr>
-            <a:spLocks noGrp="1"/>
-          </p:cNvSpPr>
-          <p:nvPr>
-            <p:ph type="ftr" sz="quarter" idx="11"/>
-          </p:nvPr>
-        </p:nvSpPr>
-        <p:spPr/>
-        <p:txBody>
-          <a:bodyPr/>
-          <a:lstStyle/>
-          <a:p>
-            <a:r>
-              <a:rPr lang="en-US"/>
-              <a:t>© 2016 Pearson Education, Inc., Hoboken, NJ.  All rights reserved.</a:t>
-            </a:r>
-          </a:p>
-        </p:txBody>
-      </p:sp>
-      <p:sp>
-        <p:nvSpPr>
-          <p:cNvPr id="3" name="Slide Number Placeholder 2"/>
-          <p:cNvSpPr>
-            <a:spLocks noGrp="1"/>
-          </p:cNvSpPr>
-          <p:nvPr>
-            <p:ph type="sldNum" sz="quarter" idx="12"/>
-          </p:nvPr>
-        </p:nvSpPr>
-        <p:spPr/>
-        <p:txBody>
-          <a:bodyPr/>
-          <a:lstStyle/>
-          <a:p>
-            <a:fld id="{85A8DA42-601D-40A8-83CA-2F2CBDE5F9F0}" type="slidenum">
-              <a:rPr lang="en-US" smtClean="0"/>
-              <a:t>44</a:t>
+              <a:t>19</a:t>
             </a:fld>
             <a:endParaRPr lang="en-US"/>
           </a:p>
@@ -10237,7 +5392,7 @@
 </p:sld>
 </file>
 
-<file path=ppt/slides/slide45.xml><?xml version="1.0" encoding="utf-8"?>
+<file path=ppt/slides/slide2.xml><?xml version="1.0" encoding="utf-8"?>
 <p:sld xmlns:a="http://schemas.openxmlformats.org/drawingml/2006/main" xmlns:r="http://schemas.openxmlformats.org/officeDocument/2006/relationships" xmlns:p="http://schemas.openxmlformats.org/presentationml/2006/main">
   <p:cSld>
     <p:spTree>
@@ -10270,8 +5425,17 @@
           <a:lstStyle/>
           <a:p>
             <a:r>
+              <a:rPr lang="en-US" dirty="0">
+                <a:solidFill>
+                  <a:srgbClr val="7030A0"/>
+                </a:solidFill>
+                <a:latin typeface="Cambria" panose="02040503050406030204" pitchFamily="18" charset="0"/>
+              </a:rPr>
+              <a:t>while</a:t>
+            </a:r>
+            <a:r>
               <a:rPr lang="en-US" dirty="0"/>
-              <a:t>Nested Loops</a:t>
+              <a:t> Statement Syntax</a:t>
             </a:r>
           </a:p>
         </p:txBody>
@@ -10286,26 +5450,189 @@
             <p:ph idx="1"/>
           </p:nvPr>
         </p:nvSpPr>
-        <p:spPr/>
-        <p:txBody>
-          <a:bodyPr/>
-          <a:lstStyle/>
-          <a:p>
+        <p:spPr>
+          <a:xfrm>
+            <a:off x="1600200" y="1600200"/>
+            <a:ext cx="6019800" cy="4525963"/>
+          </a:xfrm>
+        </p:spPr>
+        <p:txBody>
+          <a:bodyPr>
+            <a:normAutofit fontScale="92500" lnSpcReduction="20000"/>
+          </a:bodyPr>
+          <a:lstStyle/>
+          <a:p>
+            <a:pPr marL="0" indent="0">
+              <a:buNone/>
+            </a:pPr>
             <a:r>
               <a:rPr lang="en-US" dirty="0"/>
-              <a:t>Loops may be nested just like other control structures</a:t>
-            </a:r>
-          </a:p>
-          <a:p>
+              <a:t>while (loop repetition condition)</a:t>
+            </a:r>
+          </a:p>
+          <a:p>
+            <a:pPr marL="0" indent="0">
+              <a:buNone/>
+            </a:pPr>
             <a:r>
               <a:rPr lang="en-US" dirty="0"/>
-              <a:t>Nested loops consist of an outer loop with one or more inner loops</a:t>
-            </a:r>
-          </a:p>
-          <a:p>
-            <a:r>
-              <a:rPr lang="en-US" dirty="0"/>
-              <a:t>Each time the outer loop is repeated, the inner loops are reentered, their loop control expressions are reevaluated, and all required iterations are performed</a:t>
+              <a:t>	statement;</a:t>
+            </a:r>
+          </a:p>
+          <a:p>
+            <a:pPr marL="0" indent="0">
+              <a:buNone/>
+            </a:pPr>
+            <a:endParaRPr lang="en-US" dirty="0"/>
+          </a:p>
+          <a:p>
+            <a:pPr marL="0" indent="0">
+              <a:buNone/>
+            </a:pPr>
+            <a:r>
+              <a:rPr lang="en-US" dirty="0">
+                <a:solidFill>
+                  <a:srgbClr val="7030A0"/>
+                </a:solidFill>
+              </a:rPr>
+              <a:t>/* display N asterisks. */</a:t>
+            </a:r>
+          </a:p>
+          <a:p>
+            <a:pPr marL="0" indent="0">
+              <a:buNone/>
+            </a:pPr>
+            <a:r>
+              <a:rPr lang="en-US" dirty="0" err="1">
+                <a:solidFill>
+                  <a:srgbClr val="7030A0"/>
+                </a:solidFill>
+              </a:rPr>
+              <a:t>count_star</a:t>
+            </a:r>
+            <a:r>
+              <a:rPr lang="en-US" dirty="0">
+                <a:solidFill>
+                  <a:srgbClr val="7030A0"/>
+                </a:solidFill>
+              </a:rPr>
+              <a:t> = 0;</a:t>
+            </a:r>
+          </a:p>
+          <a:p>
+            <a:pPr marL="0" indent="0">
+              <a:buNone/>
+            </a:pPr>
+            <a:r>
+              <a:rPr lang="en-US" dirty="0">
+                <a:solidFill>
+                  <a:srgbClr val="7030A0"/>
+                </a:solidFill>
+              </a:rPr>
+              <a:t>while (</a:t>
+            </a:r>
+            <a:r>
+              <a:rPr lang="en-US" dirty="0" err="1">
+                <a:solidFill>
+                  <a:srgbClr val="7030A0"/>
+                </a:solidFill>
+              </a:rPr>
+              <a:t>count_star</a:t>
+            </a:r>
+            <a:r>
+              <a:rPr lang="en-US" dirty="0">
+                <a:solidFill>
+                  <a:srgbClr val="7030A0"/>
+                </a:solidFill>
+              </a:rPr>
+              <a:t>  &lt;  N) {</a:t>
+            </a:r>
+          </a:p>
+          <a:p>
+            <a:pPr marL="0" indent="0">
+              <a:buNone/>
+            </a:pPr>
+            <a:r>
+              <a:rPr lang="en-US" dirty="0">
+                <a:solidFill>
+                  <a:srgbClr val="7030A0"/>
+                </a:solidFill>
+              </a:rPr>
+              <a:t>	</a:t>
+            </a:r>
+            <a:r>
+              <a:rPr lang="en-US" dirty="0" err="1">
+                <a:solidFill>
+                  <a:srgbClr val="7030A0"/>
+                </a:solidFill>
+              </a:rPr>
+              <a:t>printf</a:t>
+            </a:r>
+            <a:r>
+              <a:rPr lang="en-US" dirty="0">
+                <a:solidFill>
+                  <a:srgbClr val="7030A0"/>
+                </a:solidFill>
+              </a:rPr>
+              <a:t>(“*”);</a:t>
+            </a:r>
+          </a:p>
+          <a:p>
+            <a:pPr marL="0" indent="0">
+              <a:buNone/>
+            </a:pPr>
+            <a:r>
+              <a:rPr lang="en-US" dirty="0">
+                <a:solidFill>
+                  <a:srgbClr val="7030A0"/>
+                </a:solidFill>
+              </a:rPr>
+              <a:t>	</a:t>
+            </a:r>
+            <a:r>
+              <a:rPr lang="en-US" dirty="0" err="1">
+                <a:solidFill>
+                  <a:srgbClr val="7030A0"/>
+                </a:solidFill>
+              </a:rPr>
+              <a:t>count_star</a:t>
+            </a:r>
+            <a:r>
+              <a:rPr lang="en-US" dirty="0">
+                <a:solidFill>
+                  <a:srgbClr val="7030A0"/>
+                </a:solidFill>
+              </a:rPr>
+              <a:t> = </a:t>
+            </a:r>
+            <a:r>
+              <a:rPr lang="en-US" dirty="0" err="1">
+                <a:solidFill>
+                  <a:srgbClr val="7030A0"/>
+                </a:solidFill>
+              </a:rPr>
+              <a:t>count_star</a:t>
+            </a:r>
+            <a:r>
+              <a:rPr lang="en-US" dirty="0">
+                <a:solidFill>
+                  <a:srgbClr val="7030A0"/>
+                </a:solidFill>
+              </a:rPr>
+              <a:t> + 1;</a:t>
+            </a:r>
+          </a:p>
+          <a:p>
+            <a:pPr marL="0" indent="0">
+              <a:buNone/>
+            </a:pPr>
+            <a:r>
+              <a:rPr lang="en-US" dirty="0">
+                <a:solidFill>
+                  <a:srgbClr val="7030A0"/>
+                </a:solidFill>
+              </a:rPr>
+              <a:t>}</a:t>
             </a:r>
           </a:p>
         </p:txBody>
@@ -10349,7 +5676,7 @@
           <a:p>
             <a:fld id="{85A8DA42-601D-40A8-83CA-2F2CBDE5F9F0}" type="slidenum">
               <a:rPr lang="en-US" smtClean="0"/>
-              <a:t>45</a:t>
+              <a:t>2</a:t>
             </a:fld>
             <a:endParaRPr lang="en-US"/>
           </a:p>
@@ -10358,7 +5685,7 @@
     </p:spTree>
     <p:extLst>
       <p:ext uri="{BB962C8B-B14F-4D97-AF65-F5344CB8AC3E}">
-        <p14:creationId xmlns:p14="http://schemas.microsoft.com/office/powerpoint/2010/main" val="2277669693"/>
+        <p14:creationId xmlns:p14="http://schemas.microsoft.com/office/powerpoint/2010/main" val="4125992903"/>
       </p:ext>
     </p:extLst>
   </p:cSld>
@@ -10368,7 +5695,7 @@
 </p:sld>
 </file>
 
-<file path=ppt/slides/slide46.xml><?xml version="1.0" encoding="utf-8"?>
+<file path=ppt/slides/slide3.xml><?xml version="1.0" encoding="utf-8"?>
 <p:sld xmlns:a="http://schemas.openxmlformats.org/drawingml/2006/main" xmlns:r="http://schemas.openxmlformats.org/officeDocument/2006/relationships" xmlns:p="http://schemas.openxmlformats.org/presentationml/2006/main">
   <p:cSld>
     <p:spTree>
@@ -10387,7 +5714,115 @@
       </p:grpSpPr>
       <p:sp>
         <p:nvSpPr>
-          <p:cNvPr id="2" name="Footer Placeholder 1"/>
+          <p:cNvPr id="2" name="Title 1"/>
+          <p:cNvSpPr>
+            <a:spLocks noGrp="1"/>
+          </p:cNvSpPr>
+          <p:nvPr>
+            <p:ph type="title"/>
+          </p:nvPr>
+        </p:nvSpPr>
+        <p:spPr/>
+        <p:txBody>
+          <a:bodyPr>
+            <a:normAutofit fontScale="90000"/>
+          </a:bodyPr>
+          <a:lstStyle/>
+          <a:p>
+            <a:r>
+              <a:rPr lang="en-US" dirty="0"/>
+              <a:t>Increment and Decrement Operators</a:t>
+            </a:r>
+          </a:p>
+        </p:txBody>
+      </p:sp>
+      <p:sp>
+        <p:nvSpPr>
+          <p:cNvPr id="3" name="Content Placeholder 2"/>
+          <p:cNvSpPr>
+            <a:spLocks noGrp="1"/>
+          </p:cNvSpPr>
+          <p:nvPr>
+            <p:ph idx="1"/>
+          </p:nvPr>
+        </p:nvSpPr>
+        <p:spPr>
+          <a:xfrm>
+            <a:off x="2133600" y="1524000"/>
+            <a:ext cx="4572000" cy="4525963"/>
+          </a:xfrm>
+        </p:spPr>
+        <p:txBody>
+          <a:bodyPr>
+            <a:normAutofit lnSpcReduction="10000"/>
+          </a:bodyPr>
+          <a:lstStyle/>
+          <a:p>
+            <a:r>
+              <a:rPr lang="en-US" dirty="0"/>
+              <a:t>counter = counter + 1</a:t>
+            </a:r>
+            <a:br>
+              <a:rPr lang="en-US" dirty="0"/>
+            </a:br>
+            <a:r>
+              <a:rPr lang="en-US" dirty="0"/>
+              <a:t>count += 1</a:t>
+            </a:r>
+            <a:br>
+              <a:rPr lang="en-US" dirty="0"/>
+            </a:br>
+            <a:r>
+              <a:rPr lang="en-US" dirty="0"/>
+              <a:t>counter++</a:t>
+            </a:r>
+            <a:br>
+              <a:rPr lang="en-US" dirty="0"/>
+            </a:br>
+            <a:r>
+              <a:rPr lang="en-US" dirty="0"/>
+              <a:t>++counter</a:t>
+            </a:r>
+            <a:br>
+              <a:rPr lang="en-US" dirty="0"/>
+            </a:br>
+            <a:endParaRPr lang="en-US" dirty="0"/>
+          </a:p>
+          <a:p>
+            <a:r>
+              <a:rPr lang="en-US" dirty="0"/>
+              <a:t>counter = counter - 1</a:t>
+            </a:r>
+            <a:br>
+              <a:rPr lang="en-US" dirty="0"/>
+            </a:br>
+            <a:r>
+              <a:rPr lang="en-US" dirty="0"/>
+              <a:t>count -= 1</a:t>
+            </a:r>
+            <a:br>
+              <a:rPr lang="en-US" dirty="0"/>
+            </a:br>
+            <a:r>
+              <a:rPr lang="en-US" dirty="0"/>
+              <a:t>counter--</a:t>
+            </a:r>
+          </a:p>
+          <a:p>
+            <a:pPr marL="0" indent="0">
+              <a:buNone/>
+            </a:pPr>
+            <a:r>
+              <a:rPr lang="en-US"/>
+              <a:t>    --counter</a:t>
+            </a:r>
+            <a:endParaRPr lang="en-US" dirty="0"/>
+          </a:p>
+        </p:txBody>
+      </p:sp>
+      <p:sp>
+        <p:nvSpPr>
+          <p:cNvPr id="4" name="Footer Placeholder 3"/>
           <p:cNvSpPr>
             <a:spLocks noGrp="1"/>
           </p:cNvSpPr>
@@ -10409,7 +5844,7 @@
       </p:sp>
       <p:sp>
         <p:nvSpPr>
-          <p:cNvPr id="3" name="Slide Number Placeholder 2"/>
+          <p:cNvPr id="5" name="Slide Number Placeholder 4"/>
           <p:cNvSpPr>
             <a:spLocks noGrp="1"/>
           </p:cNvSpPr>
@@ -10424,70 +5859,16 @@
           <a:p>
             <a:fld id="{85A8DA42-601D-40A8-83CA-2F2CBDE5F9F0}" type="slidenum">
               <a:rPr lang="en-US" smtClean="0"/>
-              <a:t>46</a:t>
+              <a:t>3</a:t>
             </a:fld>
             <a:endParaRPr lang="en-US"/>
           </a:p>
         </p:txBody>
       </p:sp>
-      <p:pic>
-        <p:nvPicPr>
-          <p:cNvPr id="20482" name="Picture 2"/>
-          <p:cNvPicPr>
-            <a:picLocks noChangeAspect="1" noChangeArrowheads="1"/>
-          </p:cNvPicPr>
-          <p:nvPr/>
-        </p:nvPicPr>
-        <p:blipFill>
-          <a:blip r:embed="rId2">
-            <a:extLst>
-              <a:ext uri="{28A0092B-C50C-407E-A947-70E740481C1C}">
-                <a14:useLocalDpi xmlns:a14="http://schemas.microsoft.com/office/drawing/2010/main" val="0"/>
-              </a:ext>
-            </a:extLst>
-          </a:blip>
-          <a:srcRect/>
-          <a:stretch>
-            <a:fillRect/>
-          </a:stretch>
-        </p:blipFill>
-        <p:spPr bwMode="auto">
-          <a:xfrm>
-            <a:off x="2133600" y="178987"/>
-            <a:ext cx="5272087" cy="6096204"/>
-          </a:xfrm>
-          <a:prstGeom prst="rect">
-            <a:avLst/>
-          </a:prstGeom>
-          <a:noFill/>
-          <a:ln>
-            <a:noFill/>
-          </a:ln>
-          <a:extLst>
-            <a:ext uri="{909E8E84-426E-40DD-AFC4-6F175D3DCCD1}">
-              <a14:hiddenFill xmlns:a14="http://schemas.microsoft.com/office/drawing/2010/main">
-                <a:solidFill>
-                  <a:schemeClr val="accent1"/>
-                </a:solidFill>
-              </a14:hiddenFill>
-            </a:ext>
-            <a:ext uri="{91240B29-F687-4F45-9708-019B960494DF}">
-              <a14:hiddenLine xmlns:a14="http://schemas.microsoft.com/office/drawing/2010/main" w="9525">
-                <a:solidFill>
-                  <a:schemeClr val="tx1"/>
-                </a:solidFill>
-                <a:miter lim="800000"/>
-                <a:headEnd/>
-                <a:tailEnd/>
-              </a14:hiddenLine>
-            </a:ext>
-          </a:extLst>
-        </p:spPr>
-      </p:pic>
     </p:spTree>
     <p:extLst>
       <p:ext uri="{BB962C8B-B14F-4D97-AF65-F5344CB8AC3E}">
-        <p14:creationId xmlns:p14="http://schemas.microsoft.com/office/powerpoint/2010/main" val="443833646"/>
+        <p14:creationId xmlns:p14="http://schemas.microsoft.com/office/powerpoint/2010/main" val="2078938641"/>
       </p:ext>
     </p:extLst>
   </p:cSld>
@@ -10497,7 +5878,7 @@
 </p:sld>
 </file>
 
-<file path=ppt/slides/slide47.xml><?xml version="1.0" encoding="utf-8"?>
+<file path=ppt/slides/slide4.xml><?xml version="1.0" encoding="utf-8"?>
 <p:sld xmlns:a="http://schemas.openxmlformats.org/drawingml/2006/main" xmlns:r="http://schemas.openxmlformats.org/officeDocument/2006/relationships" xmlns:p="http://schemas.openxmlformats.org/presentationml/2006/main">
   <p:cSld>
     <p:spTree>
@@ -10516,7 +5897,235 @@
       </p:grpSpPr>
       <p:sp>
         <p:nvSpPr>
-          <p:cNvPr id="2" name="Footer Placeholder 1"/>
+          <p:cNvPr id="2" name="Title 1"/>
+          <p:cNvSpPr>
+            <a:spLocks noGrp="1"/>
+          </p:cNvSpPr>
+          <p:nvPr>
+            <p:ph type="title"/>
+          </p:nvPr>
+        </p:nvSpPr>
+        <p:spPr/>
+        <p:txBody>
+          <a:bodyPr/>
+          <a:lstStyle/>
+          <a:p>
+            <a:r>
+              <a:rPr lang="en-US" dirty="0">
+                <a:solidFill>
+                  <a:srgbClr val="7030A0"/>
+                </a:solidFill>
+                <a:latin typeface="Cambria" panose="02040503050406030204" pitchFamily="18" charset="0"/>
+              </a:rPr>
+              <a:t>while</a:t>
+            </a:r>
+            <a:r>
+              <a:rPr lang="en-US" dirty="0"/>
+              <a:t> Statement Syntax</a:t>
+            </a:r>
+          </a:p>
+        </p:txBody>
+      </p:sp>
+      <p:sp>
+        <p:nvSpPr>
+          <p:cNvPr id="3" name="Content Placeholder 2"/>
+          <p:cNvSpPr>
+            <a:spLocks noGrp="1"/>
+          </p:cNvSpPr>
+          <p:nvPr>
+            <p:ph idx="1"/>
+          </p:nvPr>
+        </p:nvSpPr>
+        <p:spPr>
+          <a:xfrm>
+            <a:off x="1600200" y="1600200"/>
+            <a:ext cx="6019800" cy="4525963"/>
+          </a:xfrm>
+        </p:spPr>
+        <p:txBody>
+          <a:bodyPr>
+            <a:normAutofit fontScale="92500" lnSpcReduction="20000"/>
+          </a:bodyPr>
+          <a:lstStyle/>
+          <a:p>
+            <a:pPr marL="0" indent="0">
+              <a:buNone/>
+            </a:pPr>
+            <a:r>
+              <a:rPr lang="en-US" dirty="0"/>
+              <a:t>while (loop repetition condition)</a:t>
+            </a:r>
+          </a:p>
+          <a:p>
+            <a:pPr marL="0" indent="0">
+              <a:buNone/>
+            </a:pPr>
+            <a:r>
+              <a:rPr lang="en-US" dirty="0"/>
+              <a:t>	statement;</a:t>
+            </a:r>
+          </a:p>
+          <a:p>
+            <a:pPr marL="0" indent="0">
+              <a:buNone/>
+            </a:pPr>
+            <a:endParaRPr lang="en-US" dirty="0"/>
+          </a:p>
+          <a:p>
+            <a:pPr marL="0" indent="0">
+              <a:buNone/>
+            </a:pPr>
+            <a:r>
+              <a:rPr lang="en-US" dirty="0">
+                <a:solidFill>
+                  <a:srgbClr val="7030A0"/>
+                </a:solidFill>
+              </a:rPr>
+              <a:t>/* display N asterisks. */</a:t>
+            </a:r>
+          </a:p>
+          <a:p>
+            <a:pPr marL="0" indent="0">
+              <a:buNone/>
+            </a:pPr>
+            <a:r>
+              <a:rPr lang="en-US" dirty="0" err="1">
+                <a:solidFill>
+                  <a:srgbClr val="7030A0"/>
+                </a:solidFill>
+              </a:rPr>
+              <a:t>count_star</a:t>
+            </a:r>
+            <a:r>
+              <a:rPr lang="en-US" dirty="0">
+                <a:solidFill>
+                  <a:srgbClr val="7030A0"/>
+                </a:solidFill>
+              </a:rPr>
+              <a:t> = 0;</a:t>
+            </a:r>
+          </a:p>
+          <a:p>
+            <a:pPr marL="0" indent="0">
+              <a:buNone/>
+            </a:pPr>
+            <a:r>
+              <a:rPr lang="en-US" dirty="0">
+                <a:solidFill>
+                  <a:srgbClr val="7030A0"/>
+                </a:solidFill>
+              </a:rPr>
+              <a:t>while (</a:t>
+            </a:r>
+            <a:r>
+              <a:rPr lang="en-US" dirty="0" err="1">
+                <a:solidFill>
+                  <a:srgbClr val="7030A0"/>
+                </a:solidFill>
+              </a:rPr>
+              <a:t>count_star</a:t>
+            </a:r>
+            <a:r>
+              <a:rPr lang="en-US" dirty="0">
+                <a:solidFill>
+                  <a:srgbClr val="7030A0"/>
+                </a:solidFill>
+              </a:rPr>
+              <a:t>  &lt;  N) {</a:t>
+            </a:r>
+          </a:p>
+          <a:p>
+            <a:pPr marL="0" indent="0">
+              <a:buNone/>
+            </a:pPr>
+            <a:r>
+              <a:rPr lang="en-US" dirty="0">
+                <a:solidFill>
+                  <a:srgbClr val="7030A0"/>
+                </a:solidFill>
+              </a:rPr>
+              <a:t>	</a:t>
+            </a:r>
+            <a:r>
+              <a:rPr lang="en-US" dirty="0" err="1">
+                <a:solidFill>
+                  <a:srgbClr val="7030A0"/>
+                </a:solidFill>
+              </a:rPr>
+              <a:t>printf</a:t>
+            </a:r>
+            <a:r>
+              <a:rPr lang="en-US" dirty="0">
+                <a:solidFill>
+                  <a:srgbClr val="7030A0"/>
+                </a:solidFill>
+              </a:rPr>
+              <a:t>(“*”);</a:t>
+            </a:r>
+          </a:p>
+          <a:p>
+            <a:pPr marL="0" indent="0">
+              <a:buNone/>
+            </a:pPr>
+            <a:r>
+              <a:rPr lang="en-US" dirty="0">
+                <a:solidFill>
+                  <a:srgbClr val="7030A0"/>
+                </a:solidFill>
+              </a:rPr>
+              <a:t>	</a:t>
+            </a:r>
+            <a:r>
+              <a:rPr lang="en-US" dirty="0" err="1">
+                <a:solidFill>
+                  <a:srgbClr val="7030A0"/>
+                </a:solidFill>
+              </a:rPr>
+              <a:t>count_star</a:t>
+            </a:r>
+            <a:r>
+              <a:rPr lang="en-US" dirty="0">
+                <a:solidFill>
+                  <a:srgbClr val="7030A0"/>
+                </a:solidFill>
+              </a:rPr>
+              <a:t> = </a:t>
+            </a:r>
+            <a:r>
+              <a:rPr lang="en-US" dirty="0" err="1">
+                <a:solidFill>
+                  <a:srgbClr val="7030A0"/>
+                </a:solidFill>
+              </a:rPr>
+              <a:t>count_star</a:t>
+            </a:r>
+            <a:r>
+              <a:rPr lang="en-US" dirty="0">
+                <a:solidFill>
+                  <a:srgbClr val="7030A0"/>
+                </a:solidFill>
+              </a:rPr>
+              <a:t> + 1;</a:t>
+            </a:r>
+          </a:p>
+          <a:p>
+            <a:pPr marL="0" indent="0">
+              <a:buNone/>
+            </a:pPr>
+            <a:r>
+              <a:rPr lang="en-US" dirty="0">
+                <a:solidFill>
+                  <a:srgbClr val="7030A0"/>
+                </a:solidFill>
+              </a:rPr>
+              <a:t>}</a:t>
+            </a:r>
+          </a:p>
+        </p:txBody>
+      </p:sp>
+      <p:sp>
+        <p:nvSpPr>
+          <p:cNvPr id="4" name="Footer Placeholder 3"/>
           <p:cNvSpPr>
             <a:spLocks noGrp="1"/>
           </p:cNvSpPr>
@@ -10538,7 +6147,7 @@
       </p:sp>
       <p:sp>
         <p:nvSpPr>
-          <p:cNvPr id="3" name="Slide Number Placeholder 2"/>
+          <p:cNvPr id="5" name="Slide Number Placeholder 4"/>
           <p:cNvSpPr>
             <a:spLocks noGrp="1"/>
           </p:cNvSpPr>
@@ -10553,373 +6162,16 @@
           <a:p>
             <a:fld id="{85A8DA42-601D-40A8-83CA-2F2CBDE5F9F0}" type="slidenum">
               <a:rPr lang="en-US" smtClean="0"/>
-              <a:t>47</a:t>
+              <a:t>4</a:t>
             </a:fld>
             <a:endParaRPr lang="en-US"/>
           </a:p>
         </p:txBody>
       </p:sp>
-      <p:pic>
-        <p:nvPicPr>
-          <p:cNvPr id="21506" name="Picture 2"/>
-          <p:cNvPicPr>
-            <a:picLocks noChangeAspect="1" noChangeArrowheads="1"/>
-          </p:cNvPicPr>
-          <p:nvPr/>
-        </p:nvPicPr>
-        <p:blipFill>
-          <a:blip r:embed="rId2">
-            <a:extLst>
-              <a:ext uri="{28A0092B-C50C-407E-A947-70E740481C1C}">
-                <a14:useLocalDpi xmlns:a14="http://schemas.microsoft.com/office/drawing/2010/main" val="0"/>
-              </a:ext>
-            </a:extLst>
-          </a:blip>
-          <a:srcRect/>
-          <a:stretch>
-            <a:fillRect/>
-          </a:stretch>
-        </p:blipFill>
-        <p:spPr bwMode="auto">
-          <a:xfrm>
-            <a:off x="2590800" y="1260463"/>
-            <a:ext cx="4624387" cy="3436856"/>
-          </a:xfrm>
-          <a:prstGeom prst="rect">
-            <a:avLst/>
-          </a:prstGeom>
-          <a:noFill/>
-          <a:ln>
-            <a:noFill/>
-          </a:ln>
-          <a:extLst>
-            <a:ext uri="{909E8E84-426E-40DD-AFC4-6F175D3DCCD1}">
-              <a14:hiddenFill xmlns:a14="http://schemas.microsoft.com/office/drawing/2010/main">
-                <a:solidFill>
-                  <a:schemeClr val="accent1"/>
-                </a:solidFill>
-              </a14:hiddenFill>
-            </a:ext>
-            <a:ext uri="{91240B29-F687-4F45-9708-019B960494DF}">
-              <a14:hiddenLine xmlns:a14="http://schemas.microsoft.com/office/drawing/2010/main" w="9525">
-                <a:solidFill>
-                  <a:schemeClr val="tx1"/>
-                </a:solidFill>
-                <a:miter lim="800000"/>
-                <a:headEnd/>
-                <a:tailEnd/>
-              </a14:hiddenLine>
-            </a:ext>
-          </a:extLst>
-        </p:spPr>
-      </p:pic>
     </p:spTree>
     <p:extLst>
       <p:ext uri="{BB962C8B-B14F-4D97-AF65-F5344CB8AC3E}">
-        <p14:creationId xmlns:p14="http://schemas.microsoft.com/office/powerpoint/2010/main" val="2611214945"/>
-      </p:ext>
-    </p:extLst>
-  </p:cSld>
-  <p:clrMapOvr>
-    <a:masterClrMapping/>
-  </p:clrMapOvr>
-</p:sld>
-</file>
-
-<file path=ppt/slides/slide48.xml><?xml version="1.0" encoding="utf-8"?>
-<p:sld xmlns:a="http://schemas.openxmlformats.org/drawingml/2006/main" xmlns:r="http://schemas.openxmlformats.org/officeDocument/2006/relationships" xmlns:p="http://schemas.openxmlformats.org/presentationml/2006/main">
-  <p:cSld>
-    <p:spTree>
-      <p:nvGrpSpPr>
-        <p:cNvPr id="1" name=""/>
-        <p:cNvGrpSpPr/>
-        <p:nvPr/>
-      </p:nvGrpSpPr>
-      <p:grpSpPr>
-        <a:xfrm>
-          <a:off x="0" y="0"/>
-          <a:ext cx="0" cy="0"/>
-          <a:chOff x="0" y="0"/>
-          <a:chExt cx="0" cy="0"/>
-        </a:xfrm>
-      </p:grpSpPr>
-      <p:sp>
-        <p:nvSpPr>
-          <p:cNvPr id="2" name="Footer Placeholder 1"/>
-          <p:cNvSpPr>
-            <a:spLocks noGrp="1"/>
-          </p:cNvSpPr>
-          <p:nvPr>
-            <p:ph type="ftr" sz="quarter" idx="11"/>
-          </p:nvPr>
-        </p:nvSpPr>
-        <p:spPr/>
-        <p:txBody>
-          <a:bodyPr/>
-          <a:lstStyle/>
-          <a:p>
-            <a:r>
-              <a:rPr lang="en-US"/>
-              <a:t>© 2016 Pearson Education, Inc., Hoboken, NJ.  All rights reserved.</a:t>
-            </a:r>
-          </a:p>
-        </p:txBody>
-      </p:sp>
-      <p:sp>
-        <p:nvSpPr>
-          <p:cNvPr id="3" name="Slide Number Placeholder 2"/>
-          <p:cNvSpPr>
-            <a:spLocks noGrp="1"/>
-          </p:cNvSpPr>
-          <p:nvPr>
-            <p:ph type="sldNum" sz="quarter" idx="12"/>
-          </p:nvPr>
-        </p:nvSpPr>
-        <p:spPr/>
-        <p:txBody>
-          <a:bodyPr/>
-          <a:lstStyle/>
-          <a:p>
-            <a:fld id="{85A8DA42-601D-40A8-83CA-2F2CBDE5F9F0}" type="slidenum">
-              <a:rPr lang="en-US" smtClean="0"/>
-              <a:t>48</a:t>
-            </a:fld>
-            <a:endParaRPr lang="en-US"/>
-          </a:p>
-        </p:txBody>
-      </p:sp>
-      <p:pic>
-        <p:nvPicPr>
-          <p:cNvPr id="22530" name="Picture 2"/>
-          <p:cNvPicPr>
-            <a:picLocks noChangeAspect="1" noChangeArrowheads="1"/>
-          </p:cNvPicPr>
-          <p:nvPr/>
-        </p:nvPicPr>
-        <p:blipFill>
-          <a:blip r:embed="rId2">
-            <a:extLst>
-              <a:ext uri="{28A0092B-C50C-407E-A947-70E740481C1C}">
-                <a14:useLocalDpi xmlns:a14="http://schemas.microsoft.com/office/drawing/2010/main" val="0"/>
-              </a:ext>
-            </a:extLst>
-          </a:blip>
-          <a:srcRect/>
-          <a:stretch>
-            <a:fillRect/>
-          </a:stretch>
-        </p:blipFill>
-        <p:spPr bwMode="auto">
-          <a:xfrm>
-            <a:off x="1524000" y="271798"/>
-            <a:ext cx="6367463" cy="5923701"/>
-          </a:xfrm>
-          <a:prstGeom prst="rect">
-            <a:avLst/>
-          </a:prstGeom>
-          <a:noFill/>
-          <a:ln>
-            <a:noFill/>
-          </a:ln>
-          <a:extLst>
-            <a:ext uri="{909E8E84-426E-40DD-AFC4-6F175D3DCCD1}">
-              <a14:hiddenFill xmlns:a14="http://schemas.microsoft.com/office/drawing/2010/main">
-                <a:solidFill>
-                  <a:schemeClr val="accent1"/>
-                </a:solidFill>
-              </a14:hiddenFill>
-            </a:ext>
-            <a:ext uri="{91240B29-F687-4F45-9708-019B960494DF}">
-              <a14:hiddenLine xmlns:a14="http://schemas.microsoft.com/office/drawing/2010/main" w="9525">
-                <a:solidFill>
-                  <a:schemeClr val="tx1"/>
-                </a:solidFill>
-                <a:miter lim="800000"/>
-                <a:headEnd/>
-                <a:tailEnd/>
-              </a14:hiddenLine>
-            </a:ext>
-          </a:extLst>
-        </p:spPr>
-      </p:pic>
-    </p:spTree>
-    <p:extLst>
-      <p:ext uri="{BB962C8B-B14F-4D97-AF65-F5344CB8AC3E}">
-        <p14:creationId xmlns:p14="http://schemas.microsoft.com/office/powerpoint/2010/main" val="380655466"/>
-      </p:ext>
-    </p:extLst>
-  </p:cSld>
-  <p:clrMapOvr>
-    <a:masterClrMapping/>
-  </p:clrMapOvr>
-</p:sld>
-</file>
-
-<file path=ppt/slides/slide49.xml><?xml version="1.0" encoding="utf-8"?>
-<p:sld xmlns:a="http://schemas.openxmlformats.org/drawingml/2006/main" xmlns:r="http://schemas.openxmlformats.org/officeDocument/2006/relationships" xmlns:p="http://schemas.openxmlformats.org/presentationml/2006/main">
-  <p:cSld>
-    <p:spTree>
-      <p:nvGrpSpPr>
-        <p:cNvPr id="1" name=""/>
-        <p:cNvGrpSpPr/>
-        <p:nvPr/>
-      </p:nvGrpSpPr>
-      <p:grpSpPr>
-        <a:xfrm>
-          <a:off x="0" y="0"/>
-          <a:ext cx="0" cy="0"/>
-          <a:chOff x="0" y="0"/>
-          <a:chExt cx="0" cy="0"/>
-        </a:xfrm>
-      </p:grpSpPr>
-      <p:sp>
-        <p:nvSpPr>
-          <p:cNvPr id="2" name="Title 1"/>
-          <p:cNvSpPr>
-            <a:spLocks noGrp="1"/>
-          </p:cNvSpPr>
-          <p:nvPr>
-            <p:ph type="title"/>
-          </p:nvPr>
-        </p:nvSpPr>
-        <p:spPr/>
-        <p:txBody>
-          <a:bodyPr>
-            <a:normAutofit fontScale="90000"/>
-          </a:bodyPr>
-          <a:lstStyle/>
-          <a:p>
-            <a:r>
-              <a:rPr lang="en-US" dirty="0"/>
-              <a:t>Flag-Controlled Loops for Input Validation</a:t>
-            </a:r>
-          </a:p>
-        </p:txBody>
-      </p:sp>
-      <p:sp>
-        <p:nvSpPr>
-          <p:cNvPr id="3" name="Content Placeholder 2"/>
-          <p:cNvSpPr>
-            <a:spLocks noGrp="1"/>
-          </p:cNvSpPr>
-          <p:nvPr>
-            <p:ph idx="1"/>
-          </p:nvPr>
-        </p:nvSpPr>
-        <p:spPr/>
-        <p:txBody>
-          <a:bodyPr>
-            <a:normAutofit lnSpcReduction="10000"/>
-          </a:bodyPr>
-          <a:lstStyle/>
-          <a:p>
-            <a:r>
-              <a:rPr lang="en-US" dirty="0"/>
-              <a:t>Sometimes a loop repetition condition becomes so complex that placing the full expression in its usual spot is awkward</a:t>
-            </a:r>
-          </a:p>
-          <a:p>
-            <a:r>
-              <a:rPr lang="en-US" dirty="0"/>
-              <a:t>Simplify the condition by using a </a:t>
-            </a:r>
-            <a:r>
-              <a:rPr lang="en-US" b="1" dirty="0"/>
-              <a:t>flag</a:t>
-            </a:r>
-          </a:p>
-          <a:p>
-            <a:endParaRPr lang="en-US" dirty="0"/>
-          </a:p>
-          <a:p>
-            <a:r>
-              <a:rPr lang="en-US" dirty="0">
-                <a:solidFill>
-                  <a:srgbClr val="7030A0"/>
-                </a:solidFill>
-              </a:rPr>
-              <a:t>flag</a:t>
-            </a:r>
-          </a:p>
-          <a:p>
-            <a:pPr lvl="1">
-              <a:buFont typeface="Arial" panose="020B0604020202020204" pitchFamily="34" charset="0"/>
-              <a:buChar char="•"/>
-            </a:pPr>
-            <a:r>
-              <a:rPr lang="en-US" dirty="0"/>
-              <a:t>a type </a:t>
-            </a:r>
-            <a:r>
-              <a:rPr lang="en-US" dirty="0" err="1"/>
-              <a:t>int</a:t>
-            </a:r>
-            <a:r>
-              <a:rPr lang="en-US" dirty="0"/>
-              <a:t> variable used to represent whether or not a certain event has occurred</a:t>
-            </a:r>
-          </a:p>
-          <a:p>
-            <a:pPr lvl="1">
-              <a:buFont typeface="Arial" panose="020B0604020202020204" pitchFamily="34" charset="0"/>
-              <a:buChar char="•"/>
-            </a:pPr>
-            <a:r>
-              <a:rPr lang="en-US" dirty="0"/>
-              <a:t>1 (true) and 0 (false)</a:t>
-            </a:r>
-          </a:p>
-        </p:txBody>
-      </p:sp>
-      <p:sp>
-        <p:nvSpPr>
-          <p:cNvPr id="4" name="Footer Placeholder 3"/>
-          <p:cNvSpPr>
-            <a:spLocks noGrp="1"/>
-          </p:cNvSpPr>
-          <p:nvPr>
-            <p:ph type="ftr" sz="quarter" idx="11"/>
-          </p:nvPr>
-        </p:nvSpPr>
-        <p:spPr/>
-        <p:txBody>
-          <a:bodyPr/>
-          <a:lstStyle/>
-          <a:p>
-            <a:r>
-              <a:rPr lang="en-US"/>
-              <a:t>© 2016 Pearson Education, Inc., Hoboken, NJ.  All rights reserved.</a:t>
-            </a:r>
-          </a:p>
-        </p:txBody>
-      </p:sp>
-      <p:sp>
-        <p:nvSpPr>
-          <p:cNvPr id="5" name="Slide Number Placeholder 4"/>
-          <p:cNvSpPr>
-            <a:spLocks noGrp="1"/>
-          </p:cNvSpPr>
-          <p:nvPr>
-            <p:ph type="sldNum" sz="quarter" idx="12"/>
-          </p:nvPr>
-        </p:nvSpPr>
-        <p:spPr/>
-        <p:txBody>
-          <a:bodyPr/>
-          <a:lstStyle/>
-          <a:p>
-            <a:fld id="{85A8DA42-601D-40A8-83CA-2F2CBDE5F9F0}" type="slidenum">
-              <a:rPr lang="en-US" smtClean="0"/>
-              <a:t>49</a:t>
-            </a:fld>
-            <a:endParaRPr lang="en-US"/>
-          </a:p>
-        </p:txBody>
-      </p:sp>
-    </p:spTree>
-    <p:extLst>
-      <p:ext uri="{BB962C8B-B14F-4D97-AF65-F5344CB8AC3E}">
-        <p14:creationId xmlns:p14="http://schemas.microsoft.com/office/powerpoint/2010/main" val="1047539053"/>
+        <p14:creationId xmlns:p14="http://schemas.microsoft.com/office/powerpoint/2010/main" val="92963071"/>
       </p:ext>
     </p:extLst>
   </p:cSld>
@@ -11207,453 +6459,6 @@
     <p:extLst>
       <p:ext uri="{BB962C8B-B14F-4D97-AF65-F5344CB8AC3E}">
         <p14:creationId xmlns:p14="http://schemas.microsoft.com/office/powerpoint/2010/main" val="4066634340"/>
-      </p:ext>
-    </p:extLst>
-  </p:cSld>
-  <p:clrMapOvr>
-    <a:masterClrMapping/>
-  </p:clrMapOvr>
-</p:sld>
-</file>
-
-<file path=ppt/slides/slide50.xml><?xml version="1.0" encoding="utf-8"?>
-<p:sld xmlns:a="http://schemas.openxmlformats.org/drawingml/2006/main" xmlns:r="http://schemas.openxmlformats.org/officeDocument/2006/relationships" xmlns:p="http://schemas.openxmlformats.org/presentationml/2006/main">
-  <p:cSld>
-    <p:spTree>
-      <p:nvGrpSpPr>
-        <p:cNvPr id="1" name=""/>
-        <p:cNvGrpSpPr/>
-        <p:nvPr/>
-      </p:nvGrpSpPr>
-      <p:grpSpPr>
-        <a:xfrm>
-          <a:off x="0" y="0"/>
-          <a:ext cx="0" cy="0"/>
-          <a:chOff x="0" y="0"/>
-          <a:chExt cx="0" cy="0"/>
-        </a:xfrm>
-      </p:grpSpPr>
-      <p:sp>
-        <p:nvSpPr>
-          <p:cNvPr id="2" name="Footer Placeholder 1"/>
-          <p:cNvSpPr>
-            <a:spLocks noGrp="1"/>
-          </p:cNvSpPr>
-          <p:nvPr>
-            <p:ph type="ftr" sz="quarter" idx="11"/>
-          </p:nvPr>
-        </p:nvSpPr>
-        <p:spPr/>
-        <p:txBody>
-          <a:bodyPr/>
-          <a:lstStyle/>
-          <a:p>
-            <a:r>
-              <a:rPr lang="en-US"/>
-              <a:t>© 2016 Pearson Education, Inc., Hoboken, NJ.  All rights reserved.</a:t>
-            </a:r>
-          </a:p>
-        </p:txBody>
-      </p:sp>
-      <p:sp>
-        <p:nvSpPr>
-          <p:cNvPr id="3" name="Slide Number Placeholder 2"/>
-          <p:cNvSpPr>
-            <a:spLocks noGrp="1"/>
-          </p:cNvSpPr>
-          <p:nvPr>
-            <p:ph type="sldNum" sz="quarter" idx="12"/>
-          </p:nvPr>
-        </p:nvSpPr>
-        <p:spPr/>
-        <p:txBody>
-          <a:bodyPr/>
-          <a:lstStyle/>
-          <a:p>
-            <a:fld id="{85A8DA42-601D-40A8-83CA-2F2CBDE5F9F0}" type="slidenum">
-              <a:rPr lang="en-US" smtClean="0"/>
-              <a:t>50</a:t>
-            </a:fld>
-            <a:endParaRPr lang="en-US"/>
-          </a:p>
-        </p:txBody>
-      </p:sp>
-      <p:pic>
-        <p:nvPicPr>
-          <p:cNvPr id="23554" name="Picture 2"/>
-          <p:cNvPicPr>
-            <a:picLocks noChangeAspect="1" noChangeArrowheads="1"/>
-          </p:cNvPicPr>
-          <p:nvPr/>
-        </p:nvPicPr>
-        <p:blipFill>
-          <a:blip r:embed="rId2">
-            <a:extLst>
-              <a:ext uri="{28A0092B-C50C-407E-A947-70E740481C1C}">
-                <a14:useLocalDpi xmlns:a14="http://schemas.microsoft.com/office/drawing/2010/main" val="0"/>
-              </a:ext>
-            </a:extLst>
-          </a:blip>
-          <a:srcRect/>
-          <a:stretch>
-            <a:fillRect/>
-          </a:stretch>
-        </p:blipFill>
-        <p:spPr bwMode="auto">
-          <a:xfrm>
-            <a:off x="2057400" y="381000"/>
-            <a:ext cx="5300662" cy="5771334"/>
-          </a:xfrm>
-          <a:prstGeom prst="rect">
-            <a:avLst/>
-          </a:prstGeom>
-          <a:noFill/>
-          <a:ln>
-            <a:noFill/>
-          </a:ln>
-          <a:extLst>
-            <a:ext uri="{909E8E84-426E-40DD-AFC4-6F175D3DCCD1}">
-              <a14:hiddenFill xmlns:a14="http://schemas.microsoft.com/office/drawing/2010/main">
-                <a:solidFill>
-                  <a:schemeClr val="accent1"/>
-                </a:solidFill>
-              </a14:hiddenFill>
-            </a:ext>
-            <a:ext uri="{91240B29-F687-4F45-9708-019B960494DF}">
-              <a14:hiddenLine xmlns:a14="http://schemas.microsoft.com/office/drawing/2010/main" w="9525">
-                <a:solidFill>
-                  <a:schemeClr val="tx1"/>
-                </a:solidFill>
-                <a:miter lim="800000"/>
-                <a:headEnd/>
-                <a:tailEnd/>
-              </a14:hiddenLine>
-            </a:ext>
-          </a:extLst>
-        </p:spPr>
-      </p:pic>
-    </p:spTree>
-    <p:extLst>
-      <p:ext uri="{BB962C8B-B14F-4D97-AF65-F5344CB8AC3E}">
-        <p14:creationId xmlns:p14="http://schemas.microsoft.com/office/powerpoint/2010/main" val="2141948695"/>
-      </p:ext>
-    </p:extLst>
-  </p:cSld>
-  <p:clrMapOvr>
-    <a:masterClrMapping/>
-  </p:clrMapOvr>
-</p:sld>
-</file>
-
-<file path=ppt/slides/slide51.xml><?xml version="1.0" encoding="utf-8"?>
-<p:sld xmlns:a="http://schemas.openxmlformats.org/drawingml/2006/main" xmlns:r="http://schemas.openxmlformats.org/officeDocument/2006/relationships" xmlns:p="http://schemas.openxmlformats.org/presentationml/2006/main">
-  <p:cSld>
-    <p:spTree>
-      <p:nvGrpSpPr>
-        <p:cNvPr id="1" name=""/>
-        <p:cNvGrpSpPr/>
-        <p:nvPr/>
-      </p:nvGrpSpPr>
-      <p:grpSpPr>
-        <a:xfrm>
-          <a:off x="0" y="0"/>
-          <a:ext cx="0" cy="0"/>
-          <a:chOff x="0" y="0"/>
-          <a:chExt cx="0" cy="0"/>
-        </a:xfrm>
-      </p:grpSpPr>
-      <p:sp>
-        <p:nvSpPr>
-          <p:cNvPr id="2" name="Title 1"/>
-          <p:cNvSpPr>
-            <a:spLocks noGrp="1"/>
-          </p:cNvSpPr>
-          <p:nvPr>
-            <p:ph type="title"/>
-          </p:nvPr>
-        </p:nvSpPr>
-        <p:spPr/>
-        <p:txBody>
-          <a:bodyPr/>
-          <a:lstStyle/>
-          <a:p>
-            <a:r>
-              <a:rPr lang="en-US" dirty="0"/>
-              <a:t>Off-by-One Loop Errors</a:t>
-            </a:r>
-          </a:p>
-        </p:txBody>
-      </p:sp>
-      <p:sp>
-        <p:nvSpPr>
-          <p:cNvPr id="3" name="Content Placeholder 2"/>
-          <p:cNvSpPr>
-            <a:spLocks noGrp="1"/>
-          </p:cNvSpPr>
-          <p:nvPr>
-            <p:ph idx="1"/>
-          </p:nvPr>
-        </p:nvSpPr>
-        <p:spPr/>
-        <p:txBody>
-          <a:bodyPr/>
-          <a:lstStyle/>
-          <a:p>
-            <a:r>
-              <a:rPr lang="en-US" dirty="0"/>
-              <a:t>A fairly common logic error in programs with loops is a loop that executes on more time or one less time than required.</a:t>
-            </a:r>
-          </a:p>
-          <a:p>
-            <a:r>
-              <a:rPr lang="en-US" dirty="0"/>
-              <a:t>If a sentinel-controlled loop performs an extra repetition, it may erroneously process the sentinel value along with the regular data.</a:t>
-            </a:r>
-          </a:p>
-          <a:p>
-            <a:r>
-              <a:rPr lang="en-US" dirty="0"/>
-              <a:t>loop boundaries</a:t>
-            </a:r>
-          </a:p>
-          <a:p>
-            <a:pPr lvl="1"/>
-            <a:r>
-              <a:rPr lang="en-US" dirty="0"/>
-              <a:t>initial and final values of the loop control variable</a:t>
-            </a:r>
-          </a:p>
-        </p:txBody>
-      </p:sp>
-      <p:sp>
-        <p:nvSpPr>
-          <p:cNvPr id="4" name="Footer Placeholder 3"/>
-          <p:cNvSpPr>
-            <a:spLocks noGrp="1"/>
-          </p:cNvSpPr>
-          <p:nvPr>
-            <p:ph type="ftr" sz="quarter" idx="11"/>
-          </p:nvPr>
-        </p:nvSpPr>
-        <p:spPr/>
-        <p:txBody>
-          <a:bodyPr/>
-          <a:lstStyle/>
-          <a:p>
-            <a:r>
-              <a:rPr lang="en-US"/>
-              <a:t>© 2016 Pearson Education, Inc., Hoboken, NJ.  All rights reserved.</a:t>
-            </a:r>
-          </a:p>
-        </p:txBody>
-      </p:sp>
-      <p:sp>
-        <p:nvSpPr>
-          <p:cNvPr id="5" name="Slide Number Placeholder 4"/>
-          <p:cNvSpPr>
-            <a:spLocks noGrp="1"/>
-          </p:cNvSpPr>
-          <p:nvPr>
-            <p:ph type="sldNum" sz="quarter" idx="12"/>
-          </p:nvPr>
-        </p:nvSpPr>
-        <p:spPr/>
-        <p:txBody>
-          <a:bodyPr/>
-          <a:lstStyle/>
-          <a:p>
-            <a:fld id="{85A8DA42-601D-40A8-83CA-2F2CBDE5F9F0}" type="slidenum">
-              <a:rPr lang="en-US" smtClean="0"/>
-              <a:t>51</a:t>
-            </a:fld>
-            <a:endParaRPr lang="en-US"/>
-          </a:p>
-        </p:txBody>
-      </p:sp>
-    </p:spTree>
-    <p:extLst>
-      <p:ext uri="{BB962C8B-B14F-4D97-AF65-F5344CB8AC3E}">
-        <p14:creationId xmlns:p14="http://schemas.microsoft.com/office/powerpoint/2010/main" val="4021970034"/>
-      </p:ext>
-    </p:extLst>
-  </p:cSld>
-  <p:clrMapOvr>
-    <a:masterClrMapping/>
-  </p:clrMapOvr>
-</p:sld>
-</file>
-
-<file path=ppt/slides/slide52.xml><?xml version="1.0" encoding="utf-8"?>
-<p:sld xmlns:a="http://schemas.openxmlformats.org/drawingml/2006/main" xmlns:r="http://schemas.openxmlformats.org/officeDocument/2006/relationships" xmlns:p="http://schemas.openxmlformats.org/presentationml/2006/main">
-  <p:cSld>
-    <p:spTree>
-      <p:nvGrpSpPr>
-        <p:cNvPr id="1" name=""/>
-        <p:cNvGrpSpPr/>
-        <p:nvPr/>
-      </p:nvGrpSpPr>
-      <p:grpSpPr>
-        <a:xfrm>
-          <a:off x="0" y="0"/>
-          <a:ext cx="0" cy="0"/>
-          <a:chOff x="0" y="0"/>
-          <a:chExt cx="0" cy="0"/>
-        </a:xfrm>
-      </p:grpSpPr>
-      <p:sp>
-        <p:nvSpPr>
-          <p:cNvPr id="2" name="Title 1"/>
-          <p:cNvSpPr>
-            <a:spLocks noGrp="1"/>
-          </p:cNvSpPr>
-          <p:nvPr>
-            <p:ph type="title"/>
-          </p:nvPr>
-        </p:nvSpPr>
-        <p:spPr/>
-        <p:txBody>
-          <a:bodyPr/>
-          <a:lstStyle/>
-          <a:p>
-            <a:r>
-              <a:rPr lang="en-US" dirty="0"/>
-              <a:t>Wrap Up</a:t>
-            </a:r>
-          </a:p>
-        </p:txBody>
-      </p:sp>
-      <p:sp>
-        <p:nvSpPr>
-          <p:cNvPr id="3" name="Content Placeholder 2"/>
-          <p:cNvSpPr>
-            <a:spLocks noGrp="1"/>
-          </p:cNvSpPr>
-          <p:nvPr>
-            <p:ph idx="1"/>
-          </p:nvPr>
-        </p:nvSpPr>
-        <p:spPr/>
-        <p:txBody>
-          <a:bodyPr>
-            <a:normAutofit/>
-          </a:bodyPr>
-          <a:lstStyle/>
-          <a:p>
-            <a:r>
-              <a:rPr lang="en-US" dirty="0"/>
-              <a:t>Use a loop to repeat steps in a program</a:t>
-            </a:r>
-          </a:p>
-          <a:p>
-            <a:r>
-              <a:rPr lang="en-US" dirty="0"/>
-              <a:t>Frequently </a:t>
-            </a:r>
-            <a:r>
-              <a:rPr lang="en-US" dirty="0" err="1"/>
-              <a:t>occuring</a:t>
-            </a:r>
-            <a:r>
-              <a:rPr lang="en-US" dirty="0"/>
-              <a:t> loops</a:t>
-            </a:r>
-          </a:p>
-          <a:p>
-            <a:pPr lvl="1"/>
-            <a:r>
-              <a:rPr lang="en-US" dirty="0"/>
-              <a:t>counter-controlled loop</a:t>
-            </a:r>
-          </a:p>
-          <a:p>
-            <a:pPr lvl="1"/>
-            <a:r>
-              <a:rPr lang="en-US" dirty="0"/>
-              <a:t>sentinel-controlled loop</a:t>
-            </a:r>
-          </a:p>
-          <a:p>
-            <a:r>
-              <a:rPr lang="en-US" dirty="0"/>
-              <a:t>Other useful loops</a:t>
-            </a:r>
-          </a:p>
-          <a:p>
-            <a:pPr lvl="1"/>
-            <a:r>
-              <a:rPr lang="en-US" dirty="0" err="1"/>
-              <a:t>endfile</a:t>
-            </a:r>
-            <a:r>
-              <a:rPr lang="en-US" dirty="0"/>
-              <a:t>-controlled loop</a:t>
-            </a:r>
-          </a:p>
-          <a:p>
-            <a:pPr lvl="1"/>
-            <a:r>
-              <a:rPr lang="en-US" dirty="0"/>
-              <a:t>input validation loop</a:t>
-            </a:r>
-          </a:p>
-          <a:p>
-            <a:pPr lvl="1"/>
-            <a:r>
-              <a:rPr lang="en-US" dirty="0"/>
-              <a:t>general conditional loop</a:t>
-            </a:r>
-          </a:p>
-        </p:txBody>
-      </p:sp>
-      <p:sp>
-        <p:nvSpPr>
-          <p:cNvPr id="4" name="Footer Placeholder 3"/>
-          <p:cNvSpPr>
-            <a:spLocks noGrp="1"/>
-          </p:cNvSpPr>
-          <p:nvPr>
-            <p:ph type="ftr" sz="quarter" idx="11"/>
-          </p:nvPr>
-        </p:nvSpPr>
-        <p:spPr/>
-        <p:txBody>
-          <a:bodyPr/>
-          <a:lstStyle/>
-          <a:p>
-            <a:r>
-              <a:rPr lang="en-US"/>
-              <a:t>© 2016 Pearson Education, Inc., Hoboken, NJ.  All rights reserved.</a:t>
-            </a:r>
-          </a:p>
-        </p:txBody>
-      </p:sp>
-      <p:sp>
-        <p:nvSpPr>
-          <p:cNvPr id="5" name="Slide Number Placeholder 4"/>
-          <p:cNvSpPr>
-            <a:spLocks noGrp="1"/>
-          </p:cNvSpPr>
-          <p:nvPr>
-            <p:ph type="sldNum" sz="quarter" idx="12"/>
-          </p:nvPr>
-        </p:nvSpPr>
-        <p:spPr/>
-        <p:txBody>
-          <a:bodyPr/>
-          <a:lstStyle/>
-          <a:p>
-            <a:fld id="{85A8DA42-601D-40A8-83CA-2F2CBDE5F9F0}" type="slidenum">
-              <a:rPr lang="en-US" smtClean="0"/>
-              <a:t>52</a:t>
-            </a:fld>
-            <a:endParaRPr lang="en-US"/>
-          </a:p>
-        </p:txBody>
-      </p:sp>
-    </p:spTree>
-    <p:extLst>
-      <p:ext uri="{BB962C8B-B14F-4D97-AF65-F5344CB8AC3E}">
-        <p14:creationId xmlns:p14="http://schemas.microsoft.com/office/powerpoint/2010/main" val="3142733257"/>
       </p:ext>
     </p:extLst>
   </p:cSld>
